--- a/LagouAnalyst.pptx
+++ b/LagouAnalyst.pptx
@@ -6,22 +6,27 @@
   </p:sldMasterIdLst>
   <p:sldIdLst>
     <p:sldId id="256" r:id="rId2"/>
-    <p:sldId id="266" r:id="rId3"/>
-    <p:sldId id="257" r:id="rId4"/>
-    <p:sldId id="258" r:id="rId5"/>
-    <p:sldId id="269" r:id="rId6"/>
-    <p:sldId id="259" r:id="rId7"/>
-    <p:sldId id="262" r:id="rId8"/>
-    <p:sldId id="261" r:id="rId9"/>
-    <p:sldId id="264" r:id="rId10"/>
-    <p:sldId id="263" r:id="rId11"/>
-    <p:sldId id="260" r:id="rId12"/>
-    <p:sldId id="267" r:id="rId13"/>
-    <p:sldId id="268" r:id="rId14"/>
-    <p:sldId id="265" r:id="rId15"/>
-    <p:sldId id="270" r:id="rId16"/>
-    <p:sldId id="273" r:id="rId17"/>
-    <p:sldId id="274" r:id="rId18"/>
+    <p:sldId id="275" r:id="rId3"/>
+    <p:sldId id="276" r:id="rId4"/>
+    <p:sldId id="277" r:id="rId5"/>
+    <p:sldId id="273" r:id="rId6"/>
+    <p:sldId id="278" r:id="rId7"/>
+    <p:sldId id="266" r:id="rId8"/>
+    <p:sldId id="257" r:id="rId9"/>
+    <p:sldId id="258" r:id="rId10"/>
+    <p:sldId id="269" r:id="rId11"/>
+    <p:sldId id="259" r:id="rId12"/>
+    <p:sldId id="262" r:id="rId13"/>
+    <p:sldId id="261" r:id="rId14"/>
+    <p:sldId id="264" r:id="rId15"/>
+    <p:sldId id="263" r:id="rId16"/>
+    <p:sldId id="260" r:id="rId17"/>
+    <p:sldId id="267" r:id="rId18"/>
+    <p:sldId id="268" r:id="rId19"/>
+    <p:sldId id="265" r:id="rId20"/>
+    <p:sldId id="270" r:id="rId21"/>
+    <p:sldId id="279" r:id="rId22"/>
+    <p:sldId id="280" r:id="rId23"/>
   </p:sldIdLst>
   <p:sldSz cx="12192000" cy="6858000"/>
   <p:notesSz cx="6858000" cy="9144000"/>
@@ -275,7 +280,7 @@
           <a:p>
             <a:fld id="{1628DE62-8CA9-408A-914E-F35EAE1A45E2}" type="datetimeFigureOut">
               <a:rPr lang="zh-CN" altLang="en-US" smtClean="0"/>
-              <a:t>2020/10/9</a:t>
+              <a:t>2020/10/14</a:t>
             </a:fld>
             <a:endParaRPr lang="zh-CN" altLang="en-US"/>
           </a:p>
@@ -473,7 +478,7 @@
           <a:p>
             <a:fld id="{1628DE62-8CA9-408A-914E-F35EAE1A45E2}" type="datetimeFigureOut">
               <a:rPr lang="zh-CN" altLang="en-US" smtClean="0"/>
-              <a:t>2020/10/9</a:t>
+              <a:t>2020/10/14</a:t>
             </a:fld>
             <a:endParaRPr lang="zh-CN" altLang="en-US"/>
           </a:p>
@@ -681,7 +686,7 @@
           <a:p>
             <a:fld id="{1628DE62-8CA9-408A-914E-F35EAE1A45E2}" type="datetimeFigureOut">
               <a:rPr lang="zh-CN" altLang="en-US" smtClean="0"/>
-              <a:t>2020/10/9</a:t>
+              <a:t>2020/10/14</a:t>
             </a:fld>
             <a:endParaRPr lang="zh-CN" altLang="en-US"/>
           </a:p>
@@ -879,7 +884,7 @@
           <a:p>
             <a:fld id="{1628DE62-8CA9-408A-914E-F35EAE1A45E2}" type="datetimeFigureOut">
               <a:rPr lang="zh-CN" altLang="en-US" smtClean="0"/>
-              <a:t>2020/10/9</a:t>
+              <a:t>2020/10/14</a:t>
             </a:fld>
             <a:endParaRPr lang="zh-CN" altLang="en-US"/>
           </a:p>
@@ -1154,7 +1159,7 @@
           <a:p>
             <a:fld id="{1628DE62-8CA9-408A-914E-F35EAE1A45E2}" type="datetimeFigureOut">
               <a:rPr lang="zh-CN" altLang="en-US" smtClean="0"/>
-              <a:t>2020/10/9</a:t>
+              <a:t>2020/10/14</a:t>
             </a:fld>
             <a:endParaRPr lang="zh-CN" altLang="en-US"/>
           </a:p>
@@ -1419,7 +1424,7 @@
           <a:p>
             <a:fld id="{1628DE62-8CA9-408A-914E-F35EAE1A45E2}" type="datetimeFigureOut">
               <a:rPr lang="zh-CN" altLang="en-US" smtClean="0"/>
-              <a:t>2020/10/9</a:t>
+              <a:t>2020/10/14</a:t>
             </a:fld>
             <a:endParaRPr lang="zh-CN" altLang="en-US"/>
           </a:p>
@@ -1831,7 +1836,7 @@
           <a:p>
             <a:fld id="{1628DE62-8CA9-408A-914E-F35EAE1A45E2}" type="datetimeFigureOut">
               <a:rPr lang="zh-CN" altLang="en-US" smtClean="0"/>
-              <a:t>2020/10/9</a:t>
+              <a:t>2020/10/14</a:t>
             </a:fld>
             <a:endParaRPr lang="zh-CN" altLang="en-US"/>
           </a:p>
@@ -1972,7 +1977,7 @@
           <a:p>
             <a:fld id="{1628DE62-8CA9-408A-914E-F35EAE1A45E2}" type="datetimeFigureOut">
               <a:rPr lang="zh-CN" altLang="en-US" smtClean="0"/>
-              <a:t>2020/10/9</a:t>
+              <a:t>2020/10/14</a:t>
             </a:fld>
             <a:endParaRPr lang="zh-CN" altLang="en-US"/>
           </a:p>
@@ -2085,7 +2090,7 @@
           <a:p>
             <a:fld id="{1628DE62-8CA9-408A-914E-F35EAE1A45E2}" type="datetimeFigureOut">
               <a:rPr lang="zh-CN" altLang="en-US" smtClean="0"/>
-              <a:t>2020/10/9</a:t>
+              <a:t>2020/10/14</a:t>
             </a:fld>
             <a:endParaRPr lang="zh-CN" altLang="en-US"/>
           </a:p>
@@ -2396,7 +2401,7 @@
           <a:p>
             <a:fld id="{1628DE62-8CA9-408A-914E-F35EAE1A45E2}" type="datetimeFigureOut">
               <a:rPr lang="zh-CN" altLang="en-US" smtClean="0"/>
-              <a:t>2020/10/9</a:t>
+              <a:t>2020/10/14</a:t>
             </a:fld>
             <a:endParaRPr lang="zh-CN" altLang="en-US"/>
           </a:p>
@@ -2684,7 +2689,7 @@
           <a:p>
             <a:fld id="{1628DE62-8CA9-408A-914E-F35EAE1A45E2}" type="datetimeFigureOut">
               <a:rPr lang="zh-CN" altLang="en-US" smtClean="0"/>
-              <a:t>2020/10/9</a:t>
+              <a:t>2020/10/14</a:t>
             </a:fld>
             <a:endParaRPr lang="zh-CN" altLang="en-US"/>
           </a:p>
@@ -2925,7 +2930,7 @@
           <a:p>
             <a:fld id="{1628DE62-8CA9-408A-914E-F35EAE1A45E2}" type="datetimeFigureOut">
               <a:rPr lang="zh-CN" altLang="en-US" smtClean="0"/>
-              <a:t>2020/10/9</a:t>
+              <a:t>2020/10/14</a:t>
             </a:fld>
             <a:endParaRPr lang="zh-CN" altLang="en-US"/>
           </a:p>
@@ -3344,51 +3349,611 @@
       </p:grpSpPr>
       <p:sp>
         <p:nvSpPr>
-          <p:cNvPr id="2" name="标题 1">
-            <a:extLst>
-              <a:ext uri="{FF2B5EF4-FFF2-40B4-BE49-F238E27FC236}">
-                <a16:creationId xmlns:a16="http://schemas.microsoft.com/office/drawing/2014/main" id="{9833E84E-7FC8-4C71-8BA0-62659FFE0FCA}"/>
-              </a:ext>
-            </a:extLst>
-          </p:cNvPr>
-          <p:cNvSpPr>
-            <a:spLocks noGrp="1"/>
-          </p:cNvSpPr>
-          <p:nvPr>
-            <p:ph type="ctrTitle"/>
-          </p:nvPr>
-        </p:nvSpPr>
-        <p:spPr/>
-        <p:txBody>
-          <a:bodyPr/>
-          <a:lstStyle/>
-          <a:p>
-            <a:endParaRPr lang="zh-CN" altLang="en-US"/>
-          </a:p>
-        </p:txBody>
-      </p:sp>
-      <p:sp>
-        <p:nvSpPr>
-          <p:cNvPr id="3" name="副标题 2">
-            <a:extLst>
-              <a:ext uri="{FF2B5EF4-FFF2-40B4-BE49-F238E27FC236}">
-                <a16:creationId xmlns:a16="http://schemas.microsoft.com/office/drawing/2014/main" id="{9C61BCD1-4240-47ED-AFBE-CFB2A96AACE8}"/>
-              </a:ext>
-            </a:extLst>
-          </p:cNvPr>
-          <p:cNvSpPr>
-            <a:spLocks noGrp="1"/>
-          </p:cNvSpPr>
-          <p:nvPr>
-            <p:ph type="subTitle" idx="1"/>
-          </p:nvPr>
-        </p:nvSpPr>
-        <p:spPr/>
-        <p:txBody>
-          <a:bodyPr/>
-          <a:lstStyle/>
-          <a:p>
-            <a:endParaRPr lang="zh-CN" altLang="en-US"/>
+          <p:cNvPr id="4" name="Rectangle 3">
+            <a:extLst>
+              <a:ext uri="{FF2B5EF4-FFF2-40B4-BE49-F238E27FC236}">
+                <a16:creationId xmlns:a16="http://schemas.microsoft.com/office/drawing/2014/main" id="{8ADDF4BE-77AD-4811-A778-6C1A8D4B395B}"/>
+              </a:ext>
+            </a:extLst>
+          </p:cNvPr>
+          <p:cNvSpPr txBox="1">
+            <a:spLocks noChangeArrowheads="1"/>
+          </p:cNvSpPr>
+          <p:nvPr/>
+        </p:nvSpPr>
+        <p:spPr bwMode="auto">
+          <a:xfrm>
+            <a:off x="950738" y="1459042"/>
+            <a:ext cx="9993925" cy="677863"/>
+          </a:xfrm>
+          <a:prstGeom prst="rect">
+            <a:avLst/>
+          </a:prstGeom>
+          <a:noFill/>
+          <a:ln>
+            <a:noFill/>
+          </a:ln>
+          <a:extLst>
+            <a:ext uri="{909E8E84-426E-40DD-AFC4-6F175D3DCCD1}">
+              <a14:hiddenFill xmlns:a14="http://schemas.microsoft.com/office/drawing/2010/main">
+                <a:solidFill>
+                  <a:srgbClr val="FFFFFF"/>
+                </a:solidFill>
+              </a14:hiddenFill>
+            </a:ext>
+            <a:ext uri="{91240B29-F687-4F45-9708-019B960494DF}">
+              <a14:hiddenLine xmlns:a14="http://schemas.microsoft.com/office/drawing/2010/main" w="9525">
+                <a:solidFill>
+                  <a:srgbClr val="000000"/>
+                </a:solidFill>
+                <a:miter lim="800000"/>
+                <a:headEnd/>
+                <a:tailEnd/>
+              </a14:hiddenLine>
+            </a:ext>
+          </a:extLst>
+        </p:spPr>
+        <p:txBody>
+          <a:bodyPr anchor="ctr"/>
+          <a:lstStyle>
+            <a:lvl1pPr eaLnBrk="0" hangingPunct="0">
+              <a:defRPr>
+                <a:solidFill>
+                  <a:schemeClr val="tx1"/>
+                </a:solidFill>
+                <a:latin typeface="Arial" panose="020B0604020202020204" pitchFamily="34" charset="0"/>
+                <a:ea typeface="宋体" panose="02010600030101010101" pitchFamily="2" charset="-122"/>
+              </a:defRPr>
+            </a:lvl1pPr>
+            <a:lvl2pPr marL="742950" indent="-285750" eaLnBrk="0" hangingPunct="0">
+              <a:defRPr>
+                <a:solidFill>
+                  <a:schemeClr val="tx1"/>
+                </a:solidFill>
+                <a:latin typeface="Arial" panose="020B0604020202020204" pitchFamily="34" charset="0"/>
+                <a:ea typeface="宋体" panose="02010600030101010101" pitchFamily="2" charset="-122"/>
+              </a:defRPr>
+            </a:lvl2pPr>
+            <a:lvl3pPr marL="1143000" indent="-228600" eaLnBrk="0" hangingPunct="0">
+              <a:defRPr>
+                <a:solidFill>
+                  <a:schemeClr val="tx1"/>
+                </a:solidFill>
+                <a:latin typeface="Arial" panose="020B0604020202020204" pitchFamily="34" charset="0"/>
+                <a:ea typeface="宋体" panose="02010600030101010101" pitchFamily="2" charset="-122"/>
+              </a:defRPr>
+            </a:lvl3pPr>
+            <a:lvl4pPr marL="1600200" indent="-228600" eaLnBrk="0" hangingPunct="0">
+              <a:defRPr>
+                <a:solidFill>
+                  <a:schemeClr val="tx1"/>
+                </a:solidFill>
+                <a:latin typeface="Arial" panose="020B0604020202020204" pitchFamily="34" charset="0"/>
+                <a:ea typeface="宋体" panose="02010600030101010101" pitchFamily="2" charset="-122"/>
+              </a:defRPr>
+            </a:lvl4pPr>
+            <a:lvl5pPr marL="2057400" indent="-228600" eaLnBrk="0" hangingPunct="0">
+              <a:defRPr>
+                <a:solidFill>
+                  <a:schemeClr val="tx1"/>
+                </a:solidFill>
+                <a:latin typeface="Arial" panose="020B0604020202020204" pitchFamily="34" charset="0"/>
+                <a:ea typeface="宋体" panose="02010600030101010101" pitchFamily="2" charset="-122"/>
+              </a:defRPr>
+            </a:lvl5pPr>
+            <a:lvl6pPr marL="2514600" indent="-228600" eaLnBrk="0" fontAlgn="base" hangingPunct="0">
+              <a:spcBef>
+                <a:spcPct val="0"/>
+              </a:spcBef>
+              <a:spcAft>
+                <a:spcPct val="0"/>
+              </a:spcAft>
+              <a:buFont typeface="Arial" panose="020B0604020202020204" pitchFamily="34" charset="0"/>
+              <a:defRPr>
+                <a:solidFill>
+                  <a:schemeClr val="tx1"/>
+                </a:solidFill>
+                <a:latin typeface="Arial" panose="020B0604020202020204" pitchFamily="34" charset="0"/>
+                <a:ea typeface="宋体" panose="02010600030101010101" pitchFamily="2" charset="-122"/>
+              </a:defRPr>
+            </a:lvl6pPr>
+            <a:lvl7pPr marL="2971800" indent="-228600" eaLnBrk="0" fontAlgn="base" hangingPunct="0">
+              <a:spcBef>
+                <a:spcPct val="0"/>
+              </a:spcBef>
+              <a:spcAft>
+                <a:spcPct val="0"/>
+              </a:spcAft>
+              <a:buFont typeface="Arial" panose="020B0604020202020204" pitchFamily="34" charset="0"/>
+              <a:defRPr>
+                <a:solidFill>
+                  <a:schemeClr val="tx1"/>
+                </a:solidFill>
+                <a:latin typeface="Arial" panose="020B0604020202020204" pitchFamily="34" charset="0"/>
+                <a:ea typeface="宋体" panose="02010600030101010101" pitchFamily="2" charset="-122"/>
+              </a:defRPr>
+            </a:lvl7pPr>
+            <a:lvl8pPr marL="3429000" indent="-228600" eaLnBrk="0" fontAlgn="base" hangingPunct="0">
+              <a:spcBef>
+                <a:spcPct val="0"/>
+              </a:spcBef>
+              <a:spcAft>
+                <a:spcPct val="0"/>
+              </a:spcAft>
+              <a:buFont typeface="Arial" panose="020B0604020202020204" pitchFamily="34" charset="0"/>
+              <a:defRPr>
+                <a:solidFill>
+                  <a:schemeClr val="tx1"/>
+                </a:solidFill>
+                <a:latin typeface="Arial" panose="020B0604020202020204" pitchFamily="34" charset="0"/>
+                <a:ea typeface="宋体" panose="02010600030101010101" pitchFamily="2" charset="-122"/>
+              </a:defRPr>
+            </a:lvl8pPr>
+            <a:lvl9pPr marL="3886200" indent="-228600" eaLnBrk="0" fontAlgn="base" hangingPunct="0">
+              <a:spcBef>
+                <a:spcPct val="0"/>
+              </a:spcBef>
+              <a:spcAft>
+                <a:spcPct val="0"/>
+              </a:spcAft>
+              <a:buFont typeface="Arial" panose="020B0604020202020204" pitchFamily="34" charset="0"/>
+              <a:defRPr>
+                <a:solidFill>
+                  <a:schemeClr val="tx1"/>
+                </a:solidFill>
+                <a:latin typeface="Arial" panose="020B0604020202020204" pitchFamily="34" charset="0"/>
+                <a:ea typeface="宋体" panose="02010600030101010101" pitchFamily="2" charset="-122"/>
+              </a:defRPr>
+            </a:lvl9pPr>
+          </a:lstStyle>
+          <a:p>
+            <a:pPr eaLnBrk="1" hangingPunct="1"/>
+            <a:r>
+              <a:rPr lang="zh-CN" altLang="en-US" sz="4800" b="1" dirty="0">
+                <a:solidFill>
+                  <a:schemeClr val="accent1">
+                    <a:lumMod val="75000"/>
+                  </a:schemeClr>
+                </a:solidFill>
+                <a:latin typeface="黑体" panose="02010609060101010101" pitchFamily="49" charset="-122"/>
+                <a:ea typeface="黑体" panose="02010609060101010101" pitchFamily="49" charset="-122"/>
+              </a:rPr>
+              <a:t>市场上对数据分析师要求与需求分析</a:t>
+            </a:r>
+          </a:p>
+        </p:txBody>
+      </p:sp>
+      <p:sp>
+        <p:nvSpPr>
+          <p:cNvPr id="5" name="TextBox 12">
+            <a:extLst>
+              <a:ext uri="{FF2B5EF4-FFF2-40B4-BE49-F238E27FC236}">
+                <a16:creationId xmlns:a16="http://schemas.microsoft.com/office/drawing/2014/main" id="{3F3B7700-AAF2-4DE1-A633-114C2A5D8FDA}"/>
+              </a:ext>
+            </a:extLst>
+          </p:cNvPr>
+          <p:cNvSpPr txBox="1">
+            <a:spLocks noChangeArrowheads="1"/>
+          </p:cNvSpPr>
+          <p:nvPr/>
+        </p:nvSpPr>
+        <p:spPr bwMode="auto">
+          <a:xfrm>
+            <a:off x="125257" y="4816100"/>
+            <a:ext cx="10372792" cy="420564"/>
+          </a:xfrm>
+          <a:prstGeom prst="rect">
+            <a:avLst/>
+          </a:prstGeom>
+          <a:noFill/>
+          <a:ln>
+            <a:noFill/>
+          </a:ln>
+          <a:extLst>
+            <a:ext uri="{909E8E84-426E-40DD-AFC4-6F175D3DCCD1}">
+              <a14:hiddenFill xmlns:a14="http://schemas.microsoft.com/office/drawing/2010/main">
+                <a:solidFill>
+                  <a:srgbClr val="FFFFFF"/>
+                </a:solidFill>
+              </a14:hiddenFill>
+            </a:ext>
+            <a:ext uri="{91240B29-F687-4F45-9708-019B960494DF}">
+              <a14:hiddenLine xmlns:a14="http://schemas.microsoft.com/office/drawing/2010/main" w="9525">
+                <a:solidFill>
+                  <a:srgbClr val="000000"/>
+                </a:solidFill>
+                <a:miter lim="800000"/>
+                <a:headEnd/>
+                <a:tailEnd/>
+              </a14:hiddenLine>
+            </a:ext>
+          </a:extLst>
+        </p:spPr>
+        <p:txBody>
+          <a:bodyPr wrap="square">
+            <a:spAutoFit/>
+          </a:bodyPr>
+          <a:lstStyle>
+            <a:lvl1pPr eaLnBrk="0" hangingPunct="0">
+              <a:defRPr>
+                <a:solidFill>
+                  <a:schemeClr val="tx1"/>
+                </a:solidFill>
+                <a:latin typeface="Arial" panose="020B0604020202020204" pitchFamily="34" charset="0"/>
+                <a:ea typeface="宋体" panose="02010600030101010101" pitchFamily="2" charset="-122"/>
+              </a:defRPr>
+            </a:lvl1pPr>
+            <a:lvl2pPr marL="742950" indent="-285750" eaLnBrk="0" hangingPunct="0">
+              <a:defRPr>
+                <a:solidFill>
+                  <a:schemeClr val="tx1"/>
+                </a:solidFill>
+                <a:latin typeface="Arial" panose="020B0604020202020204" pitchFamily="34" charset="0"/>
+                <a:ea typeface="宋体" panose="02010600030101010101" pitchFamily="2" charset="-122"/>
+              </a:defRPr>
+            </a:lvl2pPr>
+            <a:lvl3pPr marL="1143000" indent="-228600" eaLnBrk="0" hangingPunct="0">
+              <a:defRPr>
+                <a:solidFill>
+                  <a:schemeClr val="tx1"/>
+                </a:solidFill>
+                <a:latin typeface="Arial" panose="020B0604020202020204" pitchFamily="34" charset="0"/>
+                <a:ea typeface="宋体" panose="02010600030101010101" pitchFamily="2" charset="-122"/>
+              </a:defRPr>
+            </a:lvl3pPr>
+            <a:lvl4pPr marL="1600200" indent="-228600" eaLnBrk="0" hangingPunct="0">
+              <a:defRPr>
+                <a:solidFill>
+                  <a:schemeClr val="tx1"/>
+                </a:solidFill>
+                <a:latin typeface="Arial" panose="020B0604020202020204" pitchFamily="34" charset="0"/>
+                <a:ea typeface="宋体" panose="02010600030101010101" pitchFamily="2" charset="-122"/>
+              </a:defRPr>
+            </a:lvl4pPr>
+            <a:lvl5pPr marL="2057400" indent="-228600" eaLnBrk="0" hangingPunct="0">
+              <a:defRPr>
+                <a:solidFill>
+                  <a:schemeClr val="tx1"/>
+                </a:solidFill>
+                <a:latin typeface="Arial" panose="020B0604020202020204" pitchFamily="34" charset="0"/>
+                <a:ea typeface="宋体" panose="02010600030101010101" pitchFamily="2" charset="-122"/>
+              </a:defRPr>
+            </a:lvl5pPr>
+            <a:lvl6pPr marL="2514600" indent="-228600" eaLnBrk="0" fontAlgn="base" hangingPunct="0">
+              <a:spcBef>
+                <a:spcPct val="0"/>
+              </a:spcBef>
+              <a:spcAft>
+                <a:spcPct val="0"/>
+              </a:spcAft>
+              <a:buFont typeface="Arial" panose="020B0604020202020204" pitchFamily="34" charset="0"/>
+              <a:defRPr>
+                <a:solidFill>
+                  <a:schemeClr val="tx1"/>
+                </a:solidFill>
+                <a:latin typeface="Arial" panose="020B0604020202020204" pitchFamily="34" charset="0"/>
+                <a:ea typeface="宋体" panose="02010600030101010101" pitchFamily="2" charset="-122"/>
+              </a:defRPr>
+            </a:lvl6pPr>
+            <a:lvl7pPr marL="2971800" indent="-228600" eaLnBrk="0" fontAlgn="base" hangingPunct="0">
+              <a:spcBef>
+                <a:spcPct val="0"/>
+              </a:spcBef>
+              <a:spcAft>
+                <a:spcPct val="0"/>
+              </a:spcAft>
+              <a:buFont typeface="Arial" panose="020B0604020202020204" pitchFamily="34" charset="0"/>
+              <a:defRPr>
+                <a:solidFill>
+                  <a:schemeClr val="tx1"/>
+                </a:solidFill>
+                <a:latin typeface="Arial" panose="020B0604020202020204" pitchFamily="34" charset="0"/>
+                <a:ea typeface="宋体" panose="02010600030101010101" pitchFamily="2" charset="-122"/>
+              </a:defRPr>
+            </a:lvl7pPr>
+            <a:lvl8pPr marL="3429000" indent="-228600" eaLnBrk="0" fontAlgn="base" hangingPunct="0">
+              <a:spcBef>
+                <a:spcPct val="0"/>
+              </a:spcBef>
+              <a:spcAft>
+                <a:spcPct val="0"/>
+              </a:spcAft>
+              <a:buFont typeface="Arial" panose="020B0604020202020204" pitchFamily="34" charset="0"/>
+              <a:defRPr>
+                <a:solidFill>
+                  <a:schemeClr val="tx1"/>
+                </a:solidFill>
+                <a:latin typeface="Arial" panose="020B0604020202020204" pitchFamily="34" charset="0"/>
+                <a:ea typeface="宋体" panose="02010600030101010101" pitchFamily="2" charset="-122"/>
+              </a:defRPr>
+            </a:lvl8pPr>
+            <a:lvl9pPr marL="3886200" indent="-228600" eaLnBrk="0" fontAlgn="base" hangingPunct="0">
+              <a:spcBef>
+                <a:spcPct val="0"/>
+              </a:spcBef>
+              <a:spcAft>
+                <a:spcPct val="0"/>
+              </a:spcAft>
+              <a:buFont typeface="Arial" panose="020B0604020202020204" pitchFamily="34" charset="0"/>
+              <a:defRPr>
+                <a:solidFill>
+                  <a:schemeClr val="tx1"/>
+                </a:solidFill>
+                <a:latin typeface="Arial" panose="020B0604020202020204" pitchFamily="34" charset="0"/>
+                <a:ea typeface="宋体" panose="02010600030101010101" pitchFamily="2" charset="-122"/>
+              </a:defRPr>
+            </a:lvl9pPr>
+          </a:lstStyle>
+          <a:p>
+            <a:pPr eaLnBrk="1" hangingPunct="1"/>
+            <a:r>
+              <a:rPr lang="zh-CN" altLang="en-US" sz="2133" i="1" dirty="0">
+                <a:latin typeface="华文楷体" panose="02010600040101010101" pitchFamily="2" charset="-122"/>
+                <a:ea typeface="华文楷体" panose="02010600040101010101" pitchFamily="2" charset="-122"/>
+              </a:rPr>
+              <a:t>数据来源：</a:t>
+            </a:r>
+            <a:r>
+              <a:rPr lang="en-US" altLang="zh-CN" sz="2133" i="1" dirty="0">
+                <a:latin typeface="华文楷体" panose="02010600040101010101" pitchFamily="2" charset="-122"/>
+                <a:ea typeface="华文楷体" panose="02010600040101010101" pitchFamily="2" charset="-122"/>
+              </a:rPr>
+              <a:t>2019/04/30 </a:t>
+            </a:r>
+            <a:r>
+              <a:rPr lang="zh-CN" altLang="en-US" sz="2133" i="1" dirty="0">
+                <a:latin typeface="华文楷体" panose="02010600040101010101" pitchFamily="2" charset="-122"/>
+                <a:ea typeface="华文楷体" panose="02010600040101010101" pitchFamily="2" charset="-122"/>
+              </a:rPr>
+              <a:t>拉勾网</a:t>
+            </a:r>
+            <a:r>
+              <a:rPr lang="en-US" altLang="zh-CN" sz="2133" i="1" dirty="0">
+                <a:latin typeface="华文楷体" panose="02010600040101010101" pitchFamily="2" charset="-122"/>
+                <a:ea typeface="华文楷体" panose="02010600040101010101" pitchFamily="2" charset="-122"/>
+                <a:hlinkClick r:id="rId2"/>
+              </a:rPr>
+              <a:t>https://www.lagou.com</a:t>
+            </a:r>
+            <a:r>
+              <a:rPr lang="en-US" altLang="zh-CN" sz="2133" i="1" dirty="0">
+                <a:latin typeface="华文楷体" panose="02010600040101010101" pitchFamily="2" charset="-122"/>
+                <a:ea typeface="华文楷体" panose="02010600040101010101" pitchFamily="2" charset="-122"/>
+              </a:rPr>
+              <a:t> </a:t>
+            </a:r>
+            <a:r>
+              <a:rPr lang="zh-CN" altLang="en-US" sz="2133" i="1" dirty="0">
+                <a:latin typeface="华文楷体" panose="02010600040101010101" pitchFamily="2" charset="-122"/>
+                <a:ea typeface="华文楷体" panose="02010600040101010101" pitchFamily="2" charset="-122"/>
+              </a:rPr>
+              <a:t>数据分析师查询结果</a:t>
+            </a:r>
+          </a:p>
+        </p:txBody>
+      </p:sp>
+      <p:cxnSp>
+        <p:nvCxnSpPr>
+          <p:cNvPr id="6" name="直接连接符 44">
+            <a:extLst>
+              <a:ext uri="{FF2B5EF4-FFF2-40B4-BE49-F238E27FC236}">
+                <a16:creationId xmlns:a16="http://schemas.microsoft.com/office/drawing/2014/main" id="{51F5E0CA-EF3A-4EF5-9698-8E5A4C5CF46A}"/>
+              </a:ext>
+            </a:extLst>
+          </p:cNvPr>
+          <p:cNvCxnSpPr>
+            <a:cxnSpLocks noChangeShapeType="1"/>
+          </p:cNvCxnSpPr>
+          <p:nvPr/>
+        </p:nvCxnSpPr>
+        <p:spPr bwMode="auto">
+          <a:xfrm>
+            <a:off x="112086" y="5244766"/>
+            <a:ext cx="8748713" cy="0"/>
+          </a:xfrm>
+          <a:prstGeom prst="line">
+            <a:avLst/>
+          </a:prstGeom>
+          <a:noFill/>
+          <a:ln w="9525" cmpd="sng">
+            <a:solidFill>
+              <a:srgbClr val="504B48"/>
+            </a:solidFill>
+            <a:round/>
+          </a:ln>
+          <a:effectLst/>
+          <a:extLst>
+            <a:ext uri="{909E8E84-426E-40DD-AFC4-6F175D3DCCD1}">
+              <a14:hiddenFill xmlns:a14="http://schemas.microsoft.com/office/drawing/2010/main">
+                <a:noFill/>
+              </a14:hiddenFill>
+            </a:ext>
+            <a:ext uri="{AF507438-7753-43E0-B8FC-AC1667EBCBE1}">
+              <a14:hiddenEffects xmlns:a14="http://schemas.microsoft.com/office/drawing/2010/main">
+                <a:effectLst>
+                  <a:outerShdw dist="35921" dir="2700000" algn="ctr" rotWithShape="0">
+                    <a:schemeClr val="bg2"/>
+                  </a:outerShdw>
+                </a:effectLst>
+              </a14:hiddenEffects>
+            </a:ext>
+          </a:extLst>
+        </p:spPr>
+      </p:cxnSp>
+      <p:sp>
+        <p:nvSpPr>
+          <p:cNvPr id="7" name="TextBox 17">
+            <a:extLst>
+              <a:ext uri="{FF2B5EF4-FFF2-40B4-BE49-F238E27FC236}">
+                <a16:creationId xmlns:a16="http://schemas.microsoft.com/office/drawing/2014/main" id="{E8E1CB9E-C443-4659-BBEB-2489306853A2}"/>
+              </a:ext>
+            </a:extLst>
+          </p:cNvPr>
+          <p:cNvSpPr txBox="1">
+            <a:spLocks noChangeArrowheads="1"/>
+          </p:cNvSpPr>
+          <p:nvPr/>
+        </p:nvSpPr>
+        <p:spPr bwMode="auto">
+          <a:xfrm>
+            <a:off x="4317791" y="2710076"/>
+            <a:ext cx="3640503" cy="611834"/>
+          </a:xfrm>
+          <a:prstGeom prst="rect">
+            <a:avLst/>
+          </a:prstGeom>
+          <a:noFill/>
+          <a:ln>
+            <a:noFill/>
+          </a:ln>
+          <a:extLst>
+            <a:ext uri="{909E8E84-426E-40DD-AFC4-6F175D3DCCD1}">
+              <a14:hiddenFill xmlns:a14="http://schemas.microsoft.com/office/drawing/2010/main">
+                <a:solidFill>
+                  <a:srgbClr val="FFFFFF"/>
+                </a:solidFill>
+              </a14:hiddenFill>
+            </a:ext>
+            <a:ext uri="{91240B29-F687-4F45-9708-019B960494DF}">
+              <a14:hiddenLine xmlns:a14="http://schemas.microsoft.com/office/drawing/2010/main" w="9525">
+                <a:solidFill>
+                  <a:srgbClr val="000000"/>
+                </a:solidFill>
+                <a:miter lim="800000"/>
+                <a:headEnd/>
+                <a:tailEnd/>
+              </a14:hiddenLine>
+            </a:ext>
+          </a:extLst>
+        </p:spPr>
+        <p:txBody>
+          <a:bodyPr wrap="square">
+            <a:spAutoFit/>
+          </a:bodyPr>
+          <a:lstStyle>
+            <a:lvl1pPr eaLnBrk="0" hangingPunct="0">
+              <a:defRPr>
+                <a:solidFill>
+                  <a:schemeClr val="tx1"/>
+                </a:solidFill>
+                <a:latin typeface="Arial" panose="020B0604020202020204" pitchFamily="34" charset="0"/>
+                <a:ea typeface="宋体" panose="02010600030101010101" pitchFamily="2" charset="-122"/>
+              </a:defRPr>
+            </a:lvl1pPr>
+            <a:lvl2pPr marL="742950" indent="-285750" eaLnBrk="0" hangingPunct="0">
+              <a:defRPr>
+                <a:solidFill>
+                  <a:schemeClr val="tx1"/>
+                </a:solidFill>
+                <a:latin typeface="Arial" panose="020B0604020202020204" pitchFamily="34" charset="0"/>
+                <a:ea typeface="宋体" panose="02010600030101010101" pitchFamily="2" charset="-122"/>
+              </a:defRPr>
+            </a:lvl2pPr>
+            <a:lvl3pPr marL="1143000" indent="-228600" eaLnBrk="0" hangingPunct="0">
+              <a:defRPr>
+                <a:solidFill>
+                  <a:schemeClr val="tx1"/>
+                </a:solidFill>
+                <a:latin typeface="Arial" panose="020B0604020202020204" pitchFamily="34" charset="0"/>
+                <a:ea typeface="宋体" panose="02010600030101010101" pitchFamily="2" charset="-122"/>
+              </a:defRPr>
+            </a:lvl3pPr>
+            <a:lvl4pPr marL="1600200" indent="-228600" eaLnBrk="0" hangingPunct="0">
+              <a:defRPr>
+                <a:solidFill>
+                  <a:schemeClr val="tx1"/>
+                </a:solidFill>
+                <a:latin typeface="Arial" panose="020B0604020202020204" pitchFamily="34" charset="0"/>
+                <a:ea typeface="宋体" panose="02010600030101010101" pitchFamily="2" charset="-122"/>
+              </a:defRPr>
+            </a:lvl4pPr>
+            <a:lvl5pPr marL="2057400" indent="-228600" eaLnBrk="0" hangingPunct="0">
+              <a:defRPr>
+                <a:solidFill>
+                  <a:schemeClr val="tx1"/>
+                </a:solidFill>
+                <a:latin typeface="Arial" panose="020B0604020202020204" pitchFamily="34" charset="0"/>
+                <a:ea typeface="宋体" panose="02010600030101010101" pitchFamily="2" charset="-122"/>
+              </a:defRPr>
+            </a:lvl5pPr>
+            <a:lvl6pPr marL="2514600" indent="-228600" eaLnBrk="0" fontAlgn="base" hangingPunct="0">
+              <a:spcBef>
+                <a:spcPct val="0"/>
+              </a:spcBef>
+              <a:spcAft>
+                <a:spcPct val="0"/>
+              </a:spcAft>
+              <a:buFont typeface="Arial" panose="020B0604020202020204" pitchFamily="34" charset="0"/>
+              <a:defRPr>
+                <a:solidFill>
+                  <a:schemeClr val="tx1"/>
+                </a:solidFill>
+                <a:latin typeface="Arial" panose="020B0604020202020204" pitchFamily="34" charset="0"/>
+                <a:ea typeface="宋体" panose="02010600030101010101" pitchFamily="2" charset="-122"/>
+              </a:defRPr>
+            </a:lvl6pPr>
+            <a:lvl7pPr marL="2971800" indent="-228600" eaLnBrk="0" fontAlgn="base" hangingPunct="0">
+              <a:spcBef>
+                <a:spcPct val="0"/>
+              </a:spcBef>
+              <a:spcAft>
+                <a:spcPct val="0"/>
+              </a:spcAft>
+              <a:buFont typeface="Arial" panose="020B0604020202020204" pitchFamily="34" charset="0"/>
+              <a:defRPr>
+                <a:solidFill>
+                  <a:schemeClr val="tx1"/>
+                </a:solidFill>
+                <a:latin typeface="Arial" panose="020B0604020202020204" pitchFamily="34" charset="0"/>
+                <a:ea typeface="宋体" panose="02010600030101010101" pitchFamily="2" charset="-122"/>
+              </a:defRPr>
+            </a:lvl7pPr>
+            <a:lvl8pPr marL="3429000" indent="-228600" eaLnBrk="0" fontAlgn="base" hangingPunct="0">
+              <a:spcBef>
+                <a:spcPct val="0"/>
+              </a:spcBef>
+              <a:spcAft>
+                <a:spcPct val="0"/>
+              </a:spcAft>
+              <a:buFont typeface="Arial" panose="020B0604020202020204" pitchFamily="34" charset="0"/>
+              <a:defRPr>
+                <a:solidFill>
+                  <a:schemeClr val="tx1"/>
+                </a:solidFill>
+                <a:latin typeface="Arial" panose="020B0604020202020204" pitchFamily="34" charset="0"/>
+                <a:ea typeface="宋体" panose="02010600030101010101" pitchFamily="2" charset="-122"/>
+              </a:defRPr>
+            </a:lvl8pPr>
+            <a:lvl9pPr marL="3886200" indent="-228600" eaLnBrk="0" fontAlgn="base" hangingPunct="0">
+              <a:spcBef>
+                <a:spcPct val="0"/>
+              </a:spcBef>
+              <a:spcAft>
+                <a:spcPct val="0"/>
+              </a:spcAft>
+              <a:buFont typeface="Arial" panose="020B0604020202020204" pitchFamily="34" charset="0"/>
+              <a:defRPr>
+                <a:solidFill>
+                  <a:schemeClr val="tx1"/>
+                </a:solidFill>
+                <a:latin typeface="Arial" panose="020B0604020202020204" pitchFamily="34" charset="0"/>
+                <a:ea typeface="宋体" panose="02010600030101010101" pitchFamily="2" charset="-122"/>
+              </a:defRPr>
+            </a:lvl9pPr>
+          </a:lstStyle>
+          <a:p>
+            <a:pPr eaLnBrk="1" hangingPunct="1">
+              <a:lnSpc>
+                <a:spcPct val="150000"/>
+              </a:lnSpc>
+            </a:pPr>
+            <a:r>
+              <a:rPr lang="zh-CN" altLang="en-US" sz="2667" b="1" i="1" dirty="0">
+                <a:latin typeface="仿宋" panose="02010609060101010101" pitchFamily="49" charset="-122"/>
+                <a:ea typeface="仿宋" panose="02010609060101010101" pitchFamily="49" charset="-122"/>
+              </a:rPr>
+              <a:t>汇报人   聂诗雨</a:t>
+            </a:r>
           </a:p>
         </p:txBody>
       </p:sp>
@@ -3402,6 +3967,364 @@
   <p:clrMapOvr>
     <a:masterClrMapping/>
   </p:clrMapOvr>
+  <p:timing>
+    <p:tnLst>
+      <p:par>
+        <p:cTn id="1" dur="indefinite" restart="never" nodeType="tmRoot">
+          <p:childTnLst>
+            <p:seq concurrent="1" nextAc="seek">
+              <p:cTn id="2" dur="indefinite" nodeType="mainSeq">
+                <p:childTnLst>
+                  <p:par>
+                    <p:cTn id="3" fill="hold">
+                      <p:stCondLst>
+                        <p:cond delay="indefinite"/>
+                        <p:cond evt="onBegin" delay="0">
+                          <p:tn val="2"/>
+                        </p:cond>
+                      </p:stCondLst>
+                      <p:childTnLst>
+                        <p:par>
+                          <p:cTn id="4" fill="hold">
+                            <p:stCondLst>
+                              <p:cond delay="0"/>
+                            </p:stCondLst>
+                            <p:childTnLst>
+                              <p:par>
+                                <p:cTn id="5" presetID="2" presetClass="entr" presetSubtype="2" fill="hold" grpId="0" nodeType="afterEffect">
+                                  <p:stCondLst>
+                                    <p:cond delay="0"/>
+                                  </p:stCondLst>
+                                  <p:childTnLst>
+                                    <p:set>
+                                      <p:cBhvr>
+                                        <p:cTn id="6" dur="1" fill="hold">
+                                          <p:stCondLst>
+                                            <p:cond delay="0"/>
+                                          </p:stCondLst>
+                                        </p:cTn>
+                                        <p:tgtEl>
+                                          <p:spTgt spid="4"/>
+                                        </p:tgtEl>
+                                        <p:attrNameLst>
+                                          <p:attrName>style.visibility</p:attrName>
+                                        </p:attrNameLst>
+                                      </p:cBhvr>
+                                      <p:to>
+                                        <p:strVal val="visible"/>
+                                      </p:to>
+                                    </p:set>
+                                    <p:anim calcmode="lin" valueType="num">
+                                      <p:cBhvr additive="base">
+                                        <p:cTn id="7" dur="500" fill="hold"/>
+                                        <p:tgtEl>
+                                          <p:spTgt spid="4"/>
+                                        </p:tgtEl>
+                                        <p:attrNameLst>
+                                          <p:attrName>ppt_x</p:attrName>
+                                        </p:attrNameLst>
+                                      </p:cBhvr>
+                                      <p:tavLst>
+                                        <p:tav tm="0">
+                                          <p:val>
+                                            <p:strVal val="1+#ppt_w/2"/>
+                                          </p:val>
+                                        </p:tav>
+                                        <p:tav tm="100000">
+                                          <p:val>
+                                            <p:strVal val="#ppt_x"/>
+                                          </p:val>
+                                        </p:tav>
+                                      </p:tavLst>
+                                    </p:anim>
+                                    <p:anim calcmode="lin" valueType="num">
+                                      <p:cBhvr additive="base">
+                                        <p:cTn id="8" dur="500" fill="hold"/>
+                                        <p:tgtEl>
+                                          <p:spTgt spid="4"/>
+                                        </p:tgtEl>
+                                        <p:attrNameLst>
+                                          <p:attrName>ppt_y</p:attrName>
+                                        </p:attrNameLst>
+                                      </p:cBhvr>
+                                      <p:tavLst>
+                                        <p:tav tm="0">
+                                          <p:val>
+                                            <p:strVal val="#ppt_y"/>
+                                          </p:val>
+                                        </p:tav>
+                                        <p:tav tm="100000">
+                                          <p:val>
+                                            <p:strVal val="#ppt_y"/>
+                                          </p:val>
+                                        </p:tav>
+                                      </p:tavLst>
+                                    </p:anim>
+                                  </p:childTnLst>
+                                </p:cTn>
+                              </p:par>
+                            </p:childTnLst>
+                          </p:cTn>
+                        </p:par>
+                        <p:par>
+                          <p:cTn id="9" fill="hold">
+                            <p:stCondLst>
+                              <p:cond delay="500"/>
+                            </p:stCondLst>
+                            <p:childTnLst>
+                              <p:par>
+                                <p:cTn id="10" presetID="42" presetClass="entr" presetSubtype="0" fill="hold" nodeType="afterEffect">
+                                  <p:stCondLst>
+                                    <p:cond delay="0"/>
+                                  </p:stCondLst>
+                                  <p:childTnLst>
+                                    <p:set>
+                                      <p:cBhvr>
+                                        <p:cTn id="11" dur="1" fill="hold">
+                                          <p:stCondLst>
+                                            <p:cond delay="0"/>
+                                          </p:stCondLst>
+                                        </p:cTn>
+                                        <p:tgtEl>
+                                          <p:spTgt spid="7">
+                                            <p:txEl>
+                                              <p:pRg st="0" end="0"/>
+                                            </p:txEl>
+                                          </p:spTgt>
+                                        </p:tgtEl>
+                                        <p:attrNameLst>
+                                          <p:attrName>style.visibility</p:attrName>
+                                        </p:attrNameLst>
+                                      </p:cBhvr>
+                                      <p:to>
+                                        <p:strVal val="visible"/>
+                                      </p:to>
+                                    </p:set>
+                                    <p:animEffect transition="in" filter="fade">
+                                      <p:cBhvr>
+                                        <p:cTn id="12" dur="1000"/>
+                                        <p:tgtEl>
+                                          <p:spTgt spid="7">
+                                            <p:txEl>
+                                              <p:pRg st="0" end="0"/>
+                                            </p:txEl>
+                                          </p:spTgt>
+                                        </p:tgtEl>
+                                      </p:cBhvr>
+                                    </p:animEffect>
+                                    <p:anim calcmode="lin" valueType="num">
+                                      <p:cBhvr>
+                                        <p:cTn id="13" dur="1000" fill="hold"/>
+                                        <p:tgtEl>
+                                          <p:spTgt spid="7">
+                                            <p:txEl>
+                                              <p:pRg st="0" end="0"/>
+                                            </p:txEl>
+                                          </p:spTgt>
+                                        </p:tgtEl>
+                                        <p:attrNameLst>
+                                          <p:attrName>ppt_x</p:attrName>
+                                        </p:attrNameLst>
+                                      </p:cBhvr>
+                                      <p:tavLst>
+                                        <p:tav tm="0">
+                                          <p:val>
+                                            <p:strVal val="#ppt_x"/>
+                                          </p:val>
+                                        </p:tav>
+                                        <p:tav tm="100000">
+                                          <p:val>
+                                            <p:strVal val="#ppt_x"/>
+                                          </p:val>
+                                        </p:tav>
+                                      </p:tavLst>
+                                    </p:anim>
+                                    <p:anim calcmode="lin" valueType="num">
+                                      <p:cBhvr>
+                                        <p:cTn id="14" dur="1000" fill="hold"/>
+                                        <p:tgtEl>
+                                          <p:spTgt spid="7">
+                                            <p:txEl>
+                                              <p:pRg st="0" end="0"/>
+                                            </p:txEl>
+                                          </p:spTgt>
+                                        </p:tgtEl>
+                                        <p:attrNameLst>
+                                          <p:attrName>ppt_y</p:attrName>
+                                        </p:attrNameLst>
+                                      </p:cBhvr>
+                                      <p:tavLst>
+                                        <p:tav tm="0">
+                                          <p:val>
+                                            <p:strVal val="#ppt_y+.1"/>
+                                          </p:val>
+                                        </p:tav>
+                                        <p:tav tm="100000">
+                                          <p:val>
+                                            <p:strVal val="#ppt_y"/>
+                                          </p:val>
+                                        </p:tav>
+                                      </p:tavLst>
+                                    </p:anim>
+                                  </p:childTnLst>
+                                </p:cTn>
+                              </p:par>
+                            </p:childTnLst>
+                          </p:cTn>
+                        </p:par>
+                        <p:par>
+                          <p:cTn id="15" fill="hold">
+                            <p:stCondLst>
+                              <p:cond delay="1500"/>
+                            </p:stCondLst>
+                            <p:childTnLst>
+                              <p:par>
+                                <p:cTn id="16" presetID="22" presetClass="entr" presetSubtype="4" fill="hold" grpId="0" nodeType="afterEffect">
+                                  <p:stCondLst>
+                                    <p:cond delay="0"/>
+                                  </p:stCondLst>
+                                  <p:childTnLst>
+                                    <p:set>
+                                      <p:cBhvr>
+                                        <p:cTn id="17" dur="1" fill="hold">
+                                          <p:stCondLst>
+                                            <p:cond delay="0"/>
+                                          </p:stCondLst>
+                                        </p:cTn>
+                                        <p:tgtEl>
+                                          <p:spTgt spid="7"/>
+                                        </p:tgtEl>
+                                        <p:attrNameLst>
+                                          <p:attrName>style.visibility</p:attrName>
+                                        </p:attrNameLst>
+                                      </p:cBhvr>
+                                      <p:to>
+                                        <p:strVal val="visible"/>
+                                      </p:to>
+                                    </p:set>
+                                    <p:animEffect transition="in" filter="wipe(down)">
+                                      <p:cBhvr>
+                                        <p:cTn id="18" dur="500"/>
+                                        <p:tgtEl>
+                                          <p:spTgt spid="7"/>
+                                        </p:tgtEl>
+                                      </p:cBhvr>
+                                    </p:animEffect>
+                                  </p:childTnLst>
+                                </p:cTn>
+                              </p:par>
+                            </p:childTnLst>
+                          </p:cTn>
+                        </p:par>
+                        <p:par>
+                          <p:cTn id="19" fill="hold">
+                            <p:stCondLst>
+                              <p:cond delay="2000"/>
+                            </p:stCondLst>
+                            <p:childTnLst>
+                              <p:par>
+                                <p:cTn id="20" presetID="22" presetClass="entr" presetSubtype="2" fill="hold" nodeType="afterEffect">
+                                  <p:stCondLst>
+                                    <p:cond delay="0"/>
+                                  </p:stCondLst>
+                                  <p:childTnLst>
+                                    <p:set>
+                                      <p:cBhvr>
+                                        <p:cTn id="21" dur="1" fill="hold">
+                                          <p:stCondLst>
+                                            <p:cond delay="0"/>
+                                          </p:stCondLst>
+                                        </p:cTn>
+                                        <p:tgtEl>
+                                          <p:spTgt spid="6"/>
+                                        </p:tgtEl>
+                                        <p:attrNameLst>
+                                          <p:attrName>style.visibility</p:attrName>
+                                        </p:attrNameLst>
+                                      </p:cBhvr>
+                                      <p:to>
+                                        <p:strVal val="visible"/>
+                                      </p:to>
+                                    </p:set>
+                                    <p:animEffect transition="in" filter="wipe(right)">
+                                      <p:cBhvr>
+                                        <p:cTn id="22" dur="2000"/>
+                                        <p:tgtEl>
+                                          <p:spTgt spid="6"/>
+                                        </p:tgtEl>
+                                      </p:cBhvr>
+                                    </p:animEffect>
+                                  </p:childTnLst>
+                                </p:cTn>
+                              </p:par>
+                              <p:par>
+                                <p:cTn id="23" presetID="22" presetClass="entr" presetSubtype="2" fill="hold" grpId="0" nodeType="withEffect">
+                                  <p:stCondLst>
+                                    <p:cond delay="0"/>
+                                  </p:stCondLst>
+                                  <p:childTnLst>
+                                    <p:set>
+                                      <p:cBhvr>
+                                        <p:cTn id="24" dur="1" fill="hold">
+                                          <p:stCondLst>
+                                            <p:cond delay="0"/>
+                                          </p:stCondLst>
+                                        </p:cTn>
+                                        <p:tgtEl>
+                                          <p:spTgt spid="5"/>
+                                        </p:tgtEl>
+                                        <p:attrNameLst>
+                                          <p:attrName>style.visibility</p:attrName>
+                                        </p:attrNameLst>
+                                      </p:cBhvr>
+                                      <p:to>
+                                        <p:strVal val="visible"/>
+                                      </p:to>
+                                    </p:set>
+                                    <p:animEffect transition="in" filter="wipe(right)">
+                                      <p:cBhvr>
+                                        <p:cTn id="25" dur="500"/>
+                                        <p:tgtEl>
+                                          <p:spTgt spid="5"/>
+                                        </p:tgtEl>
+                                      </p:cBhvr>
+                                    </p:animEffect>
+                                  </p:childTnLst>
+                                </p:cTn>
+                              </p:par>
+                            </p:childTnLst>
+                          </p:cTn>
+                        </p:par>
+                      </p:childTnLst>
+                    </p:cTn>
+                  </p:par>
+                </p:childTnLst>
+              </p:cTn>
+              <p:prevCondLst>
+                <p:cond evt="onPrev" delay="0">
+                  <p:tgtEl>
+                    <p:sldTgt/>
+                  </p:tgtEl>
+                </p:cond>
+              </p:prevCondLst>
+              <p:nextCondLst>
+                <p:cond evt="onNext" delay="0">
+                  <p:tgtEl>
+                    <p:sldTgt/>
+                  </p:tgtEl>
+                </p:cond>
+              </p:nextCondLst>
+            </p:seq>
+          </p:childTnLst>
+        </p:cTn>
+      </p:par>
+    </p:tnLst>
+    <p:bldLst>
+      <p:bldP spid="4" grpId="0" autoUpdateAnimBg="0"/>
+      <p:bldP spid="5" grpId="0"/>
+      <p:bldP spid="7" grpId="0" autoUpdateAnimBg="0"/>
+    </p:bldLst>
+  </p:timing>
 </p:sld>
 </file>
 
@@ -3422,59 +4345,21 @@
           <a:chExt cx="0" cy="0"/>
         </a:xfrm>
       </p:grpSpPr>
-      <p:sp>
-        <p:nvSpPr>
-          <p:cNvPr id="4" name="标题 1">
-            <a:extLst>
-              <a:ext uri="{FF2B5EF4-FFF2-40B4-BE49-F238E27FC236}">
-                <a16:creationId xmlns:a16="http://schemas.microsoft.com/office/drawing/2014/main" id="{DFD9C85D-752E-4C8D-918B-04E795840761}"/>
-              </a:ext>
-            </a:extLst>
-          </p:cNvPr>
-          <p:cNvSpPr>
-            <a:spLocks noGrp="1"/>
-          </p:cNvSpPr>
-          <p:nvPr>
-            <p:ph type="title"/>
-          </p:nvPr>
-        </p:nvSpPr>
-        <p:spPr>
-          <a:xfrm>
-            <a:off x="838200" y="365125"/>
-            <a:ext cx="10515600" cy="1325563"/>
-          </a:xfrm>
-        </p:spPr>
-        <p:txBody>
-          <a:bodyPr/>
-          <a:lstStyle/>
-          <a:p>
-            <a:r>
-              <a:rPr lang="zh-CN" altLang="en-US">
-                <a:latin typeface="华文中宋" panose="02010600040101010101" pitchFamily="2" charset="-122"/>
-                <a:ea typeface="华文中宋" panose="02010600040101010101" pitchFamily="2" charset="-122"/>
-              </a:rPr>
-              <a:t>企业规模分布</a:t>
-            </a:r>
-            <a:endParaRPr lang="zh-CN" altLang="en-US" dirty="0">
-              <a:latin typeface="华文中宋" panose="02010600040101010101" pitchFamily="2" charset="-122"/>
-              <a:ea typeface="华文中宋" panose="02010600040101010101" pitchFamily="2" charset="-122"/>
-            </a:endParaRPr>
-          </a:p>
-        </p:txBody>
-      </p:sp>
       <p:pic>
         <p:nvPicPr>
-          <p:cNvPr id="9" name="图片 8">
-            <a:extLst>
-              <a:ext uri="{FF2B5EF4-FFF2-40B4-BE49-F238E27FC236}">
-                <a16:creationId xmlns:a16="http://schemas.microsoft.com/office/drawing/2014/main" id="{9BC8A72B-340A-45CD-95E2-21AE903A2F98}"/>
+          <p:cNvPr id="5" name="内容占位符 4">
+            <a:extLst>
+              <a:ext uri="{FF2B5EF4-FFF2-40B4-BE49-F238E27FC236}">
+                <a16:creationId xmlns:a16="http://schemas.microsoft.com/office/drawing/2014/main" id="{2440D752-5CE3-4934-80C0-FE708279E240}"/>
               </a:ext>
             </a:extLst>
           </p:cNvPr>
           <p:cNvPicPr>
-            <a:picLocks noChangeAspect="1"/>
+            <a:picLocks noGrp="1" noChangeAspect="1"/>
           </p:cNvPicPr>
-          <p:nvPr/>
+          <p:nvPr>
+            <p:ph idx="1"/>
+          </p:nvPr>
         </p:nvPicPr>
         <p:blipFill rotWithShape="1">
           <a:blip r:embed="rId2">
@@ -3484,58 +4369,135 @@
               </a:ext>
             </a:extLst>
           </a:blip>
-          <a:srcRect l="6564" t="8014" r="9437" b="1730"/>
+          <a:srcRect l="9849" t="5893" r="15774" b="6494"/>
           <a:stretch/>
         </p:blipFill>
         <p:spPr>
           <a:xfrm>
-            <a:off x="253218" y="1434903"/>
-            <a:ext cx="7680960" cy="4951829"/>
+            <a:off x="1583626" y="1280160"/>
+            <a:ext cx="10289505" cy="5331657"/>
+          </a:xfrm>
+        </p:spPr>
+      </p:pic>
+      <p:sp>
+        <p:nvSpPr>
+          <p:cNvPr id="4" name="标题 1">
+            <a:extLst>
+              <a:ext uri="{FF2B5EF4-FFF2-40B4-BE49-F238E27FC236}">
+                <a16:creationId xmlns:a16="http://schemas.microsoft.com/office/drawing/2014/main" id="{DFD9C85D-752E-4C8D-918B-04E795840761}"/>
+              </a:ext>
+            </a:extLst>
+          </p:cNvPr>
+          <p:cNvSpPr>
+            <a:spLocks noGrp="1"/>
+          </p:cNvSpPr>
+          <p:nvPr>
+            <p:ph type="title"/>
+          </p:nvPr>
+        </p:nvSpPr>
+        <p:spPr>
+          <a:xfrm>
+            <a:off x="402101" y="2433076"/>
+            <a:ext cx="1060938" cy="2828241"/>
+          </a:xfrm>
+        </p:spPr>
+        <p:txBody>
+          <a:bodyPr>
+            <a:normAutofit/>
+          </a:bodyPr>
+          <a:lstStyle/>
+          <a:p>
+            <a:pPr algn="ctr"/>
+            <a:r>
+              <a:rPr lang="zh-CN" altLang="en-US" sz="3200" dirty="0">
+                <a:latin typeface="华文中宋" panose="02010600040101010101" pitchFamily="2" charset="-122"/>
+                <a:ea typeface="华文中宋" panose="02010600040101010101" pitchFamily="2" charset="-122"/>
+              </a:rPr>
+              <a:t>城市    </a:t>
+            </a:r>
+            <a:r>
+              <a:rPr lang="en-US" altLang="zh-CN" sz="3200" dirty="0">
+                <a:latin typeface="华文中宋" panose="02010600040101010101" pitchFamily="2" charset="-122"/>
+                <a:ea typeface="华文中宋" panose="02010600040101010101" pitchFamily="2" charset="-122"/>
+              </a:rPr>
+              <a:t>-   </a:t>
+            </a:r>
+            <a:r>
+              <a:rPr lang="zh-CN" altLang="en-US" sz="3200" dirty="0">
+                <a:latin typeface="华文中宋" panose="02010600040101010101" pitchFamily="2" charset="-122"/>
+                <a:ea typeface="华文中宋" panose="02010600040101010101" pitchFamily="2" charset="-122"/>
+              </a:rPr>
+              <a:t>工作经验</a:t>
+            </a:r>
+          </a:p>
+        </p:txBody>
+      </p:sp>
+      <p:sp>
+        <p:nvSpPr>
+          <p:cNvPr id="2" name="标题 1">
+            <a:extLst>
+              <a:ext uri="{FF2B5EF4-FFF2-40B4-BE49-F238E27FC236}">
+                <a16:creationId xmlns:a16="http://schemas.microsoft.com/office/drawing/2014/main" id="{7A8DF3FA-597B-4BD7-B77D-FB492053BA42}"/>
+              </a:ext>
+            </a:extLst>
+          </p:cNvPr>
+          <p:cNvSpPr txBox="1">
+            <a:spLocks/>
+          </p:cNvSpPr>
+          <p:nvPr/>
+        </p:nvSpPr>
+        <p:spPr>
+          <a:xfrm>
+            <a:off x="590843" y="0"/>
+            <a:ext cx="10845018" cy="1325563"/>
           </a:xfrm>
           <a:prstGeom prst="rect">
             <a:avLst/>
           </a:prstGeom>
         </p:spPr>
-      </p:pic>
-      <p:pic>
-        <p:nvPicPr>
-          <p:cNvPr id="11" name="图片 10">
-            <a:extLst>
-              <a:ext uri="{FF2B5EF4-FFF2-40B4-BE49-F238E27FC236}">
-                <a16:creationId xmlns:a16="http://schemas.microsoft.com/office/drawing/2014/main" id="{6F32E64F-1F79-46A1-A3AE-7D7EC583B7F4}"/>
-              </a:ext>
-            </a:extLst>
-          </p:cNvPr>
-          <p:cNvPicPr>
-            <a:picLocks noChangeAspect="1"/>
-          </p:cNvPicPr>
-          <p:nvPr/>
-        </p:nvPicPr>
-        <p:blipFill rotWithShape="1">
-          <a:blip r:embed="rId3">
-            <a:extLst>
-              <a:ext uri="{28A0092B-C50C-407E-A947-70E740481C1C}">
-                <a14:useLocalDpi xmlns:a14="http://schemas.microsoft.com/office/drawing/2010/main" val="0"/>
-              </a:ext>
-            </a:extLst>
-          </a:blip>
-          <a:srcRect l="27333" t="15706" r="23129" b="17884"/>
-          <a:stretch/>
-        </p:blipFill>
-        <p:spPr>
-          <a:xfrm>
-            <a:off x="6935373" y="1630325"/>
-            <a:ext cx="4881488" cy="3926414"/>
-          </a:xfrm>
-          <a:prstGeom prst="rect">
-            <a:avLst/>
-          </a:prstGeom>
-        </p:spPr>
-      </p:pic>
+        <p:txBody>
+          <a:bodyPr vert="horz" lIns="91440" tIns="45720" rIns="91440" bIns="45720" rtlCol="0" anchor="ctr">
+            <a:normAutofit/>
+          </a:bodyPr>
+          <a:lstStyle>
+            <a:lvl1pPr algn="l" defTabSz="914400" rtl="0" eaLnBrk="1" latinLnBrk="0" hangingPunct="1">
+              <a:lnSpc>
+                <a:spcPct val="90000"/>
+              </a:lnSpc>
+              <a:spcBef>
+                <a:spcPct val="0"/>
+              </a:spcBef>
+              <a:buNone/>
+              <a:defRPr sz="4400" kern="1200">
+                <a:solidFill>
+                  <a:schemeClr val="tx1"/>
+                </a:solidFill>
+                <a:latin typeface="+mj-lt"/>
+                <a:ea typeface="+mj-ea"/>
+                <a:cs typeface="+mj-cs"/>
+              </a:defRPr>
+            </a:lvl1pPr>
+          </a:lstStyle>
+          <a:p>
+            <a:pPr algn="ctr"/>
+            <a:r>
+              <a:rPr lang="zh-CN" altLang="en-US" sz="3600" dirty="0">
+                <a:solidFill>
+                  <a:srgbClr val="504B48"/>
+                </a:solidFill>
+                <a:latin typeface="黑体" panose="02010609060101010101" pitchFamily="49" charset="-122"/>
+                <a:ea typeface="黑体" panose="02010609060101010101" pitchFamily="49" charset="-122"/>
+              </a:rPr>
+              <a:t>分析和展示</a:t>
+            </a:r>
+            <a:endParaRPr lang="zh-CN" altLang="en-US" sz="3600" dirty="0"/>
+          </a:p>
+        </p:txBody>
+      </p:sp>
     </p:spTree>
     <p:extLst>
       <p:ext uri="{BB962C8B-B14F-4D97-AF65-F5344CB8AC3E}">
-        <p14:creationId xmlns:p14="http://schemas.microsoft.com/office/powerpoint/2010/main" val="569091216"/>
+        <p14:creationId xmlns:p14="http://schemas.microsoft.com/office/powerpoint/2010/main" val="2518796948"/>
       </p:ext>
     </p:extLst>
   </p:cSld>
@@ -3562,71 +4524,19 @@
           <a:chExt cx="0" cy="0"/>
         </a:xfrm>
       </p:grpSpPr>
-      <p:sp>
-        <p:nvSpPr>
-          <p:cNvPr id="4" name="标题 1">
-            <a:extLst>
-              <a:ext uri="{FF2B5EF4-FFF2-40B4-BE49-F238E27FC236}">
-                <a16:creationId xmlns:a16="http://schemas.microsoft.com/office/drawing/2014/main" id="{DFD9C85D-752E-4C8D-918B-04E795840761}"/>
-              </a:ext>
-            </a:extLst>
-          </p:cNvPr>
-          <p:cNvSpPr>
-            <a:spLocks noGrp="1"/>
-          </p:cNvSpPr>
-          <p:nvPr>
-            <p:ph type="title"/>
-          </p:nvPr>
-        </p:nvSpPr>
-        <p:spPr>
-          <a:xfrm>
-            <a:off x="838200" y="365125"/>
-            <a:ext cx="10515600" cy="1325563"/>
-          </a:xfrm>
-        </p:spPr>
-        <p:txBody>
-          <a:bodyPr/>
-          <a:lstStyle/>
-          <a:p>
-            <a:r>
-              <a:rPr lang="zh-CN" altLang="en-US" dirty="0">
-                <a:latin typeface="华文中宋" panose="02010600040101010101" pitchFamily="2" charset="-122"/>
-                <a:ea typeface="华文中宋" panose="02010600040101010101" pitchFamily="2" charset="-122"/>
-              </a:rPr>
-              <a:t>企业规模 </a:t>
-            </a:r>
-            <a:r>
-              <a:rPr lang="en-US" altLang="zh-CN" dirty="0">
-                <a:latin typeface="华文中宋" panose="02010600040101010101" pitchFamily="2" charset="-122"/>
-                <a:ea typeface="华文中宋" panose="02010600040101010101" pitchFamily="2" charset="-122"/>
-              </a:rPr>
-              <a:t>- </a:t>
-            </a:r>
-            <a:r>
-              <a:rPr lang="zh-CN" altLang="en-US" dirty="0">
-                <a:latin typeface="华文中宋" panose="02010600040101010101" pitchFamily="2" charset="-122"/>
-                <a:ea typeface="华文中宋" panose="02010600040101010101" pitchFamily="2" charset="-122"/>
-              </a:rPr>
-              <a:t>薪资</a:t>
-            </a:r>
-          </a:p>
-        </p:txBody>
-      </p:sp>
       <p:pic>
         <p:nvPicPr>
-          <p:cNvPr id="11" name="内容占位符 10">
-            <a:extLst>
-              <a:ext uri="{FF2B5EF4-FFF2-40B4-BE49-F238E27FC236}">
-                <a16:creationId xmlns:a16="http://schemas.microsoft.com/office/drawing/2014/main" id="{32704B03-35B9-40F3-94CC-691B9C351C6C}"/>
+          <p:cNvPr id="16" name="图片 15">
+            <a:extLst>
+              <a:ext uri="{FF2B5EF4-FFF2-40B4-BE49-F238E27FC236}">
+                <a16:creationId xmlns:a16="http://schemas.microsoft.com/office/drawing/2014/main" id="{9CB1DD60-9086-4367-B699-7F42F8DB70C9}"/>
               </a:ext>
             </a:extLst>
           </p:cNvPr>
           <p:cNvPicPr>
-            <a:picLocks noGrp="1" noChangeAspect="1"/>
+            <a:picLocks noChangeAspect="1"/>
           </p:cNvPicPr>
-          <p:nvPr>
-            <p:ph idx="1"/>
-          </p:nvPr>
+          <p:nvPr/>
         </p:nvPicPr>
         <p:blipFill rotWithShape="1">
           <a:blip r:embed="rId2">
@@ -3636,22 +4546,25 @@
               </a:ext>
             </a:extLst>
           </a:blip>
-          <a:srcRect l="5903" t="7186" r="7972" b="5848"/>
+          <a:srcRect l="6130" t="6528" r="9425" b="1938"/>
           <a:stretch/>
         </p:blipFill>
         <p:spPr>
           <a:xfrm>
-            <a:off x="7258929" y="1955409"/>
-            <a:ext cx="4811151" cy="3784209"/>
+            <a:off x="369556" y="1610973"/>
+            <a:ext cx="7721600" cy="5021944"/>
           </a:xfrm>
+          <a:prstGeom prst="rect">
+            <a:avLst/>
+          </a:prstGeom>
         </p:spPr>
       </p:pic>
       <p:pic>
         <p:nvPicPr>
-          <p:cNvPr id="13" name="图片 12">
-            <a:extLst>
-              <a:ext uri="{FF2B5EF4-FFF2-40B4-BE49-F238E27FC236}">
-                <a16:creationId xmlns:a16="http://schemas.microsoft.com/office/drawing/2014/main" id="{19829E8B-C6A2-4A25-87F3-A01087BC1E6B}"/>
+          <p:cNvPr id="14" name="图片 13">
+            <a:extLst>
+              <a:ext uri="{FF2B5EF4-FFF2-40B4-BE49-F238E27FC236}">
+                <a16:creationId xmlns:a16="http://schemas.microsoft.com/office/drawing/2014/main" id="{E0E20E31-1726-4434-8892-636D4F1807E2}"/>
               </a:ext>
             </a:extLst>
           </p:cNvPr>
@@ -3668,23 +4581,123 @@
               </a:ext>
             </a:extLst>
           </a:blip>
-          <a:srcRect l="6564" t="10577" r="8975" b="2756"/>
+          <a:srcRect l="29291" t="17947" r="25630" b="14329"/>
           <a:stretch/>
         </p:blipFill>
         <p:spPr>
           <a:xfrm>
-            <a:off x="1" y="1470074"/>
-            <a:ext cx="7202658" cy="4754880"/>
+            <a:off x="6538573" y="1603048"/>
+            <a:ext cx="5152572" cy="4644572"/>
           </a:xfrm>
           <a:prstGeom prst="rect">
             <a:avLst/>
           </a:prstGeom>
         </p:spPr>
       </p:pic>
+      <p:sp>
+        <p:nvSpPr>
+          <p:cNvPr id="2" name="标题 1">
+            <a:extLst>
+              <a:ext uri="{FF2B5EF4-FFF2-40B4-BE49-F238E27FC236}">
+                <a16:creationId xmlns:a16="http://schemas.microsoft.com/office/drawing/2014/main" id="{236BB073-D746-47BA-AB1E-3A9121340807}"/>
+              </a:ext>
+            </a:extLst>
+          </p:cNvPr>
+          <p:cNvSpPr txBox="1">
+            <a:spLocks/>
+          </p:cNvSpPr>
+          <p:nvPr/>
+        </p:nvSpPr>
+        <p:spPr>
+          <a:xfrm>
+            <a:off x="590843" y="0"/>
+            <a:ext cx="10845018" cy="1325563"/>
+          </a:xfrm>
+          <a:prstGeom prst="rect">
+            <a:avLst/>
+          </a:prstGeom>
+        </p:spPr>
+        <p:txBody>
+          <a:bodyPr vert="horz" lIns="91440" tIns="45720" rIns="91440" bIns="45720" rtlCol="0" anchor="ctr">
+            <a:normAutofit/>
+          </a:bodyPr>
+          <a:lstStyle>
+            <a:lvl1pPr algn="l" defTabSz="914400" rtl="0" eaLnBrk="1" latinLnBrk="0" hangingPunct="1">
+              <a:lnSpc>
+                <a:spcPct val="90000"/>
+              </a:lnSpc>
+              <a:spcBef>
+                <a:spcPct val="0"/>
+              </a:spcBef>
+              <a:buNone/>
+              <a:defRPr sz="4400" kern="1200">
+                <a:solidFill>
+                  <a:schemeClr val="tx1"/>
+                </a:solidFill>
+                <a:latin typeface="+mj-lt"/>
+                <a:ea typeface="+mj-ea"/>
+                <a:cs typeface="+mj-cs"/>
+              </a:defRPr>
+            </a:lvl1pPr>
+          </a:lstStyle>
+          <a:p>
+            <a:pPr algn="ctr"/>
+            <a:r>
+              <a:rPr lang="zh-CN" altLang="en-US" sz="3600" dirty="0">
+                <a:solidFill>
+                  <a:srgbClr val="504B48"/>
+                </a:solidFill>
+                <a:latin typeface="黑体" panose="02010609060101010101" pitchFamily="49" charset="-122"/>
+                <a:ea typeface="黑体" panose="02010609060101010101" pitchFamily="49" charset="-122"/>
+              </a:rPr>
+              <a:t>分析和展示</a:t>
+            </a:r>
+            <a:endParaRPr lang="zh-CN" altLang="en-US" sz="3600" dirty="0"/>
+          </a:p>
+        </p:txBody>
+      </p:sp>
+      <p:sp>
+        <p:nvSpPr>
+          <p:cNvPr id="4" name="标题 1">
+            <a:extLst>
+              <a:ext uri="{FF2B5EF4-FFF2-40B4-BE49-F238E27FC236}">
+                <a16:creationId xmlns:a16="http://schemas.microsoft.com/office/drawing/2014/main" id="{DFD9C85D-752E-4C8D-918B-04E795840761}"/>
+              </a:ext>
+            </a:extLst>
+          </p:cNvPr>
+          <p:cNvSpPr>
+            <a:spLocks noGrp="1"/>
+          </p:cNvSpPr>
+          <p:nvPr>
+            <p:ph type="title"/>
+          </p:nvPr>
+        </p:nvSpPr>
+        <p:spPr>
+          <a:xfrm>
+            <a:off x="5536810" y="1237957"/>
+            <a:ext cx="3058551" cy="846626"/>
+          </a:xfrm>
+        </p:spPr>
+        <p:txBody>
+          <a:bodyPr>
+            <a:normAutofit/>
+          </a:bodyPr>
+          <a:lstStyle/>
+          <a:p>
+            <a:r>
+              <a:rPr lang="zh-CN" altLang="en-US" sz="3200" dirty="0">
+                <a:latin typeface="华文中宋" panose="02010600040101010101" pitchFamily="2" charset="-122"/>
+                <a:ea typeface="华文中宋" panose="02010600040101010101" pitchFamily="2" charset="-122"/>
+              </a:rPr>
+              <a:t>学历需求分布</a:t>
+            </a:r>
+          </a:p>
+        </p:txBody>
+      </p:sp>
     </p:spTree>
     <p:extLst>
       <p:ext uri="{BB962C8B-B14F-4D97-AF65-F5344CB8AC3E}">
-        <p14:creationId xmlns:p14="http://schemas.microsoft.com/office/powerpoint/2010/main" val="2723988362"/>
+        <p14:creationId xmlns:p14="http://schemas.microsoft.com/office/powerpoint/2010/main" val="3437847618"/>
       </p:ext>
     </p:extLst>
   </p:cSld>
@@ -3713,19 +4726,17 @@
       </p:grpSpPr>
       <p:pic>
         <p:nvPicPr>
-          <p:cNvPr id="8" name="内容占位符 7">
-            <a:extLst>
-              <a:ext uri="{FF2B5EF4-FFF2-40B4-BE49-F238E27FC236}">
-                <a16:creationId xmlns:a16="http://schemas.microsoft.com/office/drawing/2014/main" id="{C9473BA0-3EF9-4C81-B3B6-064BA69E624D}"/>
+          <p:cNvPr id="9" name="图片 8">
+            <a:extLst>
+              <a:ext uri="{FF2B5EF4-FFF2-40B4-BE49-F238E27FC236}">
+                <a16:creationId xmlns:a16="http://schemas.microsoft.com/office/drawing/2014/main" id="{1B136EEE-AFD7-4630-B8A9-2D486E79B988}"/>
               </a:ext>
             </a:extLst>
           </p:cNvPr>
           <p:cNvPicPr>
-            <a:picLocks noGrp="1" noChangeAspect="1"/>
+            <a:picLocks noChangeAspect="1"/>
           </p:cNvPicPr>
-          <p:nvPr>
-            <p:ph idx="1"/>
-          </p:nvPr>
+          <p:nvPr/>
         </p:nvPicPr>
         <p:blipFill rotWithShape="1">
           <a:blip r:embed="rId2">
@@ -3735,22 +4746,25 @@
               </a:ext>
             </a:extLst>
           </a:blip>
-          <a:srcRect l="8036" t="6539" r="16312" b="6495"/>
+          <a:srcRect l="5949" t="5962" r="8512" b="5833"/>
           <a:stretch/>
         </p:blipFill>
         <p:spPr>
           <a:xfrm>
-            <a:off x="0" y="1871002"/>
-            <a:ext cx="5955499" cy="4107767"/>
+            <a:off x="6443003" y="1048041"/>
+            <a:ext cx="5514536" cy="4839287"/>
           </a:xfrm>
+          <a:prstGeom prst="rect">
+            <a:avLst/>
+          </a:prstGeom>
         </p:spPr>
       </p:pic>
       <p:sp>
         <p:nvSpPr>
-          <p:cNvPr id="4" name="标题 1">
-            <a:extLst>
-              <a:ext uri="{FF2B5EF4-FFF2-40B4-BE49-F238E27FC236}">
-                <a16:creationId xmlns:a16="http://schemas.microsoft.com/office/drawing/2014/main" id="{DFD9C85D-752E-4C8D-918B-04E795840761}"/>
+          <p:cNvPr id="13" name="内容占位符 12">
+            <a:extLst>
+              <a:ext uri="{FF2B5EF4-FFF2-40B4-BE49-F238E27FC236}">
+                <a16:creationId xmlns:a16="http://schemas.microsoft.com/office/drawing/2014/main" id="{A8F3E143-BB03-4126-A43E-2FAFAC5F9A06}"/>
               </a:ext>
             </a:extLst>
           </p:cNvPr>
@@ -3758,49 +4772,24 @@
             <a:spLocks noGrp="1"/>
           </p:cNvSpPr>
           <p:nvPr>
-            <p:ph type="title"/>
-          </p:nvPr>
-        </p:nvSpPr>
-        <p:spPr>
-          <a:xfrm>
-            <a:off x="838200" y="365125"/>
-            <a:ext cx="10515600" cy="1325563"/>
-          </a:xfrm>
-        </p:spPr>
+            <p:ph idx="1"/>
+          </p:nvPr>
+        </p:nvSpPr>
+        <p:spPr/>
         <p:txBody>
           <a:bodyPr/>
           <a:lstStyle/>
           <a:p>
-            <a:r>
-              <a:rPr lang="zh-CN" altLang="en-US" dirty="0">
-                <a:latin typeface="华文中宋" panose="02010600040101010101" pitchFamily="2" charset="-122"/>
-                <a:ea typeface="华文中宋" panose="02010600040101010101" pitchFamily="2" charset="-122"/>
-              </a:rPr>
-              <a:t>企业规模 </a:t>
-            </a:r>
-            <a:r>
-              <a:rPr lang="en-US" altLang="zh-CN" dirty="0">
-                <a:latin typeface="华文中宋" panose="02010600040101010101" pitchFamily="2" charset="-122"/>
-                <a:ea typeface="华文中宋" panose="02010600040101010101" pitchFamily="2" charset="-122"/>
-              </a:rPr>
-              <a:t>– </a:t>
-            </a:r>
-            <a:r>
-              <a:rPr lang="zh-CN" altLang="en-US" dirty="0">
-                <a:latin typeface="华文中宋" panose="02010600040101010101" pitchFamily="2" charset="-122"/>
-                <a:ea typeface="华文中宋" panose="02010600040101010101" pitchFamily="2" charset="-122"/>
-              </a:rPr>
-              <a:t>学历、工作经验</a:t>
-            </a:r>
+            <a:endParaRPr lang="zh-CN" altLang="en-US" dirty="0"/>
           </a:p>
         </p:txBody>
       </p:sp>
       <p:pic>
         <p:nvPicPr>
-          <p:cNvPr id="10" name="图片 9">
-            <a:extLst>
-              <a:ext uri="{FF2B5EF4-FFF2-40B4-BE49-F238E27FC236}">
-                <a16:creationId xmlns:a16="http://schemas.microsoft.com/office/drawing/2014/main" id="{AA035C1B-5FA1-4A9A-A053-7971AF34F233}"/>
+          <p:cNvPr id="11" name="图片 10">
+            <a:extLst>
+              <a:ext uri="{FF2B5EF4-FFF2-40B4-BE49-F238E27FC236}">
+                <a16:creationId xmlns:a16="http://schemas.microsoft.com/office/drawing/2014/main" id="{D3B0370D-58FF-42B3-AABB-20D1CAB38753}"/>
               </a:ext>
             </a:extLst>
           </p:cNvPr>
@@ -3817,23 +4806,137 @@
               </a:ext>
             </a:extLst>
           </a:blip>
-          <a:srcRect l="8256" t="7245" r="12667" b="6346"/>
+          <a:srcRect l="6769" t="7308" r="8975" b="897"/>
           <a:stretch/>
         </p:blipFill>
         <p:spPr>
           <a:xfrm>
-            <a:off x="5936566" y="1603717"/>
-            <a:ext cx="6255434" cy="4768947"/>
+            <a:off x="0" y="1146516"/>
+            <a:ext cx="6175717" cy="5036234"/>
           </a:xfrm>
           <a:prstGeom prst="rect">
             <a:avLst/>
           </a:prstGeom>
         </p:spPr>
       </p:pic>
+      <p:sp>
+        <p:nvSpPr>
+          <p:cNvPr id="2" name="标题 1">
+            <a:extLst>
+              <a:ext uri="{FF2B5EF4-FFF2-40B4-BE49-F238E27FC236}">
+                <a16:creationId xmlns:a16="http://schemas.microsoft.com/office/drawing/2014/main" id="{CC8FA39B-9213-4C22-93F0-0DC819DF84AF}"/>
+              </a:ext>
+            </a:extLst>
+          </p:cNvPr>
+          <p:cNvSpPr txBox="1">
+            <a:spLocks/>
+          </p:cNvSpPr>
+          <p:nvPr/>
+        </p:nvSpPr>
+        <p:spPr>
+          <a:xfrm>
+            <a:off x="590843" y="-84406"/>
+            <a:ext cx="10845018" cy="1325563"/>
+          </a:xfrm>
+          <a:prstGeom prst="rect">
+            <a:avLst/>
+          </a:prstGeom>
+        </p:spPr>
+        <p:txBody>
+          <a:bodyPr vert="horz" lIns="91440" tIns="45720" rIns="91440" bIns="45720" rtlCol="0" anchor="ctr">
+            <a:normAutofit/>
+          </a:bodyPr>
+          <a:lstStyle>
+            <a:lvl1pPr algn="l" defTabSz="914400" rtl="0" eaLnBrk="1" latinLnBrk="0" hangingPunct="1">
+              <a:lnSpc>
+                <a:spcPct val="90000"/>
+              </a:lnSpc>
+              <a:spcBef>
+                <a:spcPct val="0"/>
+              </a:spcBef>
+              <a:buNone/>
+              <a:defRPr sz="4400" kern="1200">
+                <a:solidFill>
+                  <a:schemeClr val="tx1"/>
+                </a:solidFill>
+                <a:latin typeface="+mj-lt"/>
+                <a:ea typeface="+mj-ea"/>
+                <a:cs typeface="+mj-cs"/>
+              </a:defRPr>
+            </a:lvl1pPr>
+          </a:lstStyle>
+          <a:p>
+            <a:pPr algn="ctr"/>
+            <a:r>
+              <a:rPr lang="zh-CN" altLang="en-US" sz="3600" dirty="0">
+                <a:solidFill>
+                  <a:srgbClr val="504B48"/>
+                </a:solidFill>
+                <a:latin typeface="黑体" panose="02010609060101010101" pitchFamily="49" charset="-122"/>
+                <a:ea typeface="黑体" panose="02010609060101010101" pitchFamily="49" charset="-122"/>
+              </a:rPr>
+              <a:t>分析和展示</a:t>
+            </a:r>
+            <a:endParaRPr lang="zh-CN" altLang="en-US" sz="3600" dirty="0"/>
+          </a:p>
+        </p:txBody>
+      </p:sp>
+      <p:sp>
+        <p:nvSpPr>
+          <p:cNvPr id="4" name="标题 1">
+            <a:extLst>
+              <a:ext uri="{FF2B5EF4-FFF2-40B4-BE49-F238E27FC236}">
+                <a16:creationId xmlns:a16="http://schemas.microsoft.com/office/drawing/2014/main" id="{DFD9C85D-752E-4C8D-918B-04E795840761}"/>
+              </a:ext>
+            </a:extLst>
+          </p:cNvPr>
+          <p:cNvSpPr>
+            <a:spLocks noGrp="1"/>
+          </p:cNvSpPr>
+          <p:nvPr>
+            <p:ph type="title"/>
+          </p:nvPr>
+        </p:nvSpPr>
+        <p:spPr>
+          <a:xfrm>
+            <a:off x="3398520" y="2011044"/>
+            <a:ext cx="2749062" cy="1325563"/>
+          </a:xfrm>
+        </p:spPr>
+        <p:txBody>
+          <a:bodyPr>
+            <a:normAutofit/>
+          </a:bodyPr>
+          <a:lstStyle/>
+          <a:p>
+            <a:r>
+              <a:rPr lang="zh-CN" altLang="en-US" sz="3200" dirty="0">
+                <a:latin typeface="华文中宋" panose="02010600040101010101" pitchFamily="2" charset="-122"/>
+                <a:ea typeface="华文中宋" panose="02010600040101010101" pitchFamily="2" charset="-122"/>
+              </a:rPr>
+              <a:t>学历 </a:t>
+            </a:r>
+            <a:r>
+              <a:rPr lang="en-US" altLang="zh-CN" sz="3200" dirty="0">
+                <a:latin typeface="华文中宋" panose="02010600040101010101" pitchFamily="2" charset="-122"/>
+                <a:ea typeface="华文中宋" panose="02010600040101010101" pitchFamily="2" charset="-122"/>
+              </a:rPr>
+              <a:t>– </a:t>
+            </a:r>
+            <a:r>
+              <a:rPr lang="zh-CN" altLang="en-US" sz="3200" dirty="0">
+                <a:latin typeface="华文中宋" panose="02010600040101010101" pitchFamily="2" charset="-122"/>
+                <a:ea typeface="华文中宋" panose="02010600040101010101" pitchFamily="2" charset="-122"/>
+              </a:rPr>
+              <a:t>月薪</a:t>
+            </a:r>
+          </a:p>
+        </p:txBody>
+      </p:sp>
     </p:spTree>
     <p:extLst>
       <p:ext uri="{BB962C8B-B14F-4D97-AF65-F5344CB8AC3E}">
-        <p14:creationId xmlns:p14="http://schemas.microsoft.com/office/powerpoint/2010/main" val="3260862586"/>
+        <p14:creationId xmlns:p14="http://schemas.microsoft.com/office/powerpoint/2010/main" val="2288299307"/>
       </p:ext>
     </p:extLst>
   </p:cSld>
@@ -3860,57 +4963,19 @@
           <a:chExt cx="0" cy="0"/>
         </a:xfrm>
       </p:grpSpPr>
-      <p:sp>
-        <p:nvSpPr>
-          <p:cNvPr id="4" name="标题 1">
-            <a:extLst>
-              <a:ext uri="{FF2B5EF4-FFF2-40B4-BE49-F238E27FC236}">
-                <a16:creationId xmlns:a16="http://schemas.microsoft.com/office/drawing/2014/main" id="{DFD9C85D-752E-4C8D-918B-04E795840761}"/>
-              </a:ext>
-            </a:extLst>
-          </p:cNvPr>
-          <p:cNvSpPr>
-            <a:spLocks noGrp="1"/>
-          </p:cNvSpPr>
-          <p:nvPr>
-            <p:ph type="title"/>
-          </p:nvPr>
-        </p:nvSpPr>
-        <p:spPr>
-          <a:xfrm>
-            <a:off x="838200" y="365125"/>
-            <a:ext cx="10515600" cy="1325563"/>
-          </a:xfrm>
-        </p:spPr>
-        <p:txBody>
-          <a:bodyPr/>
-          <a:lstStyle/>
-          <a:p>
-            <a:r>
-              <a:rPr lang="zh-CN" altLang="en-US" dirty="0">
-                <a:latin typeface="华文中宋" panose="02010600040101010101" pitchFamily="2" charset="-122"/>
-                <a:ea typeface="华文中宋" panose="02010600040101010101" pitchFamily="2" charset="-122"/>
-              </a:rPr>
-              <a:t>技能占比</a:t>
-            </a:r>
-          </a:p>
-        </p:txBody>
-      </p:sp>
       <p:pic>
         <p:nvPicPr>
-          <p:cNvPr id="7" name="内容占位符 6">
-            <a:extLst>
-              <a:ext uri="{FF2B5EF4-FFF2-40B4-BE49-F238E27FC236}">
-                <a16:creationId xmlns:a16="http://schemas.microsoft.com/office/drawing/2014/main" id="{6707415C-EF06-488C-9742-D2004A42F27B}"/>
+          <p:cNvPr id="9" name="图片 8">
+            <a:extLst>
+              <a:ext uri="{FF2B5EF4-FFF2-40B4-BE49-F238E27FC236}">
+                <a16:creationId xmlns:a16="http://schemas.microsoft.com/office/drawing/2014/main" id="{42697833-88F5-48F1-B787-8E91DE41EFD3}"/>
               </a:ext>
             </a:extLst>
           </p:cNvPr>
           <p:cNvPicPr>
-            <a:picLocks noGrp="1" noChangeAspect="1"/>
+            <a:picLocks noChangeAspect="1"/>
           </p:cNvPicPr>
-          <p:nvPr>
-            <p:ph idx="1"/>
-          </p:nvPr>
+          <p:nvPr/>
         </p:nvPicPr>
         <p:blipFill rotWithShape="1">
           <a:blip r:embed="rId2">
@@ -3920,20 +4985,123 @@
               </a:ext>
             </a:extLst>
           </a:blip>
-          <a:srcRect l="7681" t="7715" r="8975" b="5997"/>
+          <a:srcRect l="5949" t="6987" r="8976" b="705"/>
           <a:stretch/>
         </p:blipFill>
         <p:spPr>
           <a:xfrm>
-            <a:off x="595726" y="1702189"/>
-            <a:ext cx="11192999" cy="4853356"/>
+            <a:off x="717452" y="1378635"/>
+            <a:ext cx="7779434" cy="5064370"/>
+          </a:xfrm>
+          <a:prstGeom prst="rect">
+            <a:avLst/>
+          </a:prstGeom>
+        </p:spPr>
+      </p:pic>
+      <p:sp>
+        <p:nvSpPr>
+          <p:cNvPr id="2" name="标题 1">
+            <a:extLst>
+              <a:ext uri="{FF2B5EF4-FFF2-40B4-BE49-F238E27FC236}">
+                <a16:creationId xmlns:a16="http://schemas.microsoft.com/office/drawing/2014/main" id="{B09A9DFD-E4FE-4C85-B5ED-6532B0CA86CF}"/>
+              </a:ext>
+            </a:extLst>
+          </p:cNvPr>
+          <p:cNvSpPr txBox="1">
+            <a:spLocks/>
+          </p:cNvSpPr>
+          <p:nvPr/>
+        </p:nvSpPr>
+        <p:spPr>
+          <a:xfrm>
+            <a:off x="590843" y="0"/>
+            <a:ext cx="10845018" cy="1325563"/>
+          </a:xfrm>
+          <a:prstGeom prst="rect">
+            <a:avLst/>
+          </a:prstGeom>
+        </p:spPr>
+        <p:txBody>
+          <a:bodyPr vert="horz" lIns="91440" tIns="45720" rIns="91440" bIns="45720" rtlCol="0" anchor="ctr">
+            <a:normAutofit/>
+          </a:bodyPr>
+          <a:lstStyle>
+            <a:lvl1pPr algn="l" defTabSz="914400" rtl="0" eaLnBrk="1" latinLnBrk="0" hangingPunct="1">
+              <a:lnSpc>
+                <a:spcPct val="90000"/>
+              </a:lnSpc>
+              <a:spcBef>
+                <a:spcPct val="0"/>
+              </a:spcBef>
+              <a:buNone/>
+              <a:defRPr sz="4400" kern="1200">
+                <a:solidFill>
+                  <a:schemeClr val="tx1"/>
+                </a:solidFill>
+                <a:latin typeface="+mj-lt"/>
+                <a:ea typeface="+mj-ea"/>
+                <a:cs typeface="+mj-cs"/>
+              </a:defRPr>
+            </a:lvl1pPr>
+          </a:lstStyle>
+          <a:p>
+            <a:pPr algn="ctr"/>
+            <a:r>
+              <a:rPr lang="zh-CN" altLang="en-US" sz="3600" dirty="0">
+                <a:solidFill>
+                  <a:srgbClr val="504B48"/>
+                </a:solidFill>
+                <a:latin typeface="黑体" panose="02010609060101010101" pitchFamily="49" charset="-122"/>
+                <a:ea typeface="黑体" panose="02010609060101010101" pitchFamily="49" charset="-122"/>
+              </a:rPr>
+              <a:t>分析和展示</a:t>
+            </a:r>
+            <a:endParaRPr lang="zh-CN" altLang="en-US" sz="3600" dirty="0"/>
+          </a:p>
+        </p:txBody>
+      </p:sp>
+      <p:sp>
+        <p:nvSpPr>
+          <p:cNvPr id="4" name="标题 1">
+            <a:extLst>
+              <a:ext uri="{FF2B5EF4-FFF2-40B4-BE49-F238E27FC236}">
+                <a16:creationId xmlns:a16="http://schemas.microsoft.com/office/drawing/2014/main" id="{DFD9C85D-752E-4C8D-918B-04E795840761}"/>
+              </a:ext>
+            </a:extLst>
+          </p:cNvPr>
+          <p:cNvSpPr>
+            <a:spLocks noGrp="1"/>
+          </p:cNvSpPr>
+          <p:nvPr>
+            <p:ph type="title"/>
+          </p:nvPr>
+        </p:nvSpPr>
+        <p:spPr>
+          <a:xfrm>
+            <a:off x="8842718" y="2531549"/>
+            <a:ext cx="2706858" cy="1325563"/>
           </a:xfrm>
         </p:spPr>
-      </p:pic>
+        <p:txBody>
+          <a:bodyPr>
+            <a:normAutofit/>
+          </a:bodyPr>
+          <a:lstStyle/>
+          <a:p>
+            <a:r>
+              <a:rPr lang="zh-CN" altLang="en-US" sz="3200" dirty="0">
+                <a:latin typeface="华文中宋" panose="02010600040101010101" pitchFamily="2" charset="-122"/>
+                <a:ea typeface="华文中宋" panose="02010600040101010101" pitchFamily="2" charset="-122"/>
+              </a:rPr>
+              <a:t>工作经验需求</a:t>
+            </a:r>
+          </a:p>
+        </p:txBody>
+      </p:sp>
     </p:spTree>
     <p:extLst>
       <p:ext uri="{BB962C8B-B14F-4D97-AF65-F5344CB8AC3E}">
-        <p14:creationId xmlns:p14="http://schemas.microsoft.com/office/powerpoint/2010/main" val="1262476763"/>
+        <p14:creationId xmlns:p14="http://schemas.microsoft.com/office/powerpoint/2010/main" val="2222135305"/>
       </p:ext>
     </p:extLst>
   </p:cSld>
@@ -3960,48 +5128,46 @@
           <a:chExt cx="0" cy="0"/>
         </a:xfrm>
       </p:grpSpPr>
-      <p:sp>
-        <p:nvSpPr>
-          <p:cNvPr id="4" name="标题 1">
-            <a:extLst>
-              <a:ext uri="{FF2B5EF4-FFF2-40B4-BE49-F238E27FC236}">
-                <a16:creationId xmlns:a16="http://schemas.microsoft.com/office/drawing/2014/main" id="{DFD9C85D-752E-4C8D-918B-04E795840761}"/>
-              </a:ext>
-            </a:extLst>
-          </p:cNvPr>
-          <p:cNvSpPr>
-            <a:spLocks noGrp="1"/>
-          </p:cNvSpPr>
-          <p:nvPr>
-            <p:ph type="title"/>
-          </p:nvPr>
-        </p:nvSpPr>
+      <p:pic>
+        <p:nvPicPr>
+          <p:cNvPr id="11" name="内容占位符 10">
+            <a:extLst>
+              <a:ext uri="{FF2B5EF4-FFF2-40B4-BE49-F238E27FC236}">
+                <a16:creationId xmlns:a16="http://schemas.microsoft.com/office/drawing/2014/main" id="{4C6C04DE-B70D-4996-BF12-0B1AC889F426}"/>
+              </a:ext>
+            </a:extLst>
+          </p:cNvPr>
+          <p:cNvPicPr>
+            <a:picLocks noGrp="1" noChangeAspect="1"/>
+          </p:cNvPicPr>
+          <p:nvPr>
+            <p:ph idx="1"/>
+          </p:nvPr>
+        </p:nvPicPr>
+        <p:blipFill rotWithShape="1">
+          <a:blip r:embed="rId2">
+            <a:extLst>
+              <a:ext uri="{28A0092B-C50C-407E-A947-70E740481C1C}">
+                <a14:useLocalDpi xmlns:a14="http://schemas.microsoft.com/office/drawing/2010/main" val="0"/>
+              </a:ext>
+            </a:extLst>
+          </a:blip>
+          <a:srcRect l="6290" t="7186" r="8747" b="1968"/>
+          <a:stretch/>
+        </p:blipFill>
         <p:spPr>
           <a:xfrm>
-            <a:off x="838200" y="365125"/>
-            <a:ext cx="10515600" cy="1325563"/>
+            <a:off x="112541" y="1406768"/>
+            <a:ext cx="6907186" cy="4431323"/>
           </a:xfrm>
         </p:spPr>
-        <p:txBody>
-          <a:bodyPr/>
-          <a:lstStyle/>
-          <a:p>
-            <a:r>
-              <a:rPr lang="zh-CN" altLang="en-US" dirty="0">
-                <a:latin typeface="华文中宋" panose="02010600040101010101" pitchFamily="2" charset="-122"/>
-                <a:ea typeface="华文中宋" panose="02010600040101010101" pitchFamily="2" charset="-122"/>
-              </a:rPr>
-              <a:t>技能关键词云</a:t>
-            </a:r>
-          </a:p>
-        </p:txBody>
-      </p:sp>
+      </p:pic>
       <p:pic>
         <p:nvPicPr>
-          <p:cNvPr id="7" name="图片 6">
-            <a:extLst>
-              <a:ext uri="{FF2B5EF4-FFF2-40B4-BE49-F238E27FC236}">
-                <a16:creationId xmlns:a16="http://schemas.microsoft.com/office/drawing/2014/main" id="{17190052-7F80-47CC-9A0D-260F18F5495B}"/>
+          <p:cNvPr id="13" name="图片 12">
+            <a:extLst>
+              <a:ext uri="{FF2B5EF4-FFF2-40B4-BE49-F238E27FC236}">
+                <a16:creationId xmlns:a16="http://schemas.microsoft.com/office/drawing/2014/main" id="{93C57B6D-836C-408A-A9EC-D8FAB49AA7CE}"/>
               </a:ext>
             </a:extLst>
           </p:cNvPr>
@@ -4011,64 +5177,144 @@
           <p:nvPr/>
         </p:nvPicPr>
         <p:blipFill rotWithShape="1">
-          <a:blip r:embed="rId2">
+          <a:blip r:embed="rId3">
             <a:extLst>
               <a:ext uri="{28A0092B-C50C-407E-A947-70E740481C1C}">
                 <a14:useLocalDpi xmlns:a14="http://schemas.microsoft.com/office/drawing/2010/main" val="0"/>
               </a:ext>
             </a:extLst>
           </a:blip>
-          <a:srcRect l="11487" t="17693" r="9949" b="22499"/>
+          <a:srcRect l="6256" t="6987" r="8821" b="5577"/>
           <a:stretch/>
         </p:blipFill>
         <p:spPr>
           <a:xfrm>
-            <a:off x="4881489" y="-116059"/>
-            <a:ext cx="7183902" cy="3281290"/>
+            <a:off x="7033846" y="1111348"/>
+            <a:ext cx="5158154" cy="4797084"/>
           </a:xfrm>
           <a:prstGeom prst="rect">
             <a:avLst/>
           </a:prstGeom>
         </p:spPr>
       </p:pic>
-      <p:pic>
-        <p:nvPicPr>
-          <p:cNvPr id="5" name="内容占位符 4">
-            <a:extLst>
-              <a:ext uri="{FF2B5EF4-FFF2-40B4-BE49-F238E27FC236}">
-                <a16:creationId xmlns:a16="http://schemas.microsoft.com/office/drawing/2014/main" id="{409367D0-F943-486D-A674-4FF4692FA7FA}"/>
-              </a:ext>
-            </a:extLst>
-          </p:cNvPr>
-          <p:cNvPicPr>
-            <a:picLocks noGrp="1" noChangeAspect="1"/>
-          </p:cNvPicPr>
-          <p:nvPr>
-            <p:ph idx="1"/>
-          </p:nvPr>
-        </p:nvPicPr>
-        <p:blipFill rotWithShape="1">
-          <a:blip r:embed="rId3">
-            <a:extLst>
-              <a:ext uri="{28A0092B-C50C-407E-A947-70E740481C1C}">
-                <a14:useLocalDpi xmlns:a14="http://schemas.microsoft.com/office/drawing/2010/main" val="0"/>
-              </a:ext>
-            </a:extLst>
-          </a:blip>
-          <a:srcRect l="11217" t="15154" r="8704" b="14341"/>
-          <a:stretch/>
-        </p:blipFill>
+      <p:sp>
+        <p:nvSpPr>
+          <p:cNvPr id="2" name="标题 1">
+            <a:extLst>
+              <a:ext uri="{FF2B5EF4-FFF2-40B4-BE49-F238E27FC236}">
+                <a16:creationId xmlns:a16="http://schemas.microsoft.com/office/drawing/2014/main" id="{39D2FBA4-CE7D-4A38-ABDB-35A25AB9F33D}"/>
+              </a:ext>
+            </a:extLst>
+          </p:cNvPr>
+          <p:cNvSpPr txBox="1">
+            <a:spLocks/>
+          </p:cNvSpPr>
+          <p:nvPr/>
+        </p:nvSpPr>
         <p:spPr>
           <a:xfrm>
-            <a:off x="0" y="2848707"/>
-            <a:ext cx="7589608" cy="4009293"/>
+            <a:off x="590843" y="0"/>
+            <a:ext cx="10845018" cy="1325563"/>
+          </a:xfrm>
+          <a:prstGeom prst="rect">
+            <a:avLst/>
+          </a:prstGeom>
+        </p:spPr>
+        <p:txBody>
+          <a:bodyPr vert="horz" lIns="91440" tIns="45720" rIns="91440" bIns="45720" rtlCol="0" anchor="ctr">
+            <a:normAutofit/>
+          </a:bodyPr>
+          <a:lstStyle>
+            <a:lvl1pPr algn="l" defTabSz="914400" rtl="0" eaLnBrk="1" latinLnBrk="0" hangingPunct="1">
+              <a:lnSpc>
+                <a:spcPct val="90000"/>
+              </a:lnSpc>
+              <a:spcBef>
+                <a:spcPct val="0"/>
+              </a:spcBef>
+              <a:buNone/>
+              <a:defRPr sz="4400" kern="1200">
+                <a:solidFill>
+                  <a:schemeClr val="tx1"/>
+                </a:solidFill>
+                <a:latin typeface="+mj-lt"/>
+                <a:ea typeface="+mj-ea"/>
+                <a:cs typeface="+mj-cs"/>
+              </a:defRPr>
+            </a:lvl1pPr>
+          </a:lstStyle>
+          <a:p>
+            <a:pPr algn="ctr"/>
+            <a:r>
+              <a:rPr lang="zh-CN" altLang="en-US" sz="3600" dirty="0">
+                <a:solidFill>
+                  <a:srgbClr val="504B48"/>
+                </a:solidFill>
+                <a:latin typeface="黑体" panose="02010609060101010101" pitchFamily="49" charset="-122"/>
+                <a:ea typeface="黑体" panose="02010609060101010101" pitchFamily="49" charset="-122"/>
+              </a:rPr>
+              <a:t>分析和展示</a:t>
+            </a:r>
+            <a:endParaRPr lang="zh-CN" altLang="en-US" sz="3600" dirty="0"/>
+          </a:p>
+        </p:txBody>
+      </p:sp>
+      <p:sp>
+        <p:nvSpPr>
+          <p:cNvPr id="4" name="标题 1">
+            <a:extLst>
+              <a:ext uri="{FF2B5EF4-FFF2-40B4-BE49-F238E27FC236}">
+                <a16:creationId xmlns:a16="http://schemas.microsoft.com/office/drawing/2014/main" id="{DFD9C85D-752E-4C8D-918B-04E795840761}"/>
+              </a:ext>
+            </a:extLst>
+          </p:cNvPr>
+          <p:cNvSpPr>
+            <a:spLocks noGrp="1"/>
+          </p:cNvSpPr>
+          <p:nvPr>
+            <p:ph type="title"/>
+          </p:nvPr>
+        </p:nvSpPr>
+        <p:spPr>
+          <a:xfrm>
+            <a:off x="3778347" y="2728497"/>
+            <a:ext cx="3142957" cy="1325563"/>
           </a:xfrm>
         </p:spPr>
-      </p:pic>
+        <p:txBody>
+          <a:bodyPr>
+            <a:normAutofit/>
+          </a:bodyPr>
+          <a:lstStyle/>
+          <a:p>
+            <a:r>
+              <a:rPr lang="zh-CN" altLang="en-US" sz="3200" dirty="0">
+                <a:latin typeface="华文中宋" panose="02010600040101010101" pitchFamily="2" charset="-122"/>
+                <a:ea typeface="华文中宋" panose="02010600040101010101" pitchFamily="2" charset="-122"/>
+              </a:rPr>
+              <a:t>工作经验 </a:t>
+            </a:r>
+            <a:r>
+              <a:rPr lang="en-US" altLang="zh-CN" sz="3200" dirty="0">
+                <a:latin typeface="华文中宋" panose="02010600040101010101" pitchFamily="2" charset="-122"/>
+                <a:ea typeface="华文中宋" panose="02010600040101010101" pitchFamily="2" charset="-122"/>
+              </a:rPr>
+              <a:t>- </a:t>
+            </a:r>
+            <a:r>
+              <a:rPr lang="zh-CN" altLang="en-US" sz="3200" dirty="0">
+                <a:latin typeface="华文中宋" panose="02010600040101010101" pitchFamily="2" charset="-122"/>
+                <a:ea typeface="华文中宋" panose="02010600040101010101" pitchFamily="2" charset="-122"/>
+              </a:rPr>
+              <a:t>月薪</a:t>
+            </a:r>
+          </a:p>
+        </p:txBody>
+      </p:sp>
     </p:spTree>
     <p:extLst>
       <p:ext uri="{BB962C8B-B14F-4D97-AF65-F5344CB8AC3E}">
-        <p14:creationId xmlns:p14="http://schemas.microsoft.com/office/powerpoint/2010/main" val="3710439895"/>
+        <p14:creationId xmlns:p14="http://schemas.microsoft.com/office/powerpoint/2010/main" val="1654422619"/>
       </p:ext>
     </p:extLst>
   </p:cSld>
@@ -4097,19 +5343,17 @@
       </p:grpSpPr>
       <p:pic>
         <p:nvPicPr>
-          <p:cNvPr id="5" name="内容占位符 4">
-            <a:extLst>
-              <a:ext uri="{FF2B5EF4-FFF2-40B4-BE49-F238E27FC236}">
-                <a16:creationId xmlns:a16="http://schemas.microsoft.com/office/drawing/2014/main" id="{5FDBD17F-DED3-454C-AAA1-D72692BECC11}"/>
+          <p:cNvPr id="9" name="图片 8">
+            <a:extLst>
+              <a:ext uri="{FF2B5EF4-FFF2-40B4-BE49-F238E27FC236}">
+                <a16:creationId xmlns:a16="http://schemas.microsoft.com/office/drawing/2014/main" id="{9BC8A72B-340A-45CD-95E2-21AE903A2F98}"/>
               </a:ext>
             </a:extLst>
           </p:cNvPr>
           <p:cNvPicPr>
-            <a:picLocks noGrp="1" noChangeAspect="1"/>
+            <a:picLocks noChangeAspect="1"/>
           </p:cNvPicPr>
-          <p:nvPr>
-            <p:ph idx="1"/>
-          </p:nvPr>
+          <p:nvPr/>
         </p:nvPicPr>
         <p:blipFill rotWithShape="1">
           <a:blip r:embed="rId2">
@@ -4119,62 +5363,150 @@
               </a:ext>
             </a:extLst>
           </a:blip>
-          <a:srcRect l="10223" t="11059" r="17134" b="5997"/>
+          <a:srcRect l="6564" t="8014" r="9437" b="1730"/>
           <a:stretch/>
         </p:blipFill>
         <p:spPr>
           <a:xfrm>
-            <a:off x="717453" y="1730326"/>
-            <a:ext cx="10657298" cy="4867422"/>
+            <a:off x="253218" y="1434903"/>
+            <a:ext cx="7680960" cy="4951829"/>
+          </a:xfrm>
+          <a:prstGeom prst="rect">
+            <a:avLst/>
+          </a:prstGeom>
+        </p:spPr>
+      </p:pic>
+      <p:pic>
+        <p:nvPicPr>
+          <p:cNvPr id="11" name="图片 10">
+            <a:extLst>
+              <a:ext uri="{FF2B5EF4-FFF2-40B4-BE49-F238E27FC236}">
+                <a16:creationId xmlns:a16="http://schemas.microsoft.com/office/drawing/2014/main" id="{6F32E64F-1F79-46A1-A3AE-7D7EC583B7F4}"/>
+              </a:ext>
+            </a:extLst>
+          </p:cNvPr>
+          <p:cNvPicPr>
+            <a:picLocks noChangeAspect="1"/>
+          </p:cNvPicPr>
+          <p:nvPr/>
+        </p:nvPicPr>
+        <p:blipFill rotWithShape="1">
+          <a:blip r:embed="rId3">
+            <a:extLst>
+              <a:ext uri="{28A0092B-C50C-407E-A947-70E740481C1C}">
+                <a14:useLocalDpi xmlns:a14="http://schemas.microsoft.com/office/drawing/2010/main" val="0"/>
+              </a:ext>
+            </a:extLst>
+          </a:blip>
+          <a:srcRect l="27333" t="15706" r="23129" b="17884"/>
+          <a:stretch/>
+        </p:blipFill>
+        <p:spPr>
+          <a:xfrm>
+            <a:off x="6935373" y="1630325"/>
+            <a:ext cx="4881488" cy="3926414"/>
+          </a:xfrm>
+          <a:prstGeom prst="rect">
+            <a:avLst/>
+          </a:prstGeom>
+        </p:spPr>
+      </p:pic>
+      <p:sp>
+        <p:nvSpPr>
+          <p:cNvPr id="2" name="标题 1">
+            <a:extLst>
+              <a:ext uri="{FF2B5EF4-FFF2-40B4-BE49-F238E27FC236}">
+                <a16:creationId xmlns:a16="http://schemas.microsoft.com/office/drawing/2014/main" id="{AFC04ED0-AA43-4476-8273-B8157775D237}"/>
+              </a:ext>
+            </a:extLst>
+          </p:cNvPr>
+          <p:cNvSpPr txBox="1">
+            <a:spLocks/>
+          </p:cNvSpPr>
+          <p:nvPr/>
+        </p:nvSpPr>
+        <p:spPr>
+          <a:xfrm>
+            <a:off x="590843" y="0"/>
+            <a:ext cx="10845018" cy="1325563"/>
+          </a:xfrm>
+          <a:prstGeom prst="rect">
+            <a:avLst/>
+          </a:prstGeom>
+        </p:spPr>
+        <p:txBody>
+          <a:bodyPr vert="horz" lIns="91440" tIns="45720" rIns="91440" bIns="45720" rtlCol="0" anchor="ctr">
+            <a:normAutofit/>
+          </a:bodyPr>
+          <a:lstStyle>
+            <a:lvl1pPr algn="l" defTabSz="914400" rtl="0" eaLnBrk="1" latinLnBrk="0" hangingPunct="1">
+              <a:lnSpc>
+                <a:spcPct val="90000"/>
+              </a:lnSpc>
+              <a:spcBef>
+                <a:spcPct val="0"/>
+              </a:spcBef>
+              <a:buNone/>
+              <a:defRPr sz="4400" kern="1200">
+                <a:solidFill>
+                  <a:schemeClr val="tx1"/>
+                </a:solidFill>
+                <a:latin typeface="+mj-lt"/>
+                <a:ea typeface="+mj-ea"/>
+                <a:cs typeface="+mj-cs"/>
+              </a:defRPr>
+            </a:lvl1pPr>
+          </a:lstStyle>
+          <a:p>
+            <a:pPr algn="ctr"/>
+            <a:r>
+              <a:rPr lang="zh-CN" altLang="en-US" sz="3600" dirty="0">
+                <a:solidFill>
+                  <a:srgbClr val="504B48"/>
+                </a:solidFill>
+                <a:latin typeface="黑体" panose="02010609060101010101" pitchFamily="49" charset="-122"/>
+                <a:ea typeface="黑体" panose="02010609060101010101" pitchFamily="49" charset="-122"/>
+              </a:rPr>
+              <a:t>分析和展示</a:t>
+            </a:r>
+            <a:endParaRPr lang="zh-CN" altLang="en-US" sz="3600" dirty="0"/>
+          </a:p>
+        </p:txBody>
+      </p:sp>
+      <p:sp>
+        <p:nvSpPr>
+          <p:cNvPr id="4" name="标题 1">
+            <a:extLst>
+              <a:ext uri="{FF2B5EF4-FFF2-40B4-BE49-F238E27FC236}">
+                <a16:creationId xmlns:a16="http://schemas.microsoft.com/office/drawing/2014/main" id="{DFD9C85D-752E-4C8D-918B-04E795840761}"/>
+              </a:ext>
+            </a:extLst>
+          </p:cNvPr>
+          <p:cNvSpPr>
+            <a:spLocks noGrp="1"/>
+          </p:cNvSpPr>
+          <p:nvPr>
+            <p:ph type="title"/>
+          </p:nvPr>
+        </p:nvSpPr>
+        <p:spPr>
+          <a:xfrm>
+            <a:off x="795997" y="1659352"/>
+            <a:ext cx="3044483" cy="1325563"/>
           </a:xfrm>
         </p:spPr>
-      </p:pic>
-      <p:sp>
-        <p:nvSpPr>
-          <p:cNvPr id="4" name="标题 1">
-            <a:extLst>
-              <a:ext uri="{FF2B5EF4-FFF2-40B4-BE49-F238E27FC236}">
-                <a16:creationId xmlns:a16="http://schemas.microsoft.com/office/drawing/2014/main" id="{DFD9C85D-752E-4C8D-918B-04E795840761}"/>
-              </a:ext>
-            </a:extLst>
-          </p:cNvPr>
-          <p:cNvSpPr>
-            <a:spLocks noGrp="1"/>
-          </p:cNvSpPr>
-          <p:nvPr>
-            <p:ph type="title"/>
-          </p:nvPr>
-        </p:nvSpPr>
-        <p:spPr>
-          <a:xfrm>
-            <a:off x="838200" y="365125"/>
-            <a:ext cx="10515600" cy="1325563"/>
-          </a:xfrm>
-        </p:spPr>
-        <p:txBody>
-          <a:bodyPr/>
+        <p:txBody>
+          <a:bodyPr>
+            <a:normAutofit/>
+          </a:bodyPr>
           <a:lstStyle/>
           <a:p>
             <a:r>
-              <a:rPr lang="zh-CN" altLang="en-US" dirty="0">
+              <a:rPr lang="zh-CN" altLang="en-US" sz="3200" dirty="0">
                 <a:latin typeface="华文中宋" panose="02010600040101010101" pitchFamily="2" charset="-122"/>
                 <a:ea typeface="华文中宋" panose="02010600040101010101" pitchFamily="2" charset="-122"/>
               </a:rPr>
-              <a:t>技能 </a:t>
-            </a:r>
-            <a:r>
-              <a:rPr lang="en-US" altLang="zh-CN" dirty="0">
-                <a:latin typeface="华文中宋" panose="02010600040101010101" pitchFamily="2" charset="-122"/>
-                <a:ea typeface="华文中宋" panose="02010600040101010101" pitchFamily="2" charset="-122"/>
-              </a:rPr>
-              <a:t>– </a:t>
-            </a:r>
-            <a:r>
-              <a:rPr lang="zh-CN" altLang="en-US" dirty="0">
-                <a:latin typeface="华文中宋" panose="02010600040101010101" pitchFamily="2" charset="-122"/>
-                <a:ea typeface="华文中宋" panose="02010600040101010101" pitchFamily="2" charset="-122"/>
-              </a:rPr>
-              <a:t>薪资</a:t>
+              <a:t>企业规模分布</a:t>
             </a:r>
           </a:p>
         </p:txBody>
@@ -4182,7 +5514,7 @@
     </p:spTree>
     <p:extLst>
       <p:ext uri="{BB962C8B-B14F-4D97-AF65-F5344CB8AC3E}">
-        <p14:creationId xmlns:p14="http://schemas.microsoft.com/office/powerpoint/2010/main" val="3040105984"/>
+        <p14:creationId xmlns:p14="http://schemas.microsoft.com/office/powerpoint/2010/main" val="569091216"/>
       </p:ext>
     </p:extLst>
   </p:cSld>
@@ -4209,12 +5541,143 @@
           <a:chExt cx="0" cy="0"/>
         </a:xfrm>
       </p:grpSpPr>
-      <p:sp>
-        <p:nvSpPr>
-          <p:cNvPr id="3" name="内容占位符 2">
-            <a:extLst>
-              <a:ext uri="{FF2B5EF4-FFF2-40B4-BE49-F238E27FC236}">
-                <a16:creationId xmlns:a16="http://schemas.microsoft.com/office/drawing/2014/main" id="{40D7EC4F-B910-4940-B111-2E8CA2235441}"/>
+      <p:pic>
+        <p:nvPicPr>
+          <p:cNvPr id="11" name="内容占位符 10">
+            <a:extLst>
+              <a:ext uri="{FF2B5EF4-FFF2-40B4-BE49-F238E27FC236}">
+                <a16:creationId xmlns:a16="http://schemas.microsoft.com/office/drawing/2014/main" id="{32704B03-35B9-40F3-94CC-691B9C351C6C}"/>
+              </a:ext>
+            </a:extLst>
+          </p:cNvPr>
+          <p:cNvPicPr>
+            <a:picLocks noGrp="1" noChangeAspect="1"/>
+          </p:cNvPicPr>
+          <p:nvPr>
+            <p:ph idx="1"/>
+          </p:nvPr>
+        </p:nvPicPr>
+        <p:blipFill rotWithShape="1">
+          <a:blip r:embed="rId2">
+            <a:extLst>
+              <a:ext uri="{28A0092B-C50C-407E-A947-70E740481C1C}">
+                <a14:useLocalDpi xmlns:a14="http://schemas.microsoft.com/office/drawing/2010/main" val="0"/>
+              </a:ext>
+            </a:extLst>
+          </a:blip>
+          <a:srcRect l="5903" t="7186" r="7972" b="5848"/>
+          <a:stretch/>
+        </p:blipFill>
+        <p:spPr>
+          <a:xfrm>
+            <a:off x="7244861" y="1547445"/>
+            <a:ext cx="4811151" cy="3784209"/>
+          </a:xfrm>
+        </p:spPr>
+      </p:pic>
+      <p:pic>
+        <p:nvPicPr>
+          <p:cNvPr id="13" name="图片 12">
+            <a:extLst>
+              <a:ext uri="{FF2B5EF4-FFF2-40B4-BE49-F238E27FC236}">
+                <a16:creationId xmlns:a16="http://schemas.microsoft.com/office/drawing/2014/main" id="{19829E8B-C6A2-4A25-87F3-A01087BC1E6B}"/>
+              </a:ext>
+            </a:extLst>
+          </p:cNvPr>
+          <p:cNvPicPr>
+            <a:picLocks noChangeAspect="1"/>
+          </p:cNvPicPr>
+          <p:nvPr/>
+        </p:nvPicPr>
+        <p:blipFill rotWithShape="1">
+          <a:blip r:embed="rId3">
+            <a:extLst>
+              <a:ext uri="{28A0092B-C50C-407E-A947-70E740481C1C}">
+                <a14:useLocalDpi xmlns:a14="http://schemas.microsoft.com/office/drawing/2010/main" val="0"/>
+              </a:ext>
+            </a:extLst>
+          </a:blip>
+          <a:srcRect l="6564" t="10577" r="8975" b="2756"/>
+          <a:stretch/>
+        </p:blipFill>
+        <p:spPr>
+          <a:xfrm>
+            <a:off x="0" y="1301262"/>
+            <a:ext cx="7202658" cy="4754880"/>
+          </a:xfrm>
+          <a:prstGeom prst="rect">
+            <a:avLst/>
+          </a:prstGeom>
+        </p:spPr>
+      </p:pic>
+      <p:sp>
+        <p:nvSpPr>
+          <p:cNvPr id="2" name="标题 1">
+            <a:extLst>
+              <a:ext uri="{FF2B5EF4-FFF2-40B4-BE49-F238E27FC236}">
+                <a16:creationId xmlns:a16="http://schemas.microsoft.com/office/drawing/2014/main" id="{FCC29635-25F9-4BE5-9E67-860976A34BB6}"/>
+              </a:ext>
+            </a:extLst>
+          </p:cNvPr>
+          <p:cNvSpPr txBox="1">
+            <a:spLocks/>
+          </p:cNvSpPr>
+          <p:nvPr/>
+        </p:nvSpPr>
+        <p:spPr>
+          <a:xfrm>
+            <a:off x="590843" y="0"/>
+            <a:ext cx="10845018" cy="1325563"/>
+          </a:xfrm>
+          <a:prstGeom prst="rect">
+            <a:avLst/>
+          </a:prstGeom>
+        </p:spPr>
+        <p:txBody>
+          <a:bodyPr vert="horz" lIns="91440" tIns="45720" rIns="91440" bIns="45720" rtlCol="0" anchor="ctr">
+            <a:normAutofit/>
+          </a:bodyPr>
+          <a:lstStyle>
+            <a:lvl1pPr algn="l" defTabSz="914400" rtl="0" eaLnBrk="1" latinLnBrk="0" hangingPunct="1">
+              <a:lnSpc>
+                <a:spcPct val="90000"/>
+              </a:lnSpc>
+              <a:spcBef>
+                <a:spcPct val="0"/>
+              </a:spcBef>
+              <a:buNone/>
+              <a:defRPr sz="4400" kern="1200">
+                <a:solidFill>
+                  <a:schemeClr val="tx1"/>
+                </a:solidFill>
+                <a:latin typeface="+mj-lt"/>
+                <a:ea typeface="+mj-ea"/>
+                <a:cs typeface="+mj-cs"/>
+              </a:defRPr>
+            </a:lvl1pPr>
+          </a:lstStyle>
+          <a:p>
+            <a:pPr algn="ctr"/>
+            <a:r>
+              <a:rPr lang="zh-CN" altLang="en-US" sz="3600" dirty="0">
+                <a:solidFill>
+                  <a:srgbClr val="504B48"/>
+                </a:solidFill>
+                <a:latin typeface="黑体" panose="02010609060101010101" pitchFamily="49" charset="-122"/>
+                <a:ea typeface="黑体" panose="02010609060101010101" pitchFamily="49" charset="-122"/>
+              </a:rPr>
+              <a:t>分析和展示</a:t>
+            </a:r>
+            <a:endParaRPr lang="zh-CN" altLang="en-US" sz="3600" dirty="0"/>
+          </a:p>
+        </p:txBody>
+      </p:sp>
+      <p:sp>
+        <p:nvSpPr>
+          <p:cNvPr id="4" name="标题 1">
+            <a:extLst>
+              <a:ext uri="{FF2B5EF4-FFF2-40B4-BE49-F238E27FC236}">
+                <a16:creationId xmlns:a16="http://schemas.microsoft.com/office/drawing/2014/main" id="{DFD9C85D-752E-4C8D-918B-04E795840761}"/>
               </a:ext>
             </a:extLst>
           </p:cNvPr>
@@ -4222,50 +5685,41 @@
             <a:spLocks noGrp="1"/>
           </p:cNvSpPr>
           <p:nvPr>
-            <p:ph idx="1"/>
-          </p:nvPr>
-        </p:nvSpPr>
-        <p:spPr/>
-        <p:txBody>
-          <a:bodyPr/>
-          <a:lstStyle/>
-          <a:p>
-            <a:endParaRPr lang="zh-CN" altLang="en-US"/>
-          </a:p>
-        </p:txBody>
-      </p:sp>
-      <p:sp>
-        <p:nvSpPr>
-          <p:cNvPr id="4" name="标题 1">
-            <a:extLst>
-              <a:ext uri="{FF2B5EF4-FFF2-40B4-BE49-F238E27FC236}">
-                <a16:creationId xmlns:a16="http://schemas.microsoft.com/office/drawing/2014/main" id="{DFD9C85D-752E-4C8D-918B-04E795840761}"/>
-              </a:ext>
-            </a:extLst>
-          </p:cNvPr>
-          <p:cNvSpPr>
-            <a:spLocks noGrp="1"/>
-          </p:cNvSpPr>
-          <p:nvPr>
             <p:ph type="title"/>
           </p:nvPr>
         </p:nvSpPr>
         <p:spPr>
           <a:xfrm>
-            <a:off x="838200" y="365125"/>
+            <a:off x="3904956" y="2123586"/>
             <a:ext cx="10515600" cy="1325563"/>
           </a:xfrm>
         </p:spPr>
         <p:txBody>
-          <a:bodyPr/>
+          <a:bodyPr>
+            <a:normAutofit/>
+          </a:bodyPr>
           <a:lstStyle/>
           <a:p>
             <a:r>
-              <a:rPr lang="zh-CN" altLang="en-US" dirty="0">
+              <a:rPr lang="zh-CN" altLang="en-US" sz="3200" dirty="0">
                 <a:latin typeface="华文中宋" panose="02010600040101010101" pitchFamily="2" charset="-122"/>
                 <a:ea typeface="华文中宋" panose="02010600040101010101" pitchFamily="2" charset="-122"/>
               </a:rPr>
-              <a:t>城市</a:t>
+              <a:t>企业规模 </a:t>
+            </a:r>
+            <a:r>
+              <a:rPr lang="en-US" altLang="zh-CN" sz="3200" dirty="0">
+                <a:latin typeface="华文中宋" panose="02010600040101010101" pitchFamily="2" charset="-122"/>
+                <a:ea typeface="华文中宋" panose="02010600040101010101" pitchFamily="2" charset="-122"/>
+              </a:rPr>
+              <a:t>- </a:t>
+            </a:r>
+            <a:r>
+              <a:rPr lang="zh-CN" altLang="en-US" sz="3200" dirty="0">
+                <a:latin typeface="华文中宋" panose="02010600040101010101" pitchFamily="2" charset="-122"/>
+                <a:ea typeface="华文中宋" panose="02010600040101010101" pitchFamily="2" charset="-122"/>
+              </a:rPr>
+              <a:t>薪资</a:t>
             </a:r>
           </a:p>
         </p:txBody>
@@ -4273,7 +5727,7 @@
     </p:spTree>
     <p:extLst>
       <p:ext uri="{BB962C8B-B14F-4D97-AF65-F5344CB8AC3E}">
-        <p14:creationId xmlns:p14="http://schemas.microsoft.com/office/powerpoint/2010/main" val="2058463284"/>
+        <p14:creationId xmlns:p14="http://schemas.microsoft.com/office/powerpoint/2010/main" val="2723988362"/>
       </p:ext>
     </p:extLst>
   </p:cSld>
@@ -4300,12 +5754,143 @@
           <a:chExt cx="0" cy="0"/>
         </a:xfrm>
       </p:grpSpPr>
-      <p:sp>
-        <p:nvSpPr>
-          <p:cNvPr id="3" name="内容占位符 2">
-            <a:extLst>
-              <a:ext uri="{FF2B5EF4-FFF2-40B4-BE49-F238E27FC236}">
-                <a16:creationId xmlns:a16="http://schemas.microsoft.com/office/drawing/2014/main" id="{40D7EC4F-B910-4940-B111-2E8CA2235441}"/>
+      <p:pic>
+        <p:nvPicPr>
+          <p:cNvPr id="8" name="内容占位符 7">
+            <a:extLst>
+              <a:ext uri="{FF2B5EF4-FFF2-40B4-BE49-F238E27FC236}">
+                <a16:creationId xmlns:a16="http://schemas.microsoft.com/office/drawing/2014/main" id="{C9473BA0-3EF9-4C81-B3B6-064BA69E624D}"/>
+              </a:ext>
+            </a:extLst>
+          </p:cNvPr>
+          <p:cNvPicPr>
+            <a:picLocks noGrp="1" noChangeAspect="1"/>
+          </p:cNvPicPr>
+          <p:nvPr>
+            <p:ph idx="1"/>
+          </p:nvPr>
+        </p:nvPicPr>
+        <p:blipFill rotWithShape="1">
+          <a:blip r:embed="rId2">
+            <a:extLst>
+              <a:ext uri="{28A0092B-C50C-407E-A947-70E740481C1C}">
+                <a14:useLocalDpi xmlns:a14="http://schemas.microsoft.com/office/drawing/2010/main" val="0"/>
+              </a:ext>
+            </a:extLst>
+          </a:blip>
+          <a:srcRect l="8036" t="6539" r="16312" b="6495"/>
+          <a:stretch/>
+        </p:blipFill>
+        <p:spPr>
+          <a:xfrm>
+            <a:off x="28136" y="2110153"/>
+            <a:ext cx="5955499" cy="4107767"/>
+          </a:xfrm>
+        </p:spPr>
+      </p:pic>
+      <p:pic>
+        <p:nvPicPr>
+          <p:cNvPr id="10" name="图片 9">
+            <a:extLst>
+              <a:ext uri="{FF2B5EF4-FFF2-40B4-BE49-F238E27FC236}">
+                <a16:creationId xmlns:a16="http://schemas.microsoft.com/office/drawing/2014/main" id="{AA035C1B-5FA1-4A9A-A053-7971AF34F233}"/>
+              </a:ext>
+            </a:extLst>
+          </p:cNvPr>
+          <p:cNvPicPr>
+            <a:picLocks noChangeAspect="1"/>
+          </p:cNvPicPr>
+          <p:nvPr/>
+        </p:nvPicPr>
+        <p:blipFill rotWithShape="1">
+          <a:blip r:embed="rId3">
+            <a:extLst>
+              <a:ext uri="{28A0092B-C50C-407E-A947-70E740481C1C}">
+                <a14:useLocalDpi xmlns:a14="http://schemas.microsoft.com/office/drawing/2010/main" val="0"/>
+              </a:ext>
+            </a:extLst>
+          </a:blip>
+          <a:srcRect l="8256" t="7245" r="12667" b="6346"/>
+          <a:stretch/>
+        </p:blipFill>
+        <p:spPr>
+          <a:xfrm>
+            <a:off x="5936566" y="1772529"/>
+            <a:ext cx="6255434" cy="4768947"/>
+          </a:xfrm>
+          <a:prstGeom prst="rect">
+            <a:avLst/>
+          </a:prstGeom>
+        </p:spPr>
+      </p:pic>
+      <p:sp>
+        <p:nvSpPr>
+          <p:cNvPr id="2" name="标题 1">
+            <a:extLst>
+              <a:ext uri="{FF2B5EF4-FFF2-40B4-BE49-F238E27FC236}">
+                <a16:creationId xmlns:a16="http://schemas.microsoft.com/office/drawing/2014/main" id="{DE686544-25AF-4C66-9DB6-0D47B122B4AD}"/>
+              </a:ext>
+            </a:extLst>
+          </p:cNvPr>
+          <p:cNvSpPr txBox="1">
+            <a:spLocks/>
+          </p:cNvSpPr>
+          <p:nvPr/>
+        </p:nvSpPr>
+        <p:spPr>
+          <a:xfrm>
+            <a:off x="590843" y="0"/>
+            <a:ext cx="10845018" cy="1325563"/>
+          </a:xfrm>
+          <a:prstGeom prst="rect">
+            <a:avLst/>
+          </a:prstGeom>
+        </p:spPr>
+        <p:txBody>
+          <a:bodyPr vert="horz" lIns="91440" tIns="45720" rIns="91440" bIns="45720" rtlCol="0" anchor="ctr">
+            <a:normAutofit/>
+          </a:bodyPr>
+          <a:lstStyle>
+            <a:lvl1pPr algn="l" defTabSz="914400" rtl="0" eaLnBrk="1" latinLnBrk="0" hangingPunct="1">
+              <a:lnSpc>
+                <a:spcPct val="90000"/>
+              </a:lnSpc>
+              <a:spcBef>
+                <a:spcPct val="0"/>
+              </a:spcBef>
+              <a:buNone/>
+              <a:defRPr sz="4400" kern="1200">
+                <a:solidFill>
+                  <a:schemeClr val="tx1"/>
+                </a:solidFill>
+                <a:latin typeface="+mj-lt"/>
+                <a:ea typeface="+mj-ea"/>
+                <a:cs typeface="+mj-cs"/>
+              </a:defRPr>
+            </a:lvl1pPr>
+          </a:lstStyle>
+          <a:p>
+            <a:pPr algn="ctr"/>
+            <a:r>
+              <a:rPr lang="zh-CN" altLang="en-US" sz="3600" dirty="0">
+                <a:solidFill>
+                  <a:srgbClr val="504B48"/>
+                </a:solidFill>
+                <a:latin typeface="黑体" panose="02010609060101010101" pitchFamily="49" charset="-122"/>
+                <a:ea typeface="黑体" panose="02010609060101010101" pitchFamily="49" charset="-122"/>
+              </a:rPr>
+              <a:t>分析和展示</a:t>
+            </a:r>
+            <a:endParaRPr lang="zh-CN" altLang="en-US" sz="3600" dirty="0"/>
+          </a:p>
+        </p:txBody>
+      </p:sp>
+      <p:sp>
+        <p:nvSpPr>
+          <p:cNvPr id="4" name="标题 1">
+            <a:extLst>
+              <a:ext uri="{FF2B5EF4-FFF2-40B4-BE49-F238E27FC236}">
+                <a16:creationId xmlns:a16="http://schemas.microsoft.com/office/drawing/2014/main" id="{DFD9C85D-752E-4C8D-918B-04E795840761}"/>
               </a:ext>
             </a:extLst>
           </p:cNvPr>
@@ -4313,50 +5898,41 @@
             <a:spLocks noGrp="1"/>
           </p:cNvSpPr>
           <p:nvPr>
-            <p:ph idx="1"/>
-          </p:nvPr>
-        </p:nvSpPr>
-        <p:spPr/>
-        <p:txBody>
-          <a:bodyPr/>
-          <a:lstStyle/>
-          <a:p>
-            <a:endParaRPr lang="zh-CN" altLang="en-US"/>
-          </a:p>
-        </p:txBody>
-      </p:sp>
-      <p:sp>
-        <p:nvSpPr>
-          <p:cNvPr id="4" name="标题 1">
-            <a:extLst>
-              <a:ext uri="{FF2B5EF4-FFF2-40B4-BE49-F238E27FC236}">
-                <a16:creationId xmlns:a16="http://schemas.microsoft.com/office/drawing/2014/main" id="{DFD9C85D-752E-4C8D-918B-04E795840761}"/>
-              </a:ext>
-            </a:extLst>
-          </p:cNvPr>
-          <p:cNvSpPr>
-            <a:spLocks noGrp="1"/>
-          </p:cNvSpPr>
-          <p:nvPr>
             <p:ph type="title"/>
           </p:nvPr>
         </p:nvSpPr>
         <p:spPr>
           <a:xfrm>
-            <a:off x="838200" y="365125"/>
-            <a:ext cx="10515600" cy="1325563"/>
+            <a:off x="3229707" y="773088"/>
+            <a:ext cx="5604803" cy="1325563"/>
           </a:xfrm>
         </p:spPr>
         <p:txBody>
-          <a:bodyPr/>
+          <a:bodyPr>
+            <a:normAutofit/>
+          </a:bodyPr>
           <a:lstStyle/>
           <a:p>
             <a:r>
-              <a:rPr lang="zh-CN" altLang="en-US" dirty="0">
+              <a:rPr lang="zh-CN" altLang="en-US" sz="3200" dirty="0">
                 <a:latin typeface="华文中宋" panose="02010600040101010101" pitchFamily="2" charset="-122"/>
                 <a:ea typeface="华文中宋" panose="02010600040101010101" pitchFamily="2" charset="-122"/>
               </a:rPr>
-              <a:t>城市</a:t>
+              <a:t>企业规模 </a:t>
+            </a:r>
+            <a:r>
+              <a:rPr lang="en-US" altLang="zh-CN" sz="3200" dirty="0">
+                <a:latin typeface="华文中宋" panose="02010600040101010101" pitchFamily="2" charset="-122"/>
+                <a:ea typeface="华文中宋" panose="02010600040101010101" pitchFamily="2" charset="-122"/>
+              </a:rPr>
+              <a:t>– </a:t>
+            </a:r>
+            <a:r>
+              <a:rPr lang="zh-CN" altLang="en-US" sz="3200" dirty="0">
+                <a:latin typeface="华文中宋" panose="02010600040101010101" pitchFamily="2" charset="-122"/>
+                <a:ea typeface="华文中宋" panose="02010600040101010101" pitchFamily="2" charset="-122"/>
+              </a:rPr>
+              <a:t>学历、工作经验</a:t>
             </a:r>
           </a:p>
         </p:txBody>
@@ -4364,7 +5940,308 @@
     </p:spTree>
     <p:extLst>
       <p:ext uri="{BB962C8B-B14F-4D97-AF65-F5344CB8AC3E}">
-        <p14:creationId xmlns:p14="http://schemas.microsoft.com/office/powerpoint/2010/main" val="1983531161"/>
+        <p14:creationId xmlns:p14="http://schemas.microsoft.com/office/powerpoint/2010/main" val="3260862586"/>
+      </p:ext>
+    </p:extLst>
+  </p:cSld>
+  <p:clrMapOvr>
+    <a:masterClrMapping/>
+  </p:clrMapOvr>
+</p:sld>
+</file>
+
+<file path=ppt/slides/slide18.xml><?xml version="1.0" encoding="utf-8"?>
+<p:sld xmlns:a="http://schemas.openxmlformats.org/drawingml/2006/main" xmlns:r="http://schemas.openxmlformats.org/officeDocument/2006/relationships" xmlns:p="http://schemas.openxmlformats.org/presentationml/2006/main">
+  <p:cSld>
+    <p:spTree>
+      <p:nvGrpSpPr>
+        <p:cNvPr id="1" name=""/>
+        <p:cNvGrpSpPr/>
+        <p:nvPr/>
+      </p:nvGrpSpPr>
+      <p:grpSpPr>
+        <a:xfrm>
+          <a:off x="0" y="0"/>
+          <a:ext cx="0" cy="0"/>
+          <a:chOff x="0" y="0"/>
+          <a:chExt cx="0" cy="0"/>
+        </a:xfrm>
+      </p:grpSpPr>
+      <p:pic>
+        <p:nvPicPr>
+          <p:cNvPr id="7" name="内容占位符 6">
+            <a:extLst>
+              <a:ext uri="{FF2B5EF4-FFF2-40B4-BE49-F238E27FC236}">
+                <a16:creationId xmlns:a16="http://schemas.microsoft.com/office/drawing/2014/main" id="{6707415C-EF06-488C-9742-D2004A42F27B}"/>
+              </a:ext>
+            </a:extLst>
+          </p:cNvPr>
+          <p:cNvPicPr>
+            <a:picLocks noGrp="1" noChangeAspect="1"/>
+          </p:cNvPicPr>
+          <p:nvPr>
+            <p:ph idx="1"/>
+          </p:nvPr>
+        </p:nvPicPr>
+        <p:blipFill rotWithShape="1">
+          <a:blip r:embed="rId2">
+            <a:extLst>
+              <a:ext uri="{28A0092B-C50C-407E-A947-70E740481C1C}">
+                <a14:useLocalDpi xmlns:a14="http://schemas.microsoft.com/office/drawing/2010/main" val="0"/>
+              </a:ext>
+            </a:extLst>
+          </a:blip>
+          <a:srcRect l="7681" t="7715" r="8975" b="5997"/>
+          <a:stretch/>
+        </p:blipFill>
+        <p:spPr>
+          <a:xfrm>
+            <a:off x="412846" y="1308294"/>
+            <a:ext cx="11192999" cy="4853356"/>
+          </a:xfrm>
+        </p:spPr>
+      </p:pic>
+      <p:sp>
+        <p:nvSpPr>
+          <p:cNvPr id="2" name="标题 1">
+            <a:extLst>
+              <a:ext uri="{FF2B5EF4-FFF2-40B4-BE49-F238E27FC236}">
+                <a16:creationId xmlns:a16="http://schemas.microsoft.com/office/drawing/2014/main" id="{9812D7F2-8B1C-4F1C-9087-CB7497872436}"/>
+              </a:ext>
+            </a:extLst>
+          </p:cNvPr>
+          <p:cNvSpPr txBox="1">
+            <a:spLocks/>
+          </p:cNvSpPr>
+          <p:nvPr/>
+        </p:nvSpPr>
+        <p:spPr>
+          <a:xfrm>
+            <a:off x="590843" y="0"/>
+            <a:ext cx="10845018" cy="1325563"/>
+          </a:xfrm>
+          <a:prstGeom prst="rect">
+            <a:avLst/>
+          </a:prstGeom>
+        </p:spPr>
+        <p:txBody>
+          <a:bodyPr vert="horz" lIns="91440" tIns="45720" rIns="91440" bIns="45720" rtlCol="0" anchor="ctr">
+            <a:normAutofit/>
+          </a:bodyPr>
+          <a:lstStyle>
+            <a:lvl1pPr algn="l" defTabSz="914400" rtl="0" eaLnBrk="1" latinLnBrk="0" hangingPunct="1">
+              <a:lnSpc>
+                <a:spcPct val="90000"/>
+              </a:lnSpc>
+              <a:spcBef>
+                <a:spcPct val="0"/>
+              </a:spcBef>
+              <a:buNone/>
+              <a:defRPr sz="4400" kern="1200">
+                <a:solidFill>
+                  <a:schemeClr val="tx1"/>
+                </a:solidFill>
+                <a:latin typeface="+mj-lt"/>
+                <a:ea typeface="+mj-ea"/>
+                <a:cs typeface="+mj-cs"/>
+              </a:defRPr>
+            </a:lvl1pPr>
+          </a:lstStyle>
+          <a:p>
+            <a:pPr algn="ctr"/>
+            <a:r>
+              <a:rPr lang="zh-CN" altLang="en-US" sz="3600" dirty="0">
+                <a:solidFill>
+                  <a:srgbClr val="504B48"/>
+                </a:solidFill>
+                <a:latin typeface="黑体" panose="02010609060101010101" pitchFamily="49" charset="-122"/>
+                <a:ea typeface="黑体" panose="02010609060101010101" pitchFamily="49" charset="-122"/>
+              </a:rPr>
+              <a:t>分析和展示</a:t>
+            </a:r>
+            <a:endParaRPr lang="zh-CN" altLang="en-US" sz="3600" dirty="0"/>
+          </a:p>
+        </p:txBody>
+      </p:sp>
+      <p:sp>
+        <p:nvSpPr>
+          <p:cNvPr id="4" name="标题 1">
+            <a:extLst>
+              <a:ext uri="{FF2B5EF4-FFF2-40B4-BE49-F238E27FC236}">
+                <a16:creationId xmlns:a16="http://schemas.microsoft.com/office/drawing/2014/main" id="{DFD9C85D-752E-4C8D-918B-04E795840761}"/>
+              </a:ext>
+            </a:extLst>
+          </p:cNvPr>
+          <p:cNvSpPr>
+            <a:spLocks noGrp="1"/>
+          </p:cNvSpPr>
+          <p:nvPr>
+            <p:ph type="title"/>
+          </p:nvPr>
+        </p:nvSpPr>
+        <p:spPr>
+          <a:xfrm>
+            <a:off x="7646964" y="1560879"/>
+            <a:ext cx="2552114" cy="1325563"/>
+          </a:xfrm>
+        </p:spPr>
+        <p:txBody>
+          <a:bodyPr>
+            <a:normAutofit/>
+          </a:bodyPr>
+          <a:lstStyle/>
+          <a:p>
+            <a:r>
+              <a:rPr lang="zh-CN" altLang="en-US" sz="3200" dirty="0">
+                <a:latin typeface="华文中宋" panose="02010600040101010101" pitchFamily="2" charset="-122"/>
+                <a:ea typeface="华文中宋" panose="02010600040101010101" pitchFamily="2" charset="-122"/>
+              </a:rPr>
+              <a:t>技能占比</a:t>
+            </a:r>
+          </a:p>
+        </p:txBody>
+      </p:sp>
+    </p:spTree>
+    <p:extLst>
+      <p:ext uri="{BB962C8B-B14F-4D97-AF65-F5344CB8AC3E}">
+        <p14:creationId xmlns:p14="http://schemas.microsoft.com/office/powerpoint/2010/main" val="1262476763"/>
+      </p:ext>
+    </p:extLst>
+  </p:cSld>
+  <p:clrMapOvr>
+    <a:masterClrMapping/>
+  </p:clrMapOvr>
+</p:sld>
+</file>
+
+<file path=ppt/slides/slide19.xml><?xml version="1.0" encoding="utf-8"?>
+<p:sld xmlns:a="http://schemas.openxmlformats.org/drawingml/2006/main" xmlns:r="http://schemas.openxmlformats.org/officeDocument/2006/relationships" xmlns:p="http://schemas.openxmlformats.org/presentationml/2006/main">
+  <p:cSld>
+    <p:spTree>
+      <p:nvGrpSpPr>
+        <p:cNvPr id="1" name=""/>
+        <p:cNvGrpSpPr/>
+        <p:nvPr/>
+      </p:nvGrpSpPr>
+      <p:grpSpPr>
+        <a:xfrm>
+          <a:off x="0" y="0"/>
+          <a:ext cx="0" cy="0"/>
+          <a:chOff x="0" y="0"/>
+          <a:chExt cx="0" cy="0"/>
+        </a:xfrm>
+      </p:grpSpPr>
+      <p:sp>
+        <p:nvSpPr>
+          <p:cNvPr id="4" name="标题 1">
+            <a:extLst>
+              <a:ext uri="{FF2B5EF4-FFF2-40B4-BE49-F238E27FC236}">
+                <a16:creationId xmlns:a16="http://schemas.microsoft.com/office/drawing/2014/main" id="{DFD9C85D-752E-4C8D-918B-04E795840761}"/>
+              </a:ext>
+            </a:extLst>
+          </p:cNvPr>
+          <p:cNvSpPr>
+            <a:spLocks noGrp="1"/>
+          </p:cNvSpPr>
+          <p:nvPr>
+            <p:ph type="title"/>
+          </p:nvPr>
+        </p:nvSpPr>
+        <p:spPr>
+          <a:xfrm>
+            <a:off x="964810" y="1054442"/>
+            <a:ext cx="3944815" cy="1325563"/>
+          </a:xfrm>
+        </p:spPr>
+        <p:txBody>
+          <a:bodyPr>
+            <a:normAutofit/>
+          </a:bodyPr>
+          <a:lstStyle/>
+          <a:p>
+            <a:r>
+              <a:rPr lang="zh-CN" altLang="en-US" sz="3200" dirty="0">
+                <a:latin typeface="华文中宋" panose="02010600040101010101" pitchFamily="2" charset="-122"/>
+                <a:ea typeface="华文中宋" panose="02010600040101010101" pitchFamily="2" charset="-122"/>
+              </a:rPr>
+              <a:t>技术、技能关键词云</a:t>
+            </a:r>
+          </a:p>
+        </p:txBody>
+      </p:sp>
+      <p:pic>
+        <p:nvPicPr>
+          <p:cNvPr id="7" name="图片 6">
+            <a:extLst>
+              <a:ext uri="{FF2B5EF4-FFF2-40B4-BE49-F238E27FC236}">
+                <a16:creationId xmlns:a16="http://schemas.microsoft.com/office/drawing/2014/main" id="{17190052-7F80-47CC-9A0D-260F18F5495B}"/>
+              </a:ext>
+            </a:extLst>
+          </p:cNvPr>
+          <p:cNvPicPr>
+            <a:picLocks noChangeAspect="1"/>
+          </p:cNvPicPr>
+          <p:nvPr/>
+        </p:nvPicPr>
+        <p:blipFill rotWithShape="1">
+          <a:blip r:embed="rId2">
+            <a:extLst>
+              <a:ext uri="{28A0092B-C50C-407E-A947-70E740481C1C}">
+                <a14:useLocalDpi xmlns:a14="http://schemas.microsoft.com/office/drawing/2010/main" val="0"/>
+              </a:ext>
+            </a:extLst>
+          </a:blip>
+          <a:srcRect l="11487" t="17693" r="9949" b="22499"/>
+          <a:stretch/>
+        </p:blipFill>
+        <p:spPr>
+          <a:xfrm>
+            <a:off x="5008098" y="0"/>
+            <a:ext cx="7183902" cy="3281290"/>
+          </a:xfrm>
+          <a:prstGeom prst="rect">
+            <a:avLst/>
+          </a:prstGeom>
+        </p:spPr>
+      </p:pic>
+      <p:pic>
+        <p:nvPicPr>
+          <p:cNvPr id="5" name="内容占位符 4">
+            <a:extLst>
+              <a:ext uri="{FF2B5EF4-FFF2-40B4-BE49-F238E27FC236}">
+                <a16:creationId xmlns:a16="http://schemas.microsoft.com/office/drawing/2014/main" id="{409367D0-F943-486D-A674-4FF4692FA7FA}"/>
+              </a:ext>
+            </a:extLst>
+          </p:cNvPr>
+          <p:cNvPicPr>
+            <a:picLocks noGrp="1" noChangeAspect="1"/>
+          </p:cNvPicPr>
+          <p:nvPr>
+            <p:ph idx="1"/>
+          </p:nvPr>
+        </p:nvPicPr>
+        <p:blipFill rotWithShape="1">
+          <a:blip r:embed="rId3">
+            <a:extLst>
+              <a:ext uri="{28A0092B-C50C-407E-A947-70E740481C1C}">
+                <a14:useLocalDpi xmlns:a14="http://schemas.microsoft.com/office/drawing/2010/main" val="0"/>
+              </a:ext>
+            </a:extLst>
+          </a:blip>
+          <a:srcRect l="11217" t="15154" r="8704" b="14341"/>
+          <a:stretch/>
+        </p:blipFill>
+        <p:spPr>
+          <a:xfrm>
+            <a:off x="0" y="2848707"/>
+            <a:ext cx="7589608" cy="4009293"/>
+          </a:xfrm>
+        </p:spPr>
+      </p:pic>
+    </p:spTree>
+    <p:extLst>
+      <p:ext uri="{BB962C8B-B14F-4D97-AF65-F5344CB8AC3E}">
+        <p14:creationId xmlns:p14="http://schemas.microsoft.com/office/powerpoint/2010/main" val="3710439895"/>
       </p:ext>
     </p:extLst>
   </p:cSld>
@@ -4393,10 +6270,691 @@
       </p:grpSpPr>
       <p:sp>
         <p:nvSpPr>
+          <p:cNvPr id="5" name="文本框 4">
+            <a:extLst>
+              <a:ext uri="{FF2B5EF4-FFF2-40B4-BE49-F238E27FC236}">
+                <a16:creationId xmlns:a16="http://schemas.microsoft.com/office/drawing/2014/main" id="{DA4BC88A-C99B-409C-ABF4-6DD76CB52FEC}"/>
+              </a:ext>
+            </a:extLst>
+          </p:cNvPr>
+          <p:cNvSpPr txBox="1"/>
+          <p:nvPr/>
+        </p:nvSpPr>
+        <p:spPr>
+          <a:xfrm>
+            <a:off x="1389184" y="1111238"/>
+            <a:ext cx="6098344" cy="4117474"/>
+          </a:xfrm>
+          <a:prstGeom prst="rect">
+            <a:avLst/>
+          </a:prstGeom>
+          <a:noFill/>
+        </p:spPr>
+        <p:txBody>
+          <a:bodyPr wrap="square">
+            <a:spAutoFit/>
+          </a:bodyPr>
+          <a:lstStyle/>
+          <a:p>
+            <a:pPr marL="457200" indent="-457200" eaLnBrk="1" hangingPunct="1">
+              <a:lnSpc>
+                <a:spcPct val="150000"/>
+              </a:lnSpc>
+              <a:buFont typeface="Wingdings" panose="05000000000000000000" pitchFamily="2" charset="2"/>
+              <a:buChar char="Ø"/>
+            </a:pPr>
+            <a:r>
+              <a:rPr lang="zh-CN" altLang="en-US" sz="3600" dirty="0">
+                <a:solidFill>
+                  <a:srgbClr val="504B48"/>
+                </a:solidFill>
+                <a:latin typeface="黑体" panose="02010609060101010101" pitchFamily="49" charset="-122"/>
+                <a:ea typeface="黑体" panose="02010609060101010101" pitchFamily="49" charset="-122"/>
+              </a:rPr>
+              <a:t>背景和目的</a:t>
+            </a:r>
+            <a:endParaRPr lang="en-US" altLang="zh-CN" sz="3600" dirty="0">
+              <a:solidFill>
+                <a:srgbClr val="504B48"/>
+              </a:solidFill>
+              <a:latin typeface="黑体" panose="02010609060101010101" pitchFamily="49" charset="-122"/>
+              <a:ea typeface="黑体" panose="02010609060101010101" pitchFamily="49" charset="-122"/>
+            </a:endParaRPr>
+          </a:p>
+          <a:p>
+            <a:pPr marL="457200" indent="-457200" eaLnBrk="1" hangingPunct="1">
+              <a:lnSpc>
+                <a:spcPct val="150000"/>
+              </a:lnSpc>
+              <a:buFont typeface="Wingdings" panose="05000000000000000000" pitchFamily="2" charset="2"/>
+              <a:buChar char="Ø"/>
+            </a:pPr>
+            <a:r>
+              <a:rPr lang="zh-CN" altLang="en-US" sz="3600" dirty="0">
+                <a:solidFill>
+                  <a:srgbClr val="504B48"/>
+                </a:solidFill>
+                <a:latin typeface="黑体" panose="02010609060101010101" pitchFamily="49" charset="-122"/>
+                <a:ea typeface="黑体" panose="02010609060101010101" pitchFamily="49" charset="-122"/>
+              </a:rPr>
+              <a:t>分析思路概要</a:t>
+            </a:r>
+            <a:endParaRPr lang="en-US" altLang="zh-CN" sz="3600" dirty="0">
+              <a:solidFill>
+                <a:srgbClr val="504B48"/>
+              </a:solidFill>
+              <a:latin typeface="黑体" panose="02010609060101010101" pitchFamily="49" charset="-122"/>
+              <a:ea typeface="黑体" panose="02010609060101010101" pitchFamily="49" charset="-122"/>
+            </a:endParaRPr>
+          </a:p>
+          <a:p>
+            <a:pPr marL="457200" indent="-457200" eaLnBrk="1" hangingPunct="1">
+              <a:lnSpc>
+                <a:spcPct val="150000"/>
+              </a:lnSpc>
+              <a:buFont typeface="Wingdings" panose="05000000000000000000" pitchFamily="2" charset="2"/>
+              <a:buChar char="Ø"/>
+            </a:pPr>
+            <a:r>
+              <a:rPr lang="zh-CN" altLang="en-US" sz="3600" dirty="0">
+                <a:solidFill>
+                  <a:srgbClr val="504B48"/>
+                </a:solidFill>
+                <a:latin typeface="黑体" panose="02010609060101010101" pitchFamily="49" charset="-122"/>
+                <a:ea typeface="黑体" panose="02010609060101010101" pitchFamily="49" charset="-122"/>
+              </a:rPr>
+              <a:t>数据收集和处理</a:t>
+            </a:r>
+            <a:endParaRPr lang="en-US" altLang="zh-CN" sz="3600" dirty="0">
+              <a:solidFill>
+                <a:srgbClr val="504B48"/>
+              </a:solidFill>
+              <a:latin typeface="黑体" panose="02010609060101010101" pitchFamily="49" charset="-122"/>
+              <a:ea typeface="黑体" panose="02010609060101010101" pitchFamily="49" charset="-122"/>
+            </a:endParaRPr>
+          </a:p>
+          <a:p>
+            <a:pPr marL="457200" indent="-457200" eaLnBrk="1" hangingPunct="1">
+              <a:lnSpc>
+                <a:spcPct val="150000"/>
+              </a:lnSpc>
+              <a:buFont typeface="Wingdings" panose="05000000000000000000" pitchFamily="2" charset="2"/>
+              <a:buChar char="Ø"/>
+            </a:pPr>
+            <a:r>
+              <a:rPr lang="zh-CN" altLang="en-US" sz="3600" dirty="0">
+                <a:solidFill>
+                  <a:srgbClr val="504B48"/>
+                </a:solidFill>
+                <a:latin typeface="黑体" panose="02010609060101010101" pitchFamily="49" charset="-122"/>
+                <a:ea typeface="黑体" panose="02010609060101010101" pitchFamily="49" charset="-122"/>
+              </a:rPr>
+              <a:t>分析和展示</a:t>
+            </a:r>
+            <a:endParaRPr lang="en-US" altLang="zh-CN" sz="3600" dirty="0">
+              <a:solidFill>
+                <a:srgbClr val="504B48"/>
+              </a:solidFill>
+              <a:latin typeface="黑体" panose="02010609060101010101" pitchFamily="49" charset="-122"/>
+              <a:ea typeface="黑体" panose="02010609060101010101" pitchFamily="49" charset="-122"/>
+            </a:endParaRPr>
+          </a:p>
+          <a:p>
+            <a:pPr marL="457200" indent="-457200" eaLnBrk="1" hangingPunct="1">
+              <a:lnSpc>
+                <a:spcPct val="150000"/>
+              </a:lnSpc>
+              <a:buFont typeface="Wingdings" panose="05000000000000000000" pitchFamily="2" charset="2"/>
+              <a:buChar char="Ø"/>
+            </a:pPr>
+            <a:r>
+              <a:rPr lang="zh-CN" altLang="en-US" sz="3600" dirty="0">
+                <a:solidFill>
+                  <a:srgbClr val="504B48"/>
+                </a:solidFill>
+                <a:latin typeface="黑体" panose="02010609060101010101" pitchFamily="49" charset="-122"/>
+                <a:ea typeface="黑体" panose="02010609060101010101" pitchFamily="49" charset="-122"/>
+              </a:rPr>
+              <a:t>结论和建议</a:t>
+            </a:r>
+          </a:p>
+        </p:txBody>
+      </p:sp>
+      <p:pic>
+        <p:nvPicPr>
+          <p:cNvPr id="7" name="Picture 4" descr="查看源图像">
+            <a:extLst>
+              <a:ext uri="{FF2B5EF4-FFF2-40B4-BE49-F238E27FC236}">
+                <a16:creationId xmlns:a16="http://schemas.microsoft.com/office/drawing/2014/main" id="{6F52C5B1-3F21-48BF-AF58-51093F0ED5B8}"/>
+              </a:ext>
+            </a:extLst>
+          </p:cNvPr>
+          <p:cNvPicPr>
+            <a:picLocks noChangeAspect="1" noChangeArrowheads="1"/>
+          </p:cNvPicPr>
+          <p:nvPr/>
+        </p:nvPicPr>
+        <p:blipFill>
+          <a:blip r:embed="rId2">
+            <a:extLst>
+              <a:ext uri="{28A0092B-C50C-407E-A947-70E740481C1C}">
+                <a14:useLocalDpi xmlns:a14="http://schemas.microsoft.com/office/drawing/2010/main" val="0"/>
+              </a:ext>
+            </a:extLst>
+          </a:blip>
+          <a:srcRect/>
+          <a:stretch>
+            <a:fillRect/>
+          </a:stretch>
+        </p:blipFill>
+        <p:spPr bwMode="auto">
+          <a:xfrm>
+            <a:off x="6428935" y="0"/>
+            <a:ext cx="5763065" cy="6858000"/>
+          </a:xfrm>
+          <a:prstGeom prst="rect">
+            <a:avLst/>
+          </a:prstGeom>
+          <a:noFill/>
+          <a:extLst>
+            <a:ext uri="{909E8E84-426E-40DD-AFC4-6F175D3DCCD1}">
+              <a14:hiddenFill xmlns:a14="http://schemas.microsoft.com/office/drawing/2010/main">
+                <a:solidFill>
+                  <a:srgbClr val="FFFFFF"/>
+                </a:solidFill>
+              </a14:hiddenFill>
+            </a:ext>
+          </a:extLst>
+        </p:spPr>
+      </p:pic>
+    </p:spTree>
+    <p:extLst>
+      <p:ext uri="{BB962C8B-B14F-4D97-AF65-F5344CB8AC3E}">
+        <p14:creationId xmlns:p14="http://schemas.microsoft.com/office/powerpoint/2010/main" val="797441923"/>
+      </p:ext>
+    </p:extLst>
+  </p:cSld>
+  <p:clrMapOvr>
+    <a:masterClrMapping/>
+  </p:clrMapOvr>
+</p:sld>
+</file>
+
+<file path=ppt/slides/slide20.xml><?xml version="1.0" encoding="utf-8"?>
+<p:sld xmlns:a="http://schemas.openxmlformats.org/drawingml/2006/main" xmlns:r="http://schemas.openxmlformats.org/officeDocument/2006/relationships" xmlns:p="http://schemas.openxmlformats.org/presentationml/2006/main">
+  <p:cSld>
+    <p:spTree>
+      <p:nvGrpSpPr>
+        <p:cNvPr id="1" name=""/>
+        <p:cNvGrpSpPr/>
+        <p:nvPr/>
+      </p:nvGrpSpPr>
+      <p:grpSpPr>
+        <a:xfrm>
+          <a:off x="0" y="0"/>
+          <a:ext cx="0" cy="0"/>
+          <a:chOff x="0" y="0"/>
+          <a:chExt cx="0" cy="0"/>
+        </a:xfrm>
+      </p:grpSpPr>
+      <p:pic>
+        <p:nvPicPr>
+          <p:cNvPr id="5" name="内容占位符 4">
+            <a:extLst>
+              <a:ext uri="{FF2B5EF4-FFF2-40B4-BE49-F238E27FC236}">
+                <a16:creationId xmlns:a16="http://schemas.microsoft.com/office/drawing/2014/main" id="{5FDBD17F-DED3-454C-AAA1-D72692BECC11}"/>
+              </a:ext>
+            </a:extLst>
+          </p:cNvPr>
+          <p:cNvPicPr>
+            <a:picLocks noGrp="1" noChangeAspect="1"/>
+          </p:cNvPicPr>
+          <p:nvPr>
+            <p:ph idx="1"/>
+          </p:nvPr>
+        </p:nvPicPr>
+        <p:blipFill rotWithShape="1">
+          <a:blip r:embed="rId2">
+            <a:extLst>
+              <a:ext uri="{28A0092B-C50C-407E-A947-70E740481C1C}">
+                <a14:useLocalDpi xmlns:a14="http://schemas.microsoft.com/office/drawing/2010/main" val="0"/>
+              </a:ext>
+            </a:extLst>
+          </a:blip>
+          <a:srcRect l="10223" t="11059" r="17134" b="5997"/>
+          <a:stretch/>
+        </p:blipFill>
+        <p:spPr>
+          <a:xfrm>
+            <a:off x="717453" y="1730326"/>
+            <a:ext cx="10657298" cy="4867422"/>
+          </a:xfrm>
+        </p:spPr>
+      </p:pic>
+      <p:sp>
+        <p:nvSpPr>
           <p:cNvPr id="4" name="标题 1">
             <a:extLst>
               <a:ext uri="{FF2B5EF4-FFF2-40B4-BE49-F238E27FC236}">
                 <a16:creationId xmlns:a16="http://schemas.microsoft.com/office/drawing/2014/main" id="{DFD9C85D-752E-4C8D-918B-04E795840761}"/>
+              </a:ext>
+            </a:extLst>
+          </p:cNvPr>
+          <p:cNvSpPr>
+            <a:spLocks noGrp="1"/>
+          </p:cNvSpPr>
+          <p:nvPr>
+            <p:ph type="title"/>
+          </p:nvPr>
+        </p:nvSpPr>
+        <p:spPr>
+          <a:xfrm>
+            <a:off x="8392551" y="618344"/>
+            <a:ext cx="2692791" cy="1325563"/>
+          </a:xfrm>
+        </p:spPr>
+        <p:txBody>
+          <a:bodyPr>
+            <a:normAutofit/>
+          </a:bodyPr>
+          <a:lstStyle/>
+          <a:p>
+            <a:r>
+              <a:rPr lang="zh-CN" altLang="en-US" sz="3200" dirty="0">
+                <a:latin typeface="华文中宋" panose="02010600040101010101" pitchFamily="2" charset="-122"/>
+                <a:ea typeface="华文中宋" panose="02010600040101010101" pitchFamily="2" charset="-122"/>
+              </a:rPr>
+              <a:t>技能 </a:t>
+            </a:r>
+            <a:r>
+              <a:rPr lang="en-US" altLang="zh-CN" sz="3200" dirty="0">
+                <a:latin typeface="华文中宋" panose="02010600040101010101" pitchFamily="2" charset="-122"/>
+                <a:ea typeface="华文中宋" panose="02010600040101010101" pitchFamily="2" charset="-122"/>
+              </a:rPr>
+              <a:t>– </a:t>
+            </a:r>
+            <a:r>
+              <a:rPr lang="zh-CN" altLang="en-US" sz="3200" dirty="0">
+                <a:latin typeface="华文中宋" panose="02010600040101010101" pitchFamily="2" charset="-122"/>
+                <a:ea typeface="华文中宋" panose="02010600040101010101" pitchFamily="2" charset="-122"/>
+              </a:rPr>
+              <a:t>薪资</a:t>
+            </a:r>
+          </a:p>
+        </p:txBody>
+      </p:sp>
+      <p:sp>
+        <p:nvSpPr>
+          <p:cNvPr id="2" name="标题 1">
+            <a:extLst>
+              <a:ext uri="{FF2B5EF4-FFF2-40B4-BE49-F238E27FC236}">
+                <a16:creationId xmlns:a16="http://schemas.microsoft.com/office/drawing/2014/main" id="{258CDCB5-3C32-4162-8139-EF9A3AD4B745}"/>
+              </a:ext>
+            </a:extLst>
+          </p:cNvPr>
+          <p:cNvSpPr txBox="1">
+            <a:spLocks/>
+          </p:cNvSpPr>
+          <p:nvPr/>
+        </p:nvSpPr>
+        <p:spPr>
+          <a:xfrm>
+            <a:off x="590843" y="0"/>
+            <a:ext cx="10845018" cy="1325563"/>
+          </a:xfrm>
+          <a:prstGeom prst="rect">
+            <a:avLst/>
+          </a:prstGeom>
+        </p:spPr>
+        <p:txBody>
+          <a:bodyPr vert="horz" lIns="91440" tIns="45720" rIns="91440" bIns="45720" rtlCol="0" anchor="ctr">
+            <a:normAutofit/>
+          </a:bodyPr>
+          <a:lstStyle>
+            <a:lvl1pPr algn="l" defTabSz="914400" rtl="0" eaLnBrk="1" latinLnBrk="0" hangingPunct="1">
+              <a:lnSpc>
+                <a:spcPct val="90000"/>
+              </a:lnSpc>
+              <a:spcBef>
+                <a:spcPct val="0"/>
+              </a:spcBef>
+              <a:buNone/>
+              <a:defRPr sz="4400" kern="1200">
+                <a:solidFill>
+                  <a:schemeClr val="tx1"/>
+                </a:solidFill>
+                <a:latin typeface="+mj-lt"/>
+                <a:ea typeface="+mj-ea"/>
+                <a:cs typeface="+mj-cs"/>
+              </a:defRPr>
+            </a:lvl1pPr>
+          </a:lstStyle>
+          <a:p>
+            <a:pPr algn="ctr"/>
+            <a:r>
+              <a:rPr lang="zh-CN" altLang="en-US" sz="3600" dirty="0">
+                <a:solidFill>
+                  <a:srgbClr val="504B48"/>
+                </a:solidFill>
+                <a:latin typeface="黑体" panose="02010609060101010101" pitchFamily="49" charset="-122"/>
+                <a:ea typeface="黑体" panose="02010609060101010101" pitchFamily="49" charset="-122"/>
+              </a:rPr>
+              <a:t>分析和展示</a:t>
+            </a:r>
+            <a:endParaRPr lang="zh-CN" altLang="en-US" sz="3600" dirty="0"/>
+          </a:p>
+        </p:txBody>
+      </p:sp>
+    </p:spTree>
+    <p:extLst>
+      <p:ext uri="{BB962C8B-B14F-4D97-AF65-F5344CB8AC3E}">
+        <p14:creationId xmlns:p14="http://schemas.microsoft.com/office/powerpoint/2010/main" val="3040105984"/>
+      </p:ext>
+    </p:extLst>
+  </p:cSld>
+  <p:clrMapOvr>
+    <a:masterClrMapping/>
+  </p:clrMapOvr>
+</p:sld>
+</file>
+
+<file path=ppt/slides/slide21.xml><?xml version="1.0" encoding="utf-8"?>
+<p:sld xmlns:a="http://schemas.openxmlformats.org/drawingml/2006/main" xmlns:r="http://schemas.openxmlformats.org/officeDocument/2006/relationships" xmlns:p="http://schemas.openxmlformats.org/presentationml/2006/main">
+  <p:cSld>
+    <p:spTree>
+      <p:nvGrpSpPr>
+        <p:cNvPr id="1" name=""/>
+        <p:cNvGrpSpPr/>
+        <p:nvPr/>
+      </p:nvGrpSpPr>
+      <p:grpSpPr>
+        <a:xfrm>
+          <a:off x="0" y="0"/>
+          <a:ext cx="0" cy="0"/>
+          <a:chOff x="0" y="0"/>
+          <a:chExt cx="0" cy="0"/>
+        </a:xfrm>
+      </p:grpSpPr>
+      <p:sp>
+        <p:nvSpPr>
+          <p:cNvPr id="7" name="文本框 6">
+            <a:extLst>
+              <a:ext uri="{FF2B5EF4-FFF2-40B4-BE49-F238E27FC236}">
+                <a16:creationId xmlns:a16="http://schemas.microsoft.com/office/drawing/2014/main" id="{8699A778-F5EB-44E1-8C7F-A90DCC1567AD}"/>
+              </a:ext>
+            </a:extLst>
+          </p:cNvPr>
+          <p:cNvSpPr txBox="1"/>
+          <p:nvPr/>
+        </p:nvSpPr>
+        <p:spPr>
+          <a:xfrm>
+            <a:off x="829994" y="1475995"/>
+            <a:ext cx="10213145" cy="4893647"/>
+          </a:xfrm>
+          <a:prstGeom prst="rect">
+            <a:avLst/>
+          </a:prstGeom>
+          <a:noFill/>
+        </p:spPr>
+        <p:txBody>
+          <a:bodyPr wrap="square">
+            <a:spAutoFit/>
+          </a:bodyPr>
+          <a:lstStyle/>
+          <a:p>
+            <a:pPr marL="342900" indent="-342900" algn="just">
+              <a:buFont typeface="Wingdings" panose="05000000000000000000" pitchFamily="2" charset="2"/>
+              <a:buChar char="ü"/>
+            </a:pPr>
+            <a:r>
+              <a:rPr lang="zh-CN" altLang="en-US" sz="2400" b="1" dirty="0">
+                <a:latin typeface="仿宋" panose="02010609060101010101" pitchFamily="49" charset="-122"/>
+                <a:ea typeface="仿宋" panose="02010609060101010101" pitchFamily="49" charset="-122"/>
+              </a:rPr>
+              <a:t>数据分析师总体薪资可观；</a:t>
+            </a:r>
+          </a:p>
+          <a:p>
+            <a:pPr marL="342900" indent="-342900" algn="just">
+              <a:buFont typeface="Wingdings" panose="05000000000000000000" pitchFamily="2" charset="2"/>
+              <a:buChar char="ü"/>
+            </a:pPr>
+            <a:r>
+              <a:rPr lang="zh-CN" altLang="en-US" sz="2400" b="1" dirty="0">
+                <a:latin typeface="仿宋" panose="02010609060101010101" pitchFamily="49" charset="-122"/>
+                <a:ea typeface="仿宋" panose="02010609060101010101" pitchFamily="49" charset="-122"/>
+              </a:rPr>
+              <a:t>数据分析师基本在北上深广杭发展，北上深杭对工作经验丰富的分析师需求更多，应届生可去北京广州；</a:t>
+            </a:r>
+          </a:p>
+          <a:p>
+            <a:pPr marL="342900" indent="-342900" algn="just">
+              <a:buFont typeface="Wingdings" panose="05000000000000000000" pitchFamily="2" charset="2"/>
+              <a:buChar char="ü"/>
+            </a:pPr>
+            <a:r>
+              <a:rPr lang="zh-CN" altLang="en-US" sz="2400" b="1" dirty="0">
+                <a:latin typeface="仿宋" panose="02010609060101010101" pitchFamily="49" charset="-122"/>
+                <a:ea typeface="仿宋" panose="02010609060101010101" pitchFamily="49" charset="-122"/>
+              </a:rPr>
+              <a:t>小企业可能处于高速发展阶段，需要更多有丰富经验的数据分析师来建设数据体系，而更大规模的企业体系完整、成熟，对数据分析师需求量大且接纳应届生，但总体上市场对经验丰富的分析师需求更大；</a:t>
+            </a:r>
+          </a:p>
+          <a:p>
+            <a:pPr marL="342900" indent="-342900" algn="just">
+              <a:buFont typeface="Wingdings" panose="05000000000000000000" pitchFamily="2" charset="2"/>
+              <a:buChar char="ü"/>
+            </a:pPr>
+            <a:r>
+              <a:rPr lang="zh-CN" altLang="en-US" sz="2400" b="1" dirty="0">
+                <a:latin typeface="仿宋" panose="02010609060101010101" pitchFamily="49" charset="-122"/>
+                <a:ea typeface="仿宋" panose="02010609060101010101" pitchFamily="49" charset="-122"/>
+              </a:rPr>
+              <a:t>企业对数据分析师的学历要求不高，只要有本科的理论基础，他们更多的看重工作经验丰富、业务娴熟、团队合作等；</a:t>
+            </a:r>
+          </a:p>
+          <a:p>
+            <a:pPr marL="342900" indent="-342900" algn="just">
+              <a:buFont typeface="Wingdings" panose="05000000000000000000" pitchFamily="2" charset="2"/>
+              <a:buChar char="ü"/>
+            </a:pPr>
+            <a:r>
+              <a:rPr lang="zh-CN" altLang="en-US" sz="2400" b="1" dirty="0">
+                <a:latin typeface="仿宋" panose="02010609060101010101" pitchFamily="49" charset="-122"/>
+                <a:ea typeface="仿宋" panose="02010609060101010101" pitchFamily="49" charset="-122"/>
+              </a:rPr>
+              <a:t>工作经验对薪资有明显提升，企业规模大的月薪也较高；</a:t>
+            </a:r>
+          </a:p>
+          <a:p>
+            <a:pPr marL="342900" indent="-342900" algn="just">
+              <a:buFont typeface="Wingdings" panose="05000000000000000000" pitchFamily="2" charset="2"/>
+              <a:buChar char="ü"/>
+            </a:pPr>
+            <a:r>
+              <a:rPr lang="zh-CN" altLang="en-US" sz="2400" b="1" dirty="0">
+                <a:latin typeface="仿宋" panose="02010609060101010101" pitchFamily="49" charset="-122"/>
+                <a:ea typeface="仿宋" panose="02010609060101010101" pitchFamily="49" charset="-122"/>
+              </a:rPr>
+              <a:t>市场基本要求分析师掌握</a:t>
+            </a:r>
+            <a:r>
+              <a:rPr lang="en-US" altLang="zh-CN" sz="2400" b="1" dirty="0">
+                <a:latin typeface="仿宋" panose="02010609060101010101" pitchFamily="49" charset="-122"/>
+                <a:ea typeface="仿宋" panose="02010609060101010101" pitchFamily="49" charset="-122"/>
+              </a:rPr>
+              <a:t>SQL</a:t>
+            </a:r>
+            <a:r>
+              <a:rPr lang="zh-CN" altLang="en-US" sz="2400" b="1" dirty="0">
+                <a:latin typeface="仿宋" panose="02010609060101010101" pitchFamily="49" charset="-122"/>
+                <a:ea typeface="仿宋" panose="02010609060101010101" pitchFamily="49" charset="-122"/>
+              </a:rPr>
+              <a:t>（</a:t>
+            </a:r>
+            <a:r>
+              <a:rPr lang="en-US" altLang="zh-CN" sz="2400" b="1" dirty="0">
+                <a:latin typeface="仿宋" panose="02010609060101010101" pitchFamily="49" charset="-122"/>
+                <a:ea typeface="仿宋" panose="02010609060101010101" pitchFamily="49" charset="-122"/>
+              </a:rPr>
+              <a:t>MySQL</a:t>
+            </a:r>
+            <a:r>
+              <a:rPr lang="zh-CN" altLang="en-US" sz="2400" b="1" dirty="0">
+                <a:latin typeface="仿宋" panose="02010609060101010101" pitchFamily="49" charset="-122"/>
+                <a:ea typeface="仿宋" panose="02010609060101010101" pitchFamily="49" charset="-122"/>
+              </a:rPr>
+              <a:t>）、</a:t>
+            </a:r>
+            <a:r>
+              <a:rPr lang="en-US" altLang="zh-CN" sz="2400" b="1" dirty="0">
+                <a:latin typeface="仿宋" panose="02010609060101010101" pitchFamily="49" charset="-122"/>
+                <a:ea typeface="仿宋" panose="02010609060101010101" pitchFamily="49" charset="-122"/>
+              </a:rPr>
+              <a:t>r</a:t>
+            </a:r>
+            <a:r>
+              <a:rPr lang="zh-CN" altLang="en-US" sz="2400" b="1" dirty="0">
+                <a:latin typeface="仿宋" panose="02010609060101010101" pitchFamily="49" charset="-122"/>
+                <a:ea typeface="仿宋" panose="02010609060101010101" pitchFamily="49" charset="-122"/>
+              </a:rPr>
+              <a:t>、</a:t>
+            </a:r>
+            <a:r>
+              <a:rPr lang="en-US" altLang="zh-CN" sz="2400" b="1" dirty="0">
+                <a:latin typeface="仿宋" panose="02010609060101010101" pitchFamily="49" charset="-122"/>
+                <a:ea typeface="仿宋" panose="02010609060101010101" pitchFamily="49" charset="-122"/>
+              </a:rPr>
+              <a:t>python</a:t>
+            </a:r>
+            <a:r>
+              <a:rPr lang="zh-CN" altLang="en-US" sz="2400" b="1" dirty="0">
+                <a:latin typeface="仿宋" panose="02010609060101010101" pitchFamily="49" charset="-122"/>
+                <a:ea typeface="仿宋" panose="02010609060101010101" pitchFamily="49" charset="-122"/>
+              </a:rPr>
+              <a:t>、</a:t>
+            </a:r>
+            <a:r>
+              <a:rPr lang="en-US" altLang="zh-CN" sz="2400" b="1" dirty="0">
+                <a:latin typeface="仿宋" panose="02010609060101010101" pitchFamily="49" charset="-122"/>
+                <a:ea typeface="仿宋" panose="02010609060101010101" pitchFamily="49" charset="-122"/>
+              </a:rPr>
+              <a:t>Excel</a:t>
+            </a:r>
+            <a:r>
+              <a:rPr lang="zh-CN" altLang="en-US" sz="2400" b="1" dirty="0">
+                <a:latin typeface="仿宋" panose="02010609060101010101" pitchFamily="49" charset="-122"/>
+                <a:ea typeface="仿宋" panose="02010609060101010101" pitchFamily="49" charset="-122"/>
+              </a:rPr>
+              <a:t>工具，想要高薪最好掌握</a:t>
+            </a:r>
+            <a:r>
+              <a:rPr lang="en-US" altLang="zh-CN" sz="2400" b="1" dirty="0">
+                <a:latin typeface="仿宋" panose="02010609060101010101" pitchFamily="49" charset="-122"/>
+                <a:ea typeface="仿宋" panose="02010609060101010101" pitchFamily="49" charset="-122"/>
+              </a:rPr>
+              <a:t>SAS</a:t>
+            </a:r>
+            <a:r>
+              <a:rPr lang="zh-CN" altLang="en-US" sz="2400" b="1" dirty="0">
+                <a:latin typeface="仿宋" panose="02010609060101010101" pitchFamily="49" charset="-122"/>
+                <a:ea typeface="仿宋" panose="02010609060101010101" pitchFamily="49" charset="-122"/>
+              </a:rPr>
+              <a:t>、</a:t>
+            </a:r>
+            <a:r>
+              <a:rPr lang="en-US" altLang="zh-CN" sz="2400" b="1" dirty="0">
+                <a:latin typeface="仿宋" panose="02010609060101010101" pitchFamily="49" charset="-122"/>
+                <a:ea typeface="仿宋" panose="02010609060101010101" pitchFamily="49" charset="-122"/>
+              </a:rPr>
+              <a:t>BI</a:t>
+            </a:r>
+            <a:r>
+              <a:rPr lang="zh-CN" altLang="en-US" sz="2400" b="1" dirty="0">
+                <a:latin typeface="仿宋" panose="02010609060101010101" pitchFamily="49" charset="-122"/>
+                <a:ea typeface="仿宋" panose="02010609060101010101" pitchFamily="49" charset="-122"/>
+              </a:rPr>
+              <a:t>、</a:t>
+            </a:r>
+            <a:r>
+              <a:rPr lang="en-US" altLang="zh-CN" sz="2400" b="1" dirty="0">
+                <a:latin typeface="仿宋" panose="02010609060101010101" pitchFamily="49" charset="-122"/>
+                <a:ea typeface="仿宋" panose="02010609060101010101" pitchFamily="49" charset="-122"/>
+              </a:rPr>
+              <a:t>Hive</a:t>
+            </a:r>
+            <a:r>
+              <a:rPr lang="zh-CN" altLang="en-US" sz="2400" b="1" dirty="0">
+                <a:latin typeface="仿宋" panose="02010609060101010101" pitchFamily="49" charset="-122"/>
+                <a:ea typeface="仿宋" panose="02010609060101010101" pitchFamily="49" charset="-122"/>
+              </a:rPr>
+              <a:t>、</a:t>
+            </a:r>
+            <a:r>
+              <a:rPr lang="en-US" altLang="zh-CN" sz="2400" b="1" dirty="0">
+                <a:latin typeface="仿宋" panose="02010609060101010101" pitchFamily="49" charset="-122"/>
+                <a:ea typeface="仿宋" panose="02010609060101010101" pitchFamily="49" charset="-122"/>
+              </a:rPr>
+              <a:t>Tableau</a:t>
+            </a:r>
+            <a:r>
+              <a:rPr lang="zh-CN" altLang="en-US" sz="2400" b="1" dirty="0">
+                <a:latin typeface="仿宋" panose="02010609060101010101" pitchFamily="49" charset="-122"/>
+                <a:ea typeface="仿宋" panose="02010609060101010101" pitchFamily="49" charset="-122"/>
+              </a:rPr>
+              <a:t>、</a:t>
+            </a:r>
+            <a:r>
+              <a:rPr lang="en-US" altLang="zh-CN" sz="2400" b="1" dirty="0">
+                <a:latin typeface="仿宋" panose="02010609060101010101" pitchFamily="49" charset="-122"/>
+                <a:ea typeface="仿宋" panose="02010609060101010101" pitchFamily="49" charset="-122"/>
+              </a:rPr>
+              <a:t>Python</a:t>
+            </a:r>
+            <a:r>
+              <a:rPr lang="zh-CN" altLang="en-US" sz="2400" b="1" dirty="0">
+                <a:latin typeface="仿宋" panose="02010609060101010101" pitchFamily="49" charset="-122"/>
+                <a:ea typeface="仿宋" panose="02010609060101010101" pitchFamily="49" charset="-122"/>
+              </a:rPr>
+              <a:t>、</a:t>
+            </a:r>
+            <a:r>
+              <a:rPr lang="en-US" altLang="zh-CN" sz="2400" b="1" dirty="0">
+                <a:latin typeface="仿宋" panose="02010609060101010101" pitchFamily="49" charset="-122"/>
+                <a:ea typeface="仿宋" panose="02010609060101010101" pitchFamily="49" charset="-122"/>
+              </a:rPr>
+              <a:t>Hadoop</a:t>
+            </a:r>
+            <a:r>
+              <a:rPr lang="zh-CN" altLang="en-US" sz="2400" b="1" dirty="0">
+                <a:latin typeface="仿宋" panose="02010609060101010101" pitchFamily="49" charset="-122"/>
+                <a:ea typeface="仿宋" panose="02010609060101010101" pitchFamily="49" charset="-122"/>
+              </a:rPr>
+              <a:t>等；</a:t>
+            </a:r>
+          </a:p>
+          <a:p>
+            <a:pPr marL="342900" indent="-342900" algn="just">
+              <a:buFont typeface="Wingdings" panose="05000000000000000000" pitchFamily="2" charset="2"/>
+              <a:buChar char="ü"/>
+            </a:pPr>
+            <a:r>
+              <a:rPr lang="zh-CN" altLang="en-US" sz="2400" b="1" dirty="0">
+                <a:latin typeface="仿宋" panose="02010609060101010101" pitchFamily="49" charset="-122"/>
+                <a:ea typeface="仿宋" panose="02010609060101010101" pitchFamily="49" charset="-122"/>
+              </a:rPr>
+              <a:t>除了技术之外，也应当加强经验的积累、对业务的了解、团队沟通合作能力等等。</a:t>
+            </a:r>
+          </a:p>
+        </p:txBody>
+      </p:sp>
+      <p:sp>
+        <p:nvSpPr>
+          <p:cNvPr id="3" name="标题 1">
+            <a:extLst>
+              <a:ext uri="{FF2B5EF4-FFF2-40B4-BE49-F238E27FC236}">
+                <a16:creationId xmlns:a16="http://schemas.microsoft.com/office/drawing/2014/main" id="{8721FB14-612C-4954-A09C-87659BD5FB98}"/>
               </a:ext>
             </a:extLst>
           </p:cNvPr>
@@ -4414,83 +6972,104 @@
           </a:xfrm>
         </p:spPr>
         <p:txBody>
-          <a:bodyPr/>
+          <a:bodyPr>
+            <a:normAutofit/>
+          </a:bodyPr>
           <a:lstStyle/>
           <a:p>
-            <a:r>
-              <a:rPr lang="zh-CN" altLang="en-US" dirty="0">
-                <a:latin typeface="华文中宋" panose="02010600040101010101" pitchFamily="2" charset="-122"/>
-                <a:ea typeface="华文中宋" panose="02010600040101010101" pitchFamily="2" charset="-122"/>
-              </a:rPr>
-              <a:t>月薪分布</a:t>
-            </a:r>
-          </a:p>
-        </p:txBody>
-      </p:sp>
-      <p:sp>
-        <p:nvSpPr>
-          <p:cNvPr id="11" name="内容占位符 10">
-            <a:extLst>
-              <a:ext uri="{FF2B5EF4-FFF2-40B4-BE49-F238E27FC236}">
-                <a16:creationId xmlns:a16="http://schemas.microsoft.com/office/drawing/2014/main" id="{FE14272B-48F1-487B-ACE4-839005C69BC3}"/>
-              </a:ext>
-            </a:extLst>
-          </p:cNvPr>
-          <p:cNvSpPr>
-            <a:spLocks noGrp="1"/>
-          </p:cNvSpPr>
-          <p:nvPr>
-            <p:ph idx="1"/>
-          </p:nvPr>
-        </p:nvSpPr>
-        <p:spPr/>
-        <p:txBody>
-          <a:bodyPr/>
-          <a:lstStyle/>
-          <a:p>
-            <a:endParaRPr lang="zh-CN" altLang="en-US" dirty="0"/>
-          </a:p>
-        </p:txBody>
-      </p:sp>
-      <p:pic>
-        <p:nvPicPr>
-          <p:cNvPr id="9" name="图片 8">
-            <a:extLst>
-              <a:ext uri="{FF2B5EF4-FFF2-40B4-BE49-F238E27FC236}">
-                <a16:creationId xmlns:a16="http://schemas.microsoft.com/office/drawing/2014/main" id="{4ECF58F3-3E5A-4353-A8F4-D5AEA5CE040D}"/>
-              </a:ext>
-            </a:extLst>
-          </p:cNvPr>
-          <p:cNvPicPr>
-            <a:picLocks noChangeAspect="1"/>
-          </p:cNvPicPr>
-          <p:nvPr/>
-        </p:nvPicPr>
-        <p:blipFill rotWithShape="1">
-          <a:blip r:embed="rId2">
-            <a:extLst>
-              <a:ext uri="{28A0092B-C50C-407E-A947-70E740481C1C}">
-                <a14:useLocalDpi xmlns:a14="http://schemas.microsoft.com/office/drawing/2010/main" val="0"/>
-              </a:ext>
-            </a:extLst>
-          </a:blip>
-          <a:srcRect l="6718" t="6987" r="9128" b="1475"/>
-          <a:stretch/>
-        </p:blipFill>
-        <p:spPr>
-          <a:xfrm>
-            <a:off x="2138288" y="1420838"/>
-            <a:ext cx="7695029" cy="5022167"/>
-          </a:xfrm>
-          <a:prstGeom prst="rect">
-            <a:avLst/>
-          </a:prstGeom>
-        </p:spPr>
-      </p:pic>
+            <a:pPr algn="ctr"/>
+            <a:r>
+              <a:rPr lang="zh-CN" altLang="en-US" sz="3600" dirty="0">
+                <a:solidFill>
+                  <a:srgbClr val="504B48"/>
+                </a:solidFill>
+                <a:latin typeface="黑体" panose="02010609060101010101" pitchFamily="49" charset="-122"/>
+                <a:ea typeface="黑体" panose="02010609060101010101" pitchFamily="49" charset="-122"/>
+              </a:rPr>
+              <a:t>结论</a:t>
+            </a:r>
+            <a:endParaRPr lang="zh-CN" altLang="en-US" sz="3600" dirty="0"/>
+          </a:p>
+        </p:txBody>
+      </p:sp>
     </p:spTree>
     <p:extLst>
       <p:ext uri="{BB962C8B-B14F-4D97-AF65-F5344CB8AC3E}">
-        <p14:creationId xmlns:p14="http://schemas.microsoft.com/office/powerpoint/2010/main" val="4238765233"/>
+        <p14:creationId xmlns:p14="http://schemas.microsoft.com/office/powerpoint/2010/main" val="3221324678"/>
+      </p:ext>
+    </p:extLst>
+  </p:cSld>
+  <p:clrMapOvr>
+    <a:masterClrMapping/>
+  </p:clrMapOvr>
+</p:sld>
+</file>
+
+<file path=ppt/slides/slide22.xml><?xml version="1.0" encoding="utf-8"?>
+<p:sld xmlns:a="http://schemas.openxmlformats.org/drawingml/2006/main" xmlns:r="http://schemas.openxmlformats.org/officeDocument/2006/relationships" xmlns:p="http://schemas.openxmlformats.org/presentationml/2006/main">
+  <p:cSld>
+    <p:spTree>
+      <p:nvGrpSpPr>
+        <p:cNvPr id="1" name=""/>
+        <p:cNvGrpSpPr/>
+        <p:nvPr/>
+      </p:nvGrpSpPr>
+      <p:grpSpPr>
+        <a:xfrm>
+          <a:off x="0" y="0"/>
+          <a:ext cx="0" cy="0"/>
+          <a:chOff x="0" y="0"/>
+          <a:chExt cx="0" cy="0"/>
+        </a:xfrm>
+      </p:grpSpPr>
+      <p:sp>
+        <p:nvSpPr>
+          <p:cNvPr id="2" name="标题 1">
+            <a:extLst>
+              <a:ext uri="{FF2B5EF4-FFF2-40B4-BE49-F238E27FC236}">
+                <a16:creationId xmlns:a16="http://schemas.microsoft.com/office/drawing/2014/main" id="{858BA941-1EF7-4AA5-8514-380D4848E400}"/>
+              </a:ext>
+            </a:extLst>
+          </p:cNvPr>
+          <p:cNvSpPr>
+            <a:spLocks noGrp="1"/>
+          </p:cNvSpPr>
+          <p:nvPr>
+            <p:ph type="title"/>
+          </p:nvPr>
+        </p:nvSpPr>
+        <p:spPr>
+          <a:xfrm>
+            <a:off x="838200" y="2067951"/>
+            <a:ext cx="10515600" cy="2152357"/>
+          </a:xfrm>
+        </p:spPr>
+        <p:txBody>
+          <a:bodyPr>
+            <a:normAutofit/>
+          </a:bodyPr>
+          <a:lstStyle/>
+          <a:p>
+            <a:pPr algn="ctr"/>
+            <a:r>
+              <a:rPr lang="zh-CN" altLang="en-US" sz="8800" dirty="0">
+                <a:solidFill>
+                  <a:schemeClr val="accent1">
+                    <a:lumMod val="75000"/>
+                  </a:schemeClr>
+                </a:solidFill>
+                <a:latin typeface="华文隶书" panose="02010800040101010101" pitchFamily="2" charset="-122"/>
+                <a:ea typeface="华文隶书" panose="02010800040101010101" pitchFamily="2" charset="-122"/>
+              </a:rPr>
+              <a:t>感谢观看！</a:t>
+            </a:r>
+          </a:p>
+        </p:txBody>
+      </p:sp>
+    </p:spTree>
+    <p:extLst>
+      <p:ext uri="{BB962C8B-B14F-4D97-AF65-F5344CB8AC3E}">
+        <p14:creationId xmlns:p14="http://schemas.microsoft.com/office/powerpoint/2010/main" val="359141445"/>
       </p:ext>
     </p:extLst>
   </p:cSld>
@@ -4522,7 +7101,7 @@
           <p:cNvPr id="2" name="标题 1">
             <a:extLst>
               <a:ext uri="{FF2B5EF4-FFF2-40B4-BE49-F238E27FC236}">
-                <a16:creationId xmlns:a16="http://schemas.microsoft.com/office/drawing/2014/main" id="{7A739085-97C7-47F9-913D-AD10CCFDBC4A}"/>
+                <a16:creationId xmlns:a16="http://schemas.microsoft.com/office/drawing/2014/main" id="{3B12B540-2748-4D88-A4FD-4723CF0CB259}"/>
               </a:ext>
             </a:extLst>
           </p:cNvPr>
@@ -4535,92 +7114,227 @@
         </p:nvSpPr>
         <p:spPr/>
         <p:txBody>
-          <a:bodyPr/>
+          <a:bodyPr>
+            <a:normAutofit/>
+          </a:bodyPr>
           <a:lstStyle/>
           <a:p>
-            <a:r>
-              <a:rPr lang="zh-CN" altLang="en-US" dirty="0">
-                <a:latin typeface="华文中宋" panose="02010600040101010101" pitchFamily="2" charset="-122"/>
-                <a:ea typeface="华文中宋" panose="02010600040101010101" pitchFamily="2" charset="-122"/>
-              </a:rPr>
-              <a:t>城市分布</a:t>
-            </a:r>
-          </a:p>
-        </p:txBody>
-      </p:sp>
-      <p:pic>
-        <p:nvPicPr>
-          <p:cNvPr id="11" name="内容占位符 10">
-            <a:extLst>
-              <a:ext uri="{FF2B5EF4-FFF2-40B4-BE49-F238E27FC236}">
-                <a16:creationId xmlns:a16="http://schemas.microsoft.com/office/drawing/2014/main" id="{3483332A-2CC6-4A09-92B3-599CCF12B6AA}"/>
-              </a:ext>
-            </a:extLst>
-          </p:cNvPr>
-          <p:cNvPicPr>
-            <a:picLocks noGrp="1" noChangeAspect="1"/>
-          </p:cNvPicPr>
+            <a:pPr algn="ctr"/>
+            <a:r>
+              <a:rPr lang="zh-CN" altLang="en-US" sz="3600" dirty="0">
+                <a:solidFill>
+                  <a:srgbClr val="504B48"/>
+                </a:solidFill>
+                <a:latin typeface="黑体" panose="02010609060101010101" pitchFamily="49" charset="-122"/>
+                <a:ea typeface="黑体" panose="02010609060101010101" pitchFamily="49" charset="-122"/>
+              </a:rPr>
+              <a:t>背景和目的</a:t>
+            </a:r>
+            <a:endParaRPr lang="zh-CN" altLang="en-US" sz="3600" dirty="0"/>
+          </a:p>
+        </p:txBody>
+      </p:sp>
+      <p:sp>
+        <p:nvSpPr>
+          <p:cNvPr id="3" name="内容占位符 2">
+            <a:extLst>
+              <a:ext uri="{FF2B5EF4-FFF2-40B4-BE49-F238E27FC236}">
+                <a16:creationId xmlns:a16="http://schemas.microsoft.com/office/drawing/2014/main" id="{7D0ACFA2-7CA0-40A6-B891-206510C09055}"/>
+              </a:ext>
+            </a:extLst>
+          </p:cNvPr>
+          <p:cNvSpPr>
+            <a:spLocks noGrp="1"/>
+          </p:cNvSpPr>
           <p:nvPr>
             <p:ph idx="1"/>
           </p:nvPr>
-        </p:nvPicPr>
-        <p:blipFill rotWithShape="1">
-          <a:blip r:embed="rId2">
-            <a:extLst>
-              <a:ext uri="{28A0092B-C50C-407E-A947-70E740481C1C}">
-                <a14:useLocalDpi xmlns:a14="http://schemas.microsoft.com/office/drawing/2010/main" val="0"/>
-              </a:ext>
-            </a:extLst>
-          </a:blip>
-          <a:srcRect l="5514" t="6539" r="7971" b="1645"/>
-          <a:stretch/>
-        </p:blipFill>
+        </p:nvSpPr>
         <p:spPr>
           <a:xfrm>
-            <a:off x="647114" y="1519309"/>
-            <a:ext cx="7962315" cy="5070174"/>
+            <a:off x="908538" y="1684948"/>
+            <a:ext cx="10515600" cy="4351338"/>
           </a:xfrm>
         </p:spPr>
-      </p:pic>
-      <p:pic>
-        <p:nvPicPr>
-          <p:cNvPr id="13" name="图片 12">
-            <a:extLst>
-              <a:ext uri="{FF2B5EF4-FFF2-40B4-BE49-F238E27FC236}">
-                <a16:creationId xmlns:a16="http://schemas.microsoft.com/office/drawing/2014/main" id="{5C896D2E-FC1B-4CD6-90BF-3986843958A6}"/>
-              </a:ext>
-            </a:extLst>
-          </p:cNvPr>
-          <p:cNvPicPr>
-            <a:picLocks noChangeAspect="1"/>
-          </p:cNvPicPr>
-          <p:nvPr/>
-        </p:nvPicPr>
-        <p:blipFill rotWithShape="1">
-          <a:blip r:embed="rId3">
-            <a:extLst>
-              <a:ext uri="{28A0092B-C50C-407E-A947-70E740481C1C}">
-                <a14:useLocalDpi xmlns:a14="http://schemas.microsoft.com/office/drawing/2010/main" val="0"/>
-              </a:ext>
-            </a:extLst>
-          </a:blip>
-          <a:srcRect l="31026" t="17756" r="24821" b="16859"/>
-          <a:stretch/>
-        </p:blipFill>
-        <p:spPr>
-          <a:xfrm>
-            <a:off x="6275459" y="478301"/>
-            <a:ext cx="5161574" cy="4586068"/>
-          </a:xfrm>
-          <a:prstGeom prst="rect">
-            <a:avLst/>
-          </a:prstGeom>
-        </p:spPr>
-      </p:pic>
+        <p:txBody>
+          <a:bodyPr>
+            <a:normAutofit/>
+          </a:bodyPr>
+          <a:lstStyle/>
+          <a:p>
+            <a:r>
+              <a:rPr lang="zh-CN" altLang="en-US" dirty="0">
+                <a:latin typeface="黑体" panose="02010609060101010101" pitchFamily="49" charset="-122"/>
+                <a:ea typeface="黑体" panose="02010609060101010101" pitchFamily="49" charset="-122"/>
+              </a:rPr>
+              <a:t>背景</a:t>
+            </a:r>
+            <a:endParaRPr lang="en-US" altLang="zh-CN" dirty="0">
+              <a:latin typeface="黑体" panose="02010609060101010101" pitchFamily="49" charset="-122"/>
+              <a:ea typeface="黑体" panose="02010609060101010101" pitchFamily="49" charset="-122"/>
+            </a:endParaRPr>
+          </a:p>
+          <a:p>
+            <a:pPr marL="0" indent="0">
+              <a:buNone/>
+            </a:pPr>
+            <a:r>
+              <a:rPr lang="en-US" altLang="zh-CN" dirty="0">
+                <a:latin typeface="黑体" panose="02010609060101010101" pitchFamily="49" charset="-122"/>
+                <a:ea typeface="黑体" panose="02010609060101010101" pitchFamily="49" charset="-122"/>
+              </a:rPr>
+              <a:t>	 </a:t>
+            </a:r>
+            <a:r>
+              <a:rPr lang="zh-CN" altLang="en-US" dirty="0">
+                <a:effectLst>
+                  <a:outerShdw blurRad="38100" dist="38100" dir="2700000" algn="tl">
+                    <a:srgbClr val="000000">
+                      <a:alpha val="43137"/>
+                    </a:srgbClr>
+                  </a:outerShdw>
+                </a:effectLst>
+                <a:latin typeface="仿宋" panose="02010609060101010101" pitchFamily="49" charset="-122"/>
+                <a:ea typeface="仿宋" panose="02010609060101010101" pitchFamily="49" charset="-122"/>
+              </a:rPr>
+              <a:t>学习</a:t>
+            </a:r>
+            <a:r>
+              <a:rPr lang="en-US" altLang="zh-CN" dirty="0">
+                <a:effectLst>
+                  <a:outerShdw blurRad="38100" dist="38100" dir="2700000" algn="tl">
+                    <a:srgbClr val="000000">
+                      <a:alpha val="43137"/>
+                    </a:srgbClr>
+                  </a:outerShdw>
+                </a:effectLst>
+                <a:latin typeface="仿宋" panose="02010609060101010101" pitchFamily="49" charset="-122"/>
+                <a:ea typeface="仿宋" panose="02010609060101010101" pitchFamily="49" charset="-122"/>
+              </a:rPr>
+              <a:t>python</a:t>
+            </a:r>
+            <a:r>
+              <a:rPr lang="zh-CN" altLang="en-US" dirty="0">
+                <a:effectLst>
+                  <a:outerShdw blurRad="38100" dist="38100" dir="2700000" algn="tl">
+                    <a:srgbClr val="000000">
+                      <a:alpha val="43137"/>
+                    </a:srgbClr>
+                  </a:outerShdw>
+                </a:effectLst>
+                <a:latin typeface="仿宋" panose="02010609060101010101" pitchFamily="49" charset="-122"/>
+                <a:ea typeface="仿宋" panose="02010609060101010101" pitchFamily="49" charset="-122"/>
+              </a:rPr>
+              <a:t>爬虫技巧，复习</a:t>
+            </a:r>
+            <a:r>
+              <a:rPr lang="en-US" altLang="zh-CN" dirty="0">
+                <a:effectLst>
+                  <a:outerShdw blurRad="38100" dist="38100" dir="2700000" algn="tl">
+                    <a:srgbClr val="000000">
+                      <a:alpha val="43137"/>
+                    </a:srgbClr>
+                  </a:outerShdw>
+                </a:effectLst>
+                <a:latin typeface="仿宋" panose="02010609060101010101" pitchFamily="49" charset="-122"/>
+                <a:ea typeface="仿宋" panose="02010609060101010101" pitchFamily="49" charset="-122"/>
+              </a:rPr>
+              <a:t>python</a:t>
+            </a:r>
+            <a:r>
+              <a:rPr lang="zh-CN" altLang="en-US" dirty="0">
+                <a:effectLst>
+                  <a:outerShdw blurRad="38100" dist="38100" dir="2700000" algn="tl">
+                    <a:srgbClr val="000000">
+                      <a:alpha val="43137"/>
+                    </a:srgbClr>
+                  </a:outerShdw>
+                </a:effectLst>
+                <a:latin typeface="仿宋" panose="02010609060101010101" pitchFamily="49" charset="-122"/>
+                <a:ea typeface="仿宋" panose="02010609060101010101" pitchFamily="49" charset="-122"/>
+              </a:rPr>
+              <a:t>数据处理、分析、可视化，了解目前市场对数据分析人才的要求和需求</a:t>
+            </a:r>
+          </a:p>
+          <a:p>
+            <a:endParaRPr lang="zh-CN" altLang="en-US" dirty="0">
+              <a:latin typeface="黑体" panose="02010609060101010101" pitchFamily="49" charset="-122"/>
+              <a:ea typeface="黑体" panose="02010609060101010101" pitchFamily="49" charset="-122"/>
+            </a:endParaRPr>
+          </a:p>
+          <a:p>
+            <a:r>
+              <a:rPr lang="zh-CN" altLang="en-US" dirty="0">
+                <a:latin typeface="黑体" panose="02010609060101010101" pitchFamily="49" charset="-122"/>
+                <a:ea typeface="黑体" panose="02010609060101010101" pitchFamily="49" charset="-122"/>
+              </a:rPr>
+              <a:t>目的</a:t>
+            </a:r>
+            <a:endParaRPr lang="en-US" altLang="zh-CN" dirty="0">
+              <a:latin typeface="黑体" panose="02010609060101010101" pitchFamily="49" charset="-122"/>
+              <a:ea typeface="黑体" panose="02010609060101010101" pitchFamily="49" charset="-122"/>
+            </a:endParaRPr>
+          </a:p>
+          <a:p>
+            <a:pPr marL="0" indent="0">
+              <a:buNone/>
+            </a:pPr>
+            <a:r>
+              <a:rPr lang="en-US" altLang="zh-CN" dirty="0">
+                <a:latin typeface="黑体" panose="02010609060101010101" pitchFamily="49" charset="-122"/>
+                <a:ea typeface="黑体" panose="02010609060101010101" pitchFamily="49" charset="-122"/>
+              </a:rPr>
+              <a:t>	 </a:t>
+            </a:r>
+            <a:r>
+              <a:rPr lang="zh-CN" altLang="en-US" dirty="0">
+                <a:effectLst>
+                  <a:outerShdw blurRad="38100" dist="38100" dir="2700000" algn="tl">
+                    <a:srgbClr val="000000">
+                      <a:alpha val="43137"/>
+                    </a:srgbClr>
+                  </a:outerShdw>
+                </a:effectLst>
+                <a:latin typeface="仿宋" panose="02010609060101010101" pitchFamily="49" charset="-122"/>
+                <a:ea typeface="仿宋" panose="02010609060101010101" pitchFamily="49" charset="-122"/>
+              </a:rPr>
+              <a:t>了解现在求职市场上数据分析师的薪资，以及对数据分析人才的要求和需求，来分析、指导目前可以为数据分析求职做的准备，以及该岗位未来的发展。 利用</a:t>
+            </a:r>
+            <a:r>
+              <a:rPr lang="en-US" altLang="zh-CN" dirty="0">
+                <a:effectLst>
+                  <a:outerShdw blurRad="38100" dist="38100" dir="2700000" algn="tl">
+                    <a:srgbClr val="000000">
+                      <a:alpha val="43137"/>
+                    </a:srgbClr>
+                  </a:outerShdw>
+                </a:effectLst>
+                <a:latin typeface="仿宋" panose="02010609060101010101" pitchFamily="49" charset="-122"/>
+                <a:ea typeface="仿宋" panose="02010609060101010101" pitchFamily="49" charset="-122"/>
+              </a:rPr>
+              <a:t>python</a:t>
+            </a:r>
+            <a:r>
+              <a:rPr lang="zh-CN" altLang="en-US" dirty="0">
+                <a:effectLst>
+                  <a:outerShdw blurRad="38100" dist="38100" dir="2700000" algn="tl">
+                    <a:srgbClr val="000000">
+                      <a:alpha val="43137"/>
+                    </a:srgbClr>
+                  </a:outerShdw>
+                </a:effectLst>
+                <a:latin typeface="仿宋" panose="02010609060101010101" pitchFamily="49" charset="-122"/>
+                <a:ea typeface="仿宋" panose="02010609060101010101" pitchFamily="49" charset="-122"/>
+              </a:rPr>
+              <a:t>爬取拉勾网上数据分析这一岗位的信息，然后进行一些探索和分析。</a:t>
+            </a:r>
+          </a:p>
+        </p:txBody>
+      </p:sp>
     </p:spTree>
     <p:extLst>
       <p:ext uri="{BB962C8B-B14F-4D97-AF65-F5344CB8AC3E}">
-        <p14:creationId xmlns:p14="http://schemas.microsoft.com/office/powerpoint/2010/main" val="3637194841"/>
+        <p14:creationId xmlns:p14="http://schemas.microsoft.com/office/powerpoint/2010/main" val="2626912278"/>
       </p:ext>
     </p:extLst>
   </p:cSld>
@@ -4649,10 +7363,10 @@
       </p:grpSpPr>
       <p:sp>
         <p:nvSpPr>
-          <p:cNvPr id="4" name="标题 1">
-            <a:extLst>
-              <a:ext uri="{FF2B5EF4-FFF2-40B4-BE49-F238E27FC236}">
-                <a16:creationId xmlns:a16="http://schemas.microsoft.com/office/drawing/2014/main" id="{48D24079-6264-489A-86BA-62616CFB9C15}"/>
+          <p:cNvPr id="2" name="标题 1">
+            <a:extLst>
+              <a:ext uri="{FF2B5EF4-FFF2-40B4-BE49-F238E27FC236}">
+                <a16:creationId xmlns:a16="http://schemas.microsoft.com/office/drawing/2014/main" id="{3B12B540-2748-4D88-A4FD-4723CF0CB259}"/>
               </a:ext>
             </a:extLst>
           </p:cNvPr>
@@ -4663,113 +7377,110 @@
             <p:ph type="title"/>
           </p:nvPr>
         </p:nvSpPr>
-        <p:spPr>
-          <a:xfrm>
-            <a:off x="838200" y="365125"/>
-            <a:ext cx="10515600" cy="1325563"/>
-          </a:xfrm>
-        </p:spPr>
-        <p:txBody>
-          <a:bodyPr/>
+        <p:spPr/>
+        <p:txBody>
+          <a:bodyPr>
+            <a:normAutofit/>
+          </a:bodyPr>
           <a:lstStyle/>
           <a:p>
+            <a:pPr algn="ctr"/>
+            <a:r>
+              <a:rPr lang="zh-CN" altLang="en-US" sz="3600" dirty="0">
+                <a:solidFill>
+                  <a:srgbClr val="504B48"/>
+                </a:solidFill>
+                <a:latin typeface="黑体" panose="02010609060101010101" pitchFamily="49" charset="-122"/>
+                <a:ea typeface="黑体" panose="02010609060101010101" pitchFamily="49" charset="-122"/>
+              </a:rPr>
+              <a:t>分析思路</a:t>
+            </a:r>
+            <a:endParaRPr lang="zh-CN" altLang="en-US" sz="3600" dirty="0"/>
+          </a:p>
+        </p:txBody>
+      </p:sp>
+      <p:sp>
+        <p:nvSpPr>
+          <p:cNvPr id="3" name="内容占位符 2">
+            <a:extLst>
+              <a:ext uri="{FF2B5EF4-FFF2-40B4-BE49-F238E27FC236}">
+                <a16:creationId xmlns:a16="http://schemas.microsoft.com/office/drawing/2014/main" id="{7D0ACFA2-7CA0-40A6-B891-206510C09055}"/>
+              </a:ext>
+            </a:extLst>
+          </p:cNvPr>
+          <p:cNvSpPr>
+            <a:spLocks noGrp="1"/>
+          </p:cNvSpPr>
+          <p:nvPr>
+            <p:ph idx="1"/>
+          </p:nvPr>
+        </p:nvSpPr>
+        <p:spPr/>
+        <p:txBody>
+          <a:bodyPr>
+            <a:normAutofit/>
+          </a:bodyPr>
+          <a:lstStyle/>
+          <a:p>
             <a:r>
               <a:rPr lang="zh-CN" altLang="en-US" dirty="0">
-                <a:latin typeface="华文中宋" panose="02010600040101010101" pitchFamily="2" charset="-122"/>
-                <a:ea typeface="华文中宋" panose="02010600040101010101" pitchFamily="2" charset="-122"/>
-              </a:rPr>
-              <a:t>城市 </a:t>
-            </a:r>
-            <a:r>
-              <a:rPr lang="en-US" altLang="zh-CN" dirty="0">
-                <a:latin typeface="华文中宋" panose="02010600040101010101" pitchFamily="2" charset="-122"/>
-                <a:ea typeface="华文中宋" panose="02010600040101010101" pitchFamily="2" charset="-122"/>
-              </a:rPr>
-              <a:t>- </a:t>
-            </a:r>
+                <a:latin typeface="黑体" panose="02010609060101010101" pitchFamily="49" charset="-122"/>
+                <a:ea typeface="黑体" panose="02010609060101010101" pitchFamily="49" charset="-122"/>
+              </a:rPr>
+              <a:t>了解现在对数据分析师的技能、学历、工作经验的要求，及其对应的薪资</a:t>
+            </a:r>
+          </a:p>
+          <a:p>
             <a:r>
               <a:rPr lang="zh-CN" altLang="en-US" dirty="0">
-                <a:latin typeface="华文中宋" panose="02010600040101010101" pitchFamily="2" charset="-122"/>
-                <a:ea typeface="华文中宋" panose="02010600040101010101" pitchFamily="2" charset="-122"/>
-              </a:rPr>
-              <a:t>薪资</a:t>
-            </a:r>
-          </a:p>
-        </p:txBody>
-      </p:sp>
-      <p:pic>
-        <p:nvPicPr>
-          <p:cNvPr id="10" name="图片 9">
-            <a:extLst>
-              <a:ext uri="{FF2B5EF4-FFF2-40B4-BE49-F238E27FC236}">
-                <a16:creationId xmlns:a16="http://schemas.microsoft.com/office/drawing/2014/main" id="{71D1F241-7163-446D-9FF0-7C592583EAA5}"/>
-              </a:ext>
-            </a:extLst>
-          </p:cNvPr>
-          <p:cNvPicPr>
-            <a:picLocks noChangeAspect="1"/>
-          </p:cNvPicPr>
-          <p:nvPr/>
-        </p:nvPicPr>
-        <p:blipFill rotWithShape="1">
-          <a:blip r:embed="rId2">
-            <a:extLst>
-              <a:ext uri="{28A0092B-C50C-407E-A947-70E740481C1C}">
-                <a14:useLocalDpi xmlns:a14="http://schemas.microsoft.com/office/drawing/2010/main" val="0"/>
-              </a:ext>
-            </a:extLst>
-          </a:blip>
-          <a:srcRect l="6872" t="6474" r="9282" b="1730"/>
-          <a:stretch/>
-        </p:blipFill>
-        <p:spPr>
-          <a:xfrm>
-            <a:off x="347004" y="1308295"/>
-            <a:ext cx="6039728" cy="5036234"/>
-          </a:xfrm>
-          <a:prstGeom prst="rect">
-            <a:avLst/>
-          </a:prstGeom>
-        </p:spPr>
-      </p:pic>
-      <p:pic>
-        <p:nvPicPr>
-          <p:cNvPr id="14" name="内容占位符 13">
-            <a:extLst>
-              <a:ext uri="{FF2B5EF4-FFF2-40B4-BE49-F238E27FC236}">
-                <a16:creationId xmlns:a16="http://schemas.microsoft.com/office/drawing/2014/main" id="{79F1E209-87E3-41A6-A962-E381E39DEF73}"/>
-              </a:ext>
-            </a:extLst>
-          </p:cNvPr>
-          <p:cNvPicPr>
-            <a:picLocks noGrp="1" noChangeAspect="1"/>
-          </p:cNvPicPr>
-          <p:nvPr>
-            <p:ph idx="1"/>
-          </p:nvPr>
-        </p:nvPicPr>
-        <p:blipFill rotWithShape="1">
-          <a:blip r:embed="rId3">
-            <a:extLst>
-              <a:ext uri="{28A0092B-C50C-407E-A947-70E740481C1C}">
-                <a14:useLocalDpi xmlns:a14="http://schemas.microsoft.com/office/drawing/2010/main" val="0"/>
-              </a:ext>
-            </a:extLst>
-          </a:blip>
-          <a:srcRect l="5903" t="5893" r="7390" b="5848"/>
-          <a:stretch/>
-        </p:blipFill>
-        <p:spPr>
-          <a:xfrm>
-            <a:off x="6428936" y="1631853"/>
-            <a:ext cx="5608320" cy="4241409"/>
-          </a:xfrm>
-        </p:spPr>
-      </p:pic>
+                <a:latin typeface="黑体" panose="02010609060101010101" pitchFamily="49" charset="-122"/>
+                <a:ea typeface="黑体" panose="02010609060101010101" pitchFamily="49" charset="-122"/>
+              </a:rPr>
+              <a:t>分析不同地区对数据分析师的需求人数、工作经验和薪资分布；</a:t>
+            </a:r>
+          </a:p>
+          <a:p>
+            <a:r>
+              <a:rPr lang="zh-CN" altLang="en-US" dirty="0">
+                <a:latin typeface="黑体" panose="02010609060101010101" pitchFamily="49" charset="-122"/>
+                <a:ea typeface="黑体" panose="02010609060101010101" pitchFamily="49" charset="-122"/>
+              </a:rPr>
+              <a:t>不同学历的需求人数和月薪分布；</a:t>
+            </a:r>
+          </a:p>
+          <a:p>
+            <a:r>
+              <a:rPr lang="zh-CN" altLang="en-US" dirty="0">
+                <a:latin typeface="黑体" panose="02010609060101010101" pitchFamily="49" charset="-122"/>
+                <a:ea typeface="黑体" panose="02010609060101010101" pitchFamily="49" charset="-122"/>
+              </a:rPr>
+              <a:t>不同工作经验的需求人数和月薪分布；</a:t>
+            </a:r>
+          </a:p>
+          <a:p>
+            <a:r>
+              <a:rPr lang="zh-CN" altLang="en-US" dirty="0">
+                <a:latin typeface="黑体" panose="02010609060101010101" pitchFamily="49" charset="-122"/>
+                <a:ea typeface="黑体" panose="02010609060101010101" pitchFamily="49" charset="-122"/>
+              </a:rPr>
+              <a:t>不同企业规模对数据分析师的需求人数、学历、工作经验和薪资分布；</a:t>
+            </a:r>
+          </a:p>
+          <a:p>
+            <a:r>
+              <a:rPr lang="zh-CN" altLang="en-US" dirty="0">
+                <a:latin typeface="黑体" panose="02010609060101010101" pitchFamily="49" charset="-122"/>
+                <a:ea typeface="黑体" panose="02010609060101010101" pitchFamily="49" charset="-122"/>
+              </a:rPr>
+              <a:t>对数据分析师的技术和其他能力要求的占比。</a:t>
+            </a:r>
+          </a:p>
+        </p:txBody>
+      </p:sp>
     </p:spTree>
     <p:extLst>
       <p:ext uri="{BB962C8B-B14F-4D97-AF65-F5344CB8AC3E}">
-        <p14:creationId xmlns:p14="http://schemas.microsoft.com/office/powerpoint/2010/main" val="2667829492"/>
+        <p14:creationId xmlns:p14="http://schemas.microsoft.com/office/powerpoint/2010/main" val="3025487322"/>
       </p:ext>
     </p:extLst>
   </p:cSld>
@@ -4796,46 +7507,154 @@
           <a:chExt cx="0" cy="0"/>
         </a:xfrm>
       </p:grpSpPr>
-      <p:pic>
-        <p:nvPicPr>
-          <p:cNvPr id="5" name="内容占位符 4">
-            <a:extLst>
-              <a:ext uri="{FF2B5EF4-FFF2-40B4-BE49-F238E27FC236}">
-                <a16:creationId xmlns:a16="http://schemas.microsoft.com/office/drawing/2014/main" id="{2440D752-5CE3-4934-80C0-FE708279E240}"/>
-              </a:ext>
-            </a:extLst>
-          </p:cNvPr>
-          <p:cNvPicPr>
-            <a:picLocks noGrp="1" noChangeAspect="1"/>
-          </p:cNvPicPr>
-          <p:nvPr>
-            <p:ph idx="1"/>
-          </p:nvPr>
-        </p:nvPicPr>
-        <p:blipFill rotWithShape="1">
-          <a:blip r:embed="rId2">
-            <a:extLst>
-              <a:ext uri="{28A0092B-C50C-407E-A947-70E740481C1C}">
-                <a14:useLocalDpi xmlns:a14="http://schemas.microsoft.com/office/drawing/2010/main" val="0"/>
-              </a:ext>
-            </a:extLst>
-          </a:blip>
-          <a:srcRect l="9849" t="5893" r="15774" b="6494"/>
-          <a:stretch/>
-        </p:blipFill>
+      <p:sp>
+        <p:nvSpPr>
+          <p:cNvPr id="7" name="文本框 6">
+            <a:extLst>
+              <a:ext uri="{FF2B5EF4-FFF2-40B4-BE49-F238E27FC236}">
+                <a16:creationId xmlns:a16="http://schemas.microsoft.com/office/drawing/2014/main" id="{8699A778-F5EB-44E1-8C7F-A90DCC1567AD}"/>
+              </a:ext>
+            </a:extLst>
+          </p:cNvPr>
+          <p:cNvSpPr txBox="1"/>
+          <p:nvPr/>
+        </p:nvSpPr>
         <p:spPr>
           <a:xfrm>
-            <a:off x="1583626" y="1280160"/>
-            <a:ext cx="10289505" cy="5331657"/>
+            <a:off x="1378634" y="1715146"/>
+            <a:ext cx="9678572" cy="4154984"/>
           </a:xfrm>
+          <a:prstGeom prst="rect">
+            <a:avLst/>
+          </a:prstGeom>
+          <a:noFill/>
         </p:spPr>
-      </p:pic>
-      <p:sp>
-        <p:nvSpPr>
-          <p:cNvPr id="4" name="标题 1">
-            <a:extLst>
-              <a:ext uri="{FF2B5EF4-FFF2-40B4-BE49-F238E27FC236}">
-                <a16:creationId xmlns:a16="http://schemas.microsoft.com/office/drawing/2014/main" id="{DFD9C85D-752E-4C8D-918B-04E795840761}"/>
+        <p:txBody>
+          <a:bodyPr wrap="square">
+            <a:spAutoFit/>
+          </a:bodyPr>
+          <a:lstStyle/>
+          <a:p>
+            <a:r>
+              <a:rPr lang="zh-CN" altLang="en-US" sz="3200" dirty="0">
+                <a:latin typeface="黑体" panose="02010609060101010101" pitchFamily="49" charset="-122"/>
+                <a:ea typeface="黑体" panose="02010609060101010101" pitchFamily="49" charset="-122"/>
+              </a:rPr>
+              <a:t>数据来源： </a:t>
+            </a:r>
+            <a:r>
+              <a:rPr lang="zh-CN" altLang="en-US" sz="2400" dirty="0">
+                <a:latin typeface="黑体" panose="02010609060101010101" pitchFamily="49" charset="-122"/>
+                <a:ea typeface="黑体" panose="02010609060101010101" pitchFamily="49" charset="-122"/>
+              </a:rPr>
+              <a:t>			</a:t>
+            </a:r>
+            <a:endParaRPr lang="en-US" altLang="zh-CN" sz="2400" dirty="0">
+              <a:latin typeface="黑体" panose="02010609060101010101" pitchFamily="49" charset="-122"/>
+              <a:ea typeface="黑体" panose="02010609060101010101" pitchFamily="49" charset="-122"/>
+            </a:endParaRPr>
+          </a:p>
+          <a:p>
+            <a:pPr algn="just"/>
+            <a:r>
+              <a:rPr lang="en-US" altLang="zh-CN" sz="2400" dirty="0">
+                <a:latin typeface="黑体" panose="02010609060101010101" pitchFamily="49" charset="-122"/>
+                <a:ea typeface="黑体" panose="02010609060101010101" pitchFamily="49" charset="-122"/>
+              </a:rPr>
+              <a:t>		</a:t>
+            </a:r>
+            <a:r>
+              <a:rPr lang="zh-CN" altLang="en-US" sz="2400" dirty="0">
+                <a:latin typeface="黑体" panose="02010609060101010101" pitchFamily="49" charset="-122"/>
+                <a:ea typeface="黑体" panose="02010609060101010101" pitchFamily="49" charset="-122"/>
+              </a:rPr>
+              <a:t>本项目数据全部来自拉勾网，通过python的urllib，request，BeautifulSoup等包从网页（2019/04/30）上爬取。</a:t>
+            </a:r>
+          </a:p>
+          <a:p>
+            <a:r>
+              <a:rPr lang="zh-CN" altLang="en-US" sz="2400" dirty="0">
+                <a:latin typeface="黑体" panose="02010609060101010101" pitchFamily="49" charset="-122"/>
+                <a:ea typeface="黑体" panose="02010609060101010101" pitchFamily="49" charset="-122"/>
+              </a:rPr>
+              <a:t>	</a:t>
+            </a:r>
+            <a:endParaRPr lang="en-US" altLang="zh-CN" sz="2400" dirty="0">
+              <a:latin typeface="黑体" panose="02010609060101010101" pitchFamily="49" charset="-122"/>
+              <a:ea typeface="黑体" panose="02010609060101010101" pitchFamily="49" charset="-122"/>
+            </a:endParaRPr>
+          </a:p>
+          <a:p>
+            <a:r>
+              <a:rPr lang="zh-CN" altLang="en-US" sz="2400" dirty="0">
+                <a:latin typeface="黑体" panose="02010609060101010101" pitchFamily="49" charset="-122"/>
+                <a:ea typeface="黑体" panose="02010609060101010101" pitchFamily="49" charset="-122"/>
+              </a:rPr>
+              <a:t>		</a:t>
+            </a:r>
+            <a:endParaRPr lang="en-US" altLang="zh-CN" sz="2400" dirty="0">
+              <a:latin typeface="黑体" panose="02010609060101010101" pitchFamily="49" charset="-122"/>
+              <a:ea typeface="黑体" panose="02010609060101010101" pitchFamily="49" charset="-122"/>
+            </a:endParaRPr>
+          </a:p>
+          <a:p>
+            <a:r>
+              <a:rPr lang="zh-CN" altLang="en-US" sz="3200" dirty="0">
+                <a:latin typeface="黑体" panose="02010609060101010101" pitchFamily="49" charset="-122"/>
+                <a:ea typeface="黑体" panose="02010609060101010101" pitchFamily="49" charset="-122"/>
+              </a:rPr>
+              <a:t>样本量： </a:t>
+            </a:r>
+            <a:endParaRPr lang="en-US" altLang="zh-CN" sz="3200" dirty="0">
+              <a:latin typeface="黑体" panose="02010609060101010101" pitchFamily="49" charset="-122"/>
+              <a:ea typeface="黑体" panose="02010609060101010101" pitchFamily="49" charset="-122"/>
+            </a:endParaRPr>
+          </a:p>
+          <a:p>
+            <a:r>
+              <a:rPr lang="en-US" altLang="zh-CN" sz="3200" dirty="0">
+                <a:latin typeface="黑体" panose="02010609060101010101" pitchFamily="49" charset="-122"/>
+                <a:ea typeface="黑体" panose="02010609060101010101" pitchFamily="49" charset="-122"/>
+              </a:rPr>
+              <a:t>		</a:t>
+            </a:r>
+            <a:r>
+              <a:rPr lang="zh-CN" altLang="en-US" sz="2400" dirty="0">
+                <a:latin typeface="黑体" panose="02010609060101010101" pitchFamily="49" charset="-122"/>
+                <a:ea typeface="黑体" panose="02010609060101010101" pitchFamily="49" charset="-122"/>
+              </a:rPr>
+              <a:t>450 个招聘职位。 </a:t>
+            </a:r>
+          </a:p>
+          <a:p>
+            <a:endParaRPr lang="en-US" altLang="zh-CN" sz="2400" dirty="0">
+              <a:latin typeface="黑体" panose="02010609060101010101" pitchFamily="49" charset="-122"/>
+              <a:ea typeface="黑体" panose="02010609060101010101" pitchFamily="49" charset="-122"/>
+            </a:endParaRPr>
+          </a:p>
+          <a:p>
+            <a:endParaRPr lang="en-US" altLang="zh-CN" sz="2400" dirty="0">
+              <a:latin typeface="黑体" panose="02010609060101010101" pitchFamily="49" charset="-122"/>
+              <a:ea typeface="黑体" panose="02010609060101010101" pitchFamily="49" charset="-122"/>
+            </a:endParaRPr>
+          </a:p>
+          <a:p>
+            <a:r>
+              <a:rPr lang="zh-CN" altLang="en-US" sz="2400" dirty="0">
+                <a:latin typeface="黑体" panose="02010609060101010101" pitchFamily="49" charset="-122"/>
+                <a:ea typeface="黑体" panose="02010609060101010101" pitchFamily="49" charset="-122"/>
+              </a:rPr>
+              <a:t>*** 样本不多，且拉勾网大多数是互联网企业，因此此次分析仅做参考。 </a:t>
+            </a:r>
+          </a:p>
+        </p:txBody>
+      </p:sp>
+      <p:sp>
+        <p:nvSpPr>
+          <p:cNvPr id="3" name="标题 1">
+            <a:extLst>
+              <a:ext uri="{FF2B5EF4-FFF2-40B4-BE49-F238E27FC236}">
+                <a16:creationId xmlns:a16="http://schemas.microsoft.com/office/drawing/2014/main" id="{8721FB14-612C-4954-A09C-87659BD5FB98}"/>
               </a:ext>
             </a:extLst>
           </p:cNvPr>
@@ -4853,37 +7672,30 @@
           </a:xfrm>
         </p:spPr>
         <p:txBody>
-          <a:bodyPr/>
+          <a:bodyPr>
+            <a:normAutofit/>
+          </a:bodyPr>
           <a:lstStyle/>
           <a:p>
-            <a:r>
-              <a:rPr lang="zh-CN" altLang="en-US" dirty="0">
-                <a:latin typeface="华文中宋" panose="02010600040101010101" pitchFamily="2" charset="-122"/>
-                <a:ea typeface="华文中宋" panose="02010600040101010101" pitchFamily="2" charset="-122"/>
-              </a:rPr>
-              <a:t>城市 </a:t>
-            </a:r>
-            <a:r>
-              <a:rPr lang="en-US" altLang="zh-CN" dirty="0">
-                <a:latin typeface="华文中宋" panose="02010600040101010101" pitchFamily="2" charset="-122"/>
-                <a:ea typeface="华文中宋" panose="02010600040101010101" pitchFamily="2" charset="-122"/>
-              </a:rPr>
-              <a:t>– </a:t>
-            </a:r>
-            <a:r>
-              <a:rPr lang="zh-CN" altLang="en-US" dirty="0">
-                <a:latin typeface="华文中宋" panose="02010600040101010101" pitchFamily="2" charset="-122"/>
-                <a:ea typeface="华文中宋" panose="02010600040101010101" pitchFamily="2" charset="-122"/>
-              </a:rPr>
-              <a:t>工作经验</a:t>
-            </a:r>
+            <a:pPr algn="ctr"/>
+            <a:r>
+              <a:rPr lang="zh-CN" altLang="en-US" sz="3600" dirty="0">
+                <a:solidFill>
+                  <a:srgbClr val="504B48"/>
+                </a:solidFill>
+                <a:latin typeface="黑体" panose="02010609060101010101" pitchFamily="49" charset="-122"/>
+                <a:ea typeface="黑体" panose="02010609060101010101" pitchFamily="49" charset="-122"/>
+              </a:rPr>
+              <a:t>数据收集</a:t>
+            </a:r>
+            <a:endParaRPr lang="zh-CN" altLang="en-US" sz="3600" dirty="0"/>
           </a:p>
         </p:txBody>
       </p:sp>
     </p:spTree>
     <p:extLst>
       <p:ext uri="{BB962C8B-B14F-4D97-AF65-F5344CB8AC3E}">
-        <p14:creationId xmlns:p14="http://schemas.microsoft.com/office/powerpoint/2010/main" val="2518796948"/>
+        <p14:creationId xmlns:p14="http://schemas.microsoft.com/office/powerpoint/2010/main" val="2173056393"/>
       </p:ext>
     </p:extLst>
   </p:cSld>
@@ -4912,10 +7724,393 @@
       </p:grpSpPr>
       <p:sp>
         <p:nvSpPr>
-          <p:cNvPr id="4" name="标题 1">
-            <a:extLst>
-              <a:ext uri="{FF2B5EF4-FFF2-40B4-BE49-F238E27FC236}">
-                <a16:creationId xmlns:a16="http://schemas.microsoft.com/office/drawing/2014/main" id="{DFD9C85D-752E-4C8D-918B-04E795840761}"/>
+          <p:cNvPr id="7" name="文本框 6">
+            <a:extLst>
+              <a:ext uri="{FF2B5EF4-FFF2-40B4-BE49-F238E27FC236}">
+                <a16:creationId xmlns:a16="http://schemas.microsoft.com/office/drawing/2014/main" id="{8699A778-F5EB-44E1-8C7F-A90DCC1567AD}"/>
+              </a:ext>
+            </a:extLst>
+          </p:cNvPr>
+          <p:cNvSpPr txBox="1"/>
+          <p:nvPr/>
+        </p:nvSpPr>
+        <p:spPr>
+          <a:xfrm>
+            <a:off x="1280159" y="1297813"/>
+            <a:ext cx="10170942" cy="5447645"/>
+          </a:xfrm>
+          <a:prstGeom prst="rect">
+            <a:avLst/>
+          </a:prstGeom>
+          <a:noFill/>
+        </p:spPr>
+        <p:txBody>
+          <a:bodyPr wrap="square">
+            <a:spAutoFit/>
+          </a:bodyPr>
+          <a:lstStyle/>
+          <a:p>
+            <a:r>
+              <a:rPr lang="en-US" altLang="zh-CN" dirty="0">
+                <a:latin typeface="黑体" panose="02010609060101010101" pitchFamily="49" charset="-122"/>
+                <a:ea typeface="黑体" panose="02010609060101010101" pitchFamily="49" charset="-122"/>
+              </a:rPr>
+              <a:t>1</a:t>
+            </a:r>
+            <a:r>
+              <a:rPr lang="en-US" altLang="zh-CN" sz="2400" b="1" dirty="0">
+                <a:latin typeface="黑体" panose="02010609060101010101" pitchFamily="49" charset="-122"/>
+                <a:ea typeface="黑体" panose="02010609060101010101" pitchFamily="49" charset="-122"/>
+              </a:rPr>
+              <a:t>. </a:t>
+            </a:r>
+            <a:r>
+              <a:rPr lang="zh-CN" altLang="en-US" sz="2400" b="1" dirty="0">
+                <a:latin typeface="黑体" panose="02010609060101010101" pitchFamily="49" charset="-122"/>
+                <a:ea typeface="黑体" panose="02010609060101010101" pitchFamily="49" charset="-122"/>
+              </a:rPr>
+              <a:t>数据预处理：</a:t>
+            </a:r>
+          </a:p>
+          <a:p>
+            <a:r>
+              <a:rPr lang="zh-CN" altLang="en-US" dirty="0">
+                <a:latin typeface="黑体" panose="02010609060101010101" pitchFamily="49" charset="-122"/>
+                <a:ea typeface="黑体" panose="02010609060101010101" pitchFamily="49" charset="-122"/>
+              </a:rPr>
+              <a:t>	</a:t>
+            </a:r>
+            <a:r>
+              <a:rPr lang="zh-CN" altLang="en-US" sz="2000" dirty="0">
+                <a:effectLst>
+                  <a:outerShdw blurRad="38100" dist="38100" dir="2700000" algn="tl">
+                    <a:srgbClr val="000000">
+                      <a:alpha val="43137"/>
+                    </a:srgbClr>
+                  </a:outerShdw>
+                </a:effectLst>
+                <a:latin typeface="仿宋" panose="02010609060101010101" pitchFamily="49" charset="-122"/>
+                <a:ea typeface="仿宋" panose="02010609060101010101" pitchFamily="49" charset="-122"/>
+              </a:rPr>
+              <a:t>读取数据，查看每列数据类型，查看数据的行列大小，查看数据信息</a:t>
+            </a:r>
+            <a:r>
+              <a:rPr lang="en-US" altLang="zh-CN" sz="2000" dirty="0">
+                <a:effectLst>
+                  <a:outerShdw blurRad="38100" dist="38100" dir="2700000" algn="tl">
+                    <a:srgbClr val="000000">
+                      <a:alpha val="43137"/>
+                    </a:srgbClr>
+                  </a:outerShdw>
+                </a:effectLst>
+                <a:latin typeface="仿宋" panose="02010609060101010101" pitchFamily="49" charset="-122"/>
+                <a:ea typeface="仿宋" panose="02010609060101010101" pitchFamily="49" charset="-122"/>
+              </a:rPr>
+              <a:t> </a:t>
+            </a:r>
+          </a:p>
+          <a:p>
+            <a:r>
+              <a:rPr lang="en-US" altLang="zh-CN" sz="2000" dirty="0">
+                <a:effectLst>
+                  <a:outerShdw blurRad="38100" dist="38100" dir="2700000" algn="tl">
+                    <a:srgbClr val="000000">
+                      <a:alpha val="43137"/>
+                    </a:srgbClr>
+                  </a:outerShdw>
+                </a:effectLst>
+                <a:latin typeface="仿宋" panose="02010609060101010101" pitchFamily="49" charset="-122"/>
+                <a:ea typeface="仿宋" panose="02010609060101010101" pitchFamily="49" charset="-122"/>
+              </a:rPr>
+              <a:t>	</a:t>
+            </a:r>
+            <a:r>
+              <a:rPr lang="zh-CN" altLang="en-US" sz="2000" dirty="0">
+                <a:effectLst>
+                  <a:outerShdw blurRad="38100" dist="38100" dir="2700000" algn="tl">
+                    <a:srgbClr val="000000">
+                      <a:alpha val="43137"/>
+                    </a:srgbClr>
+                  </a:outerShdw>
+                </a:effectLst>
+                <a:latin typeface="仿宋" panose="02010609060101010101" pitchFamily="49" charset="-122"/>
+                <a:ea typeface="仿宋" panose="02010609060101010101" pitchFamily="49" charset="-122"/>
+              </a:rPr>
+              <a:t>查看缺失值的列，因工作地点等不重要不作替换或其他处理</a:t>
+            </a:r>
+          </a:p>
+          <a:p>
+            <a:r>
+              <a:rPr lang="zh-CN" altLang="en-US" sz="2000" dirty="0">
+                <a:effectLst>
+                  <a:outerShdw blurRad="38100" dist="38100" dir="2700000" algn="tl">
+                    <a:srgbClr val="000000">
+                      <a:alpha val="43137"/>
+                    </a:srgbClr>
+                  </a:outerShdw>
+                </a:effectLst>
+                <a:latin typeface="仿宋" panose="02010609060101010101" pitchFamily="49" charset="-122"/>
+                <a:ea typeface="仿宋" panose="02010609060101010101" pitchFamily="49" charset="-122"/>
+              </a:rPr>
+              <a:t>	去重</a:t>
+            </a:r>
+          </a:p>
+          <a:p>
+            <a:r>
+              <a:rPr lang="zh-CN" altLang="en-US" sz="2000" dirty="0">
+                <a:effectLst>
+                  <a:outerShdw blurRad="38100" dist="38100" dir="2700000" algn="tl">
+                    <a:srgbClr val="000000">
+                      <a:alpha val="43137"/>
+                    </a:srgbClr>
+                  </a:outerShdw>
+                </a:effectLst>
+                <a:latin typeface="仿宋" panose="02010609060101010101" pitchFamily="49" charset="-122"/>
+                <a:ea typeface="仿宋" panose="02010609060101010101" pitchFamily="49" charset="-122"/>
+              </a:rPr>
+              <a:t>	处理之前做好备份</a:t>
+            </a:r>
+          </a:p>
+          <a:p>
+            <a:endParaRPr lang="zh-CN" altLang="en-US" dirty="0">
+              <a:latin typeface="黑体" panose="02010609060101010101" pitchFamily="49" charset="-122"/>
+              <a:ea typeface="黑体" panose="02010609060101010101" pitchFamily="49" charset="-122"/>
+            </a:endParaRPr>
+          </a:p>
+          <a:p>
+            <a:r>
+              <a:rPr lang="en-US" altLang="zh-CN" sz="2400" b="1" dirty="0">
+                <a:latin typeface="黑体" panose="02010609060101010101" pitchFamily="49" charset="-122"/>
+                <a:ea typeface="黑体" panose="02010609060101010101" pitchFamily="49" charset="-122"/>
+              </a:rPr>
+              <a:t>2. </a:t>
+            </a:r>
+            <a:r>
+              <a:rPr lang="zh-CN" altLang="en-US" sz="2400" b="1" dirty="0">
+                <a:latin typeface="黑体" panose="02010609060101010101" pitchFamily="49" charset="-122"/>
+                <a:ea typeface="黑体" panose="02010609060101010101" pitchFamily="49" charset="-122"/>
+              </a:rPr>
+              <a:t>数据清洗： </a:t>
+            </a:r>
+          </a:p>
+          <a:p>
+            <a:r>
+              <a:rPr lang="zh-CN" altLang="en-US" dirty="0">
+                <a:latin typeface="黑体" panose="02010609060101010101" pitchFamily="49" charset="-122"/>
+                <a:ea typeface="黑体" panose="02010609060101010101" pitchFamily="49" charset="-122"/>
+              </a:rPr>
+              <a:t>	</a:t>
+            </a:r>
+            <a:r>
+              <a:rPr lang="zh-CN" altLang="en-US" sz="2000" dirty="0">
+                <a:effectLst>
+                  <a:outerShdw blurRad="38100" dist="38100" dir="2700000" algn="tl">
+                    <a:srgbClr val="000000">
+                      <a:alpha val="43137"/>
+                    </a:srgbClr>
+                  </a:outerShdw>
+                </a:effectLst>
+                <a:latin typeface="仿宋" panose="02010609060101010101" pitchFamily="49" charset="-122"/>
+                <a:ea typeface="仿宋" panose="02010609060101010101" pitchFamily="49" charset="-122"/>
+              </a:rPr>
+              <a:t>去除不需要的列</a:t>
+            </a:r>
+          </a:p>
+          <a:p>
+            <a:r>
+              <a:rPr lang="zh-CN" altLang="en-US" sz="2000" dirty="0">
+                <a:effectLst>
+                  <a:outerShdw blurRad="38100" dist="38100" dir="2700000" algn="tl">
+                    <a:srgbClr val="000000">
+                      <a:alpha val="43137"/>
+                    </a:srgbClr>
+                  </a:outerShdw>
+                </a:effectLst>
+                <a:latin typeface="仿宋" panose="02010609060101010101" pitchFamily="49" charset="-122"/>
+                <a:ea typeface="仿宋" panose="02010609060101010101" pitchFamily="49" charset="-122"/>
+              </a:rPr>
+              <a:t>	去除实习、兼职 </a:t>
+            </a:r>
+            <a:r>
+              <a:rPr lang="en-US" altLang="zh-CN" sz="2000" dirty="0">
+                <a:effectLst>
+                  <a:outerShdw blurRad="38100" dist="38100" dir="2700000" algn="tl">
+                    <a:srgbClr val="000000">
+                      <a:alpha val="43137"/>
+                    </a:srgbClr>
+                  </a:outerShdw>
+                </a:effectLst>
+                <a:latin typeface="仿宋" panose="02010609060101010101" pitchFamily="49" charset="-122"/>
+                <a:ea typeface="仿宋" panose="02010609060101010101" pitchFamily="49" charset="-122"/>
+              </a:rPr>
+              <a:t>【 </a:t>
+            </a:r>
+            <a:r>
+              <a:rPr lang="zh-CN" altLang="en-US" sz="2000" dirty="0">
+                <a:effectLst>
+                  <a:outerShdw blurRad="38100" dist="38100" dir="2700000" algn="tl">
+                    <a:srgbClr val="000000">
+                      <a:alpha val="43137"/>
+                    </a:srgbClr>
+                  </a:outerShdw>
+                </a:effectLst>
+                <a:latin typeface="仿宋" panose="02010609060101010101" pitchFamily="49" charset="-122"/>
+                <a:ea typeface="仿宋" panose="02010609060101010101" pitchFamily="49" charset="-122"/>
+              </a:rPr>
+              <a:t>不关注，且兼职数据太少难以分析 </a:t>
+            </a:r>
+            <a:r>
+              <a:rPr lang="en-US" altLang="zh-CN" sz="2000" dirty="0">
+                <a:effectLst>
+                  <a:outerShdw blurRad="38100" dist="38100" dir="2700000" algn="tl">
+                    <a:srgbClr val="000000">
+                      <a:alpha val="43137"/>
+                    </a:srgbClr>
+                  </a:outerShdw>
+                </a:effectLst>
+                <a:latin typeface="仿宋" panose="02010609060101010101" pitchFamily="49" charset="-122"/>
+                <a:ea typeface="仿宋" panose="02010609060101010101" pitchFamily="49" charset="-122"/>
+              </a:rPr>
+              <a:t>】</a:t>
+            </a:r>
+          </a:p>
+          <a:p>
+            <a:endParaRPr lang="en-US" altLang="zh-CN" dirty="0">
+              <a:latin typeface="黑体" panose="02010609060101010101" pitchFamily="49" charset="-122"/>
+              <a:ea typeface="黑体" panose="02010609060101010101" pitchFamily="49" charset="-122"/>
+            </a:endParaRPr>
+          </a:p>
+          <a:p>
+            <a:r>
+              <a:rPr lang="zh-CN" altLang="en-US" sz="2400" b="1" dirty="0">
+                <a:latin typeface="黑体" panose="02010609060101010101" pitchFamily="49" charset="-122"/>
+                <a:ea typeface="黑体" panose="02010609060101010101" pitchFamily="49" charset="-122"/>
+              </a:rPr>
+              <a:t>*</a:t>
+            </a:r>
+            <a:r>
+              <a:rPr lang="en-US" altLang="zh-CN" sz="2400" b="1" dirty="0">
+                <a:latin typeface="黑体" panose="02010609060101010101" pitchFamily="49" charset="-122"/>
+                <a:ea typeface="黑体" panose="02010609060101010101" pitchFamily="49" charset="-122"/>
+              </a:rPr>
+              <a:t>. </a:t>
+            </a:r>
+            <a:r>
+              <a:rPr lang="zh-CN" altLang="en-US" sz="2400" b="1" dirty="0">
+                <a:latin typeface="黑体" panose="02010609060101010101" pitchFamily="49" charset="-122"/>
+                <a:ea typeface="黑体" panose="02010609060101010101" pitchFamily="49" charset="-122"/>
+              </a:rPr>
+              <a:t>分析：</a:t>
+            </a:r>
+            <a:r>
+              <a:rPr lang="zh-CN" altLang="en-US" dirty="0">
+                <a:latin typeface="黑体" panose="02010609060101010101" pitchFamily="49" charset="-122"/>
+                <a:ea typeface="黑体" panose="02010609060101010101" pitchFamily="49" charset="-122"/>
+              </a:rPr>
+              <a:t>	</a:t>
+            </a:r>
+            <a:endParaRPr lang="en-US" altLang="zh-CN" dirty="0">
+              <a:latin typeface="黑体" panose="02010609060101010101" pitchFamily="49" charset="-122"/>
+              <a:ea typeface="黑体" panose="02010609060101010101" pitchFamily="49" charset="-122"/>
+            </a:endParaRPr>
+          </a:p>
+          <a:p>
+            <a:r>
+              <a:rPr lang="en-US" altLang="zh-CN" dirty="0">
+                <a:latin typeface="黑体" panose="02010609060101010101" pitchFamily="49" charset="-122"/>
+                <a:ea typeface="黑体" panose="02010609060101010101" pitchFamily="49" charset="-122"/>
+              </a:rPr>
+              <a:t>	</a:t>
+            </a:r>
+            <a:r>
+              <a:rPr lang="zh-CN" altLang="en-US" sz="2000" dirty="0">
+                <a:latin typeface="黑体" panose="02010609060101010101" pitchFamily="49" charset="-122"/>
+                <a:ea typeface="黑体" panose="02010609060101010101" pitchFamily="49" charset="-122"/>
+              </a:rPr>
+              <a:t>最大、最小、平均、中位薪资</a:t>
+            </a:r>
+          </a:p>
+          <a:p>
+            <a:r>
+              <a:rPr lang="zh-CN" altLang="en-US" sz="2000" dirty="0">
+                <a:latin typeface="黑体" panose="02010609060101010101" pitchFamily="49" charset="-122"/>
+                <a:ea typeface="黑体" panose="02010609060101010101" pitchFamily="49" charset="-122"/>
+              </a:rPr>
+              <a:t>	薪资、城市、学历、工作经验、企业规模、技能要求的分布情况： 直方图、饼图</a:t>
+            </a:r>
+          </a:p>
+          <a:p>
+            <a:r>
+              <a:rPr lang="zh-CN" altLang="en-US" sz="2000" dirty="0">
+                <a:latin typeface="黑体" panose="02010609060101010101" pitchFamily="49" charset="-122"/>
+                <a:ea typeface="黑体" panose="02010609060101010101" pitchFamily="49" charset="-122"/>
+              </a:rPr>
+              <a:t>	各城市、学历、工作经验、企业规模的月薪分布情况： 箱线图、折线图</a:t>
+            </a:r>
+          </a:p>
+          <a:p>
+            <a:r>
+              <a:rPr lang="zh-CN" altLang="en-US" sz="2000" dirty="0">
+                <a:latin typeface="黑体" panose="02010609060101010101" pitchFamily="49" charset="-122"/>
+                <a:ea typeface="黑体" panose="02010609060101010101" pitchFamily="49" charset="-122"/>
+              </a:rPr>
+              <a:t>	城市对工作经验的需求、企业规模对工作经验、学历的需求： 柱状图</a:t>
+            </a:r>
+          </a:p>
+          <a:p>
+            <a:r>
+              <a:rPr lang="zh-CN" altLang="en-US" sz="2000" dirty="0">
+                <a:latin typeface="黑体" panose="02010609060101010101" pitchFamily="49" charset="-122"/>
+                <a:ea typeface="黑体" panose="02010609060101010101" pitchFamily="49" charset="-122"/>
+              </a:rPr>
+              <a:t>	职位对各技术要求的占比和月薪情况： 气泡图</a:t>
+            </a:r>
+          </a:p>
+          <a:p>
+            <a:r>
+              <a:rPr lang="zh-CN" altLang="en-US" sz="2000" dirty="0">
+                <a:latin typeface="黑体" panose="02010609060101010101" pitchFamily="49" charset="-122"/>
+                <a:ea typeface="黑体" panose="02010609060101010101" pitchFamily="49" charset="-122"/>
+              </a:rPr>
+              <a:t>	对于技术和能力要求： 词云图 </a:t>
+            </a:r>
+            <a:r>
+              <a:rPr lang="en-US" altLang="zh-CN" sz="2000" dirty="0">
+                <a:latin typeface="黑体" panose="02010609060101010101" pitchFamily="49" charset="-122"/>
+                <a:ea typeface="黑体" panose="02010609060101010101" pitchFamily="49" charset="-122"/>
+              </a:rPr>
+              <a:t>【 </a:t>
+            </a:r>
+            <a:r>
+              <a:rPr lang="zh-CN" altLang="en-US" sz="2000" dirty="0">
+                <a:latin typeface="黑体" panose="02010609060101010101" pitchFamily="49" charset="-122"/>
+                <a:ea typeface="黑体" panose="02010609060101010101" pitchFamily="49" charset="-122"/>
+              </a:rPr>
+              <a:t>仅做参考 </a:t>
+            </a:r>
+            <a:r>
+              <a:rPr lang="en-US" altLang="zh-CN" sz="2000" dirty="0">
+                <a:latin typeface="黑体" panose="02010609060101010101" pitchFamily="49" charset="-122"/>
+                <a:ea typeface="黑体" panose="02010609060101010101" pitchFamily="49" charset="-122"/>
+              </a:rPr>
+              <a:t>】</a:t>
+            </a:r>
+            <a:r>
+              <a:rPr lang="zh-CN" altLang="en-US" sz="2000" dirty="0">
+                <a:latin typeface="黑体" panose="02010609060101010101" pitchFamily="49" charset="-122"/>
+                <a:ea typeface="黑体" panose="02010609060101010101" pitchFamily="49" charset="-122"/>
+              </a:rPr>
+              <a:t> </a:t>
+            </a:r>
+          </a:p>
+        </p:txBody>
+      </p:sp>
+      <p:sp>
+        <p:nvSpPr>
+          <p:cNvPr id="3" name="标题 1">
+            <a:extLst>
+              <a:ext uri="{FF2B5EF4-FFF2-40B4-BE49-F238E27FC236}">
+                <a16:creationId xmlns:a16="http://schemas.microsoft.com/office/drawing/2014/main" id="{8721FB14-612C-4954-A09C-87659BD5FB98}"/>
               </a:ext>
             </a:extLst>
           </p:cNvPr>
@@ -4933,93 +8128,30 @@
           </a:xfrm>
         </p:spPr>
         <p:txBody>
-          <a:bodyPr/>
+          <a:bodyPr>
+            <a:normAutofit/>
+          </a:bodyPr>
           <a:lstStyle/>
           <a:p>
-            <a:r>
-              <a:rPr lang="zh-CN" altLang="en-US" dirty="0">
-                <a:latin typeface="华文中宋" panose="02010600040101010101" pitchFamily="2" charset="-122"/>
-                <a:ea typeface="华文中宋" panose="02010600040101010101" pitchFamily="2" charset="-122"/>
-              </a:rPr>
-              <a:t>学历需求分布</a:t>
-            </a:r>
-          </a:p>
-        </p:txBody>
-      </p:sp>
-      <p:pic>
-        <p:nvPicPr>
-          <p:cNvPr id="16" name="图片 15">
-            <a:extLst>
-              <a:ext uri="{FF2B5EF4-FFF2-40B4-BE49-F238E27FC236}">
-                <a16:creationId xmlns:a16="http://schemas.microsoft.com/office/drawing/2014/main" id="{9CB1DD60-9086-4367-B699-7F42F8DB70C9}"/>
-              </a:ext>
-            </a:extLst>
-          </p:cNvPr>
-          <p:cNvPicPr>
-            <a:picLocks noChangeAspect="1"/>
-          </p:cNvPicPr>
-          <p:nvPr/>
-        </p:nvPicPr>
-        <p:blipFill rotWithShape="1">
-          <a:blip r:embed="rId2">
-            <a:extLst>
-              <a:ext uri="{28A0092B-C50C-407E-A947-70E740481C1C}">
-                <a14:useLocalDpi xmlns:a14="http://schemas.microsoft.com/office/drawing/2010/main" val="0"/>
-              </a:ext>
-            </a:extLst>
-          </a:blip>
-          <a:srcRect l="6130" t="6528" r="9425" b="1938"/>
-          <a:stretch/>
-        </p:blipFill>
-        <p:spPr>
-          <a:xfrm>
-            <a:off x="580572" y="1836056"/>
-            <a:ext cx="7721600" cy="5021944"/>
-          </a:xfrm>
-          <a:prstGeom prst="rect">
-            <a:avLst/>
-          </a:prstGeom>
-        </p:spPr>
-      </p:pic>
-      <p:pic>
-        <p:nvPicPr>
-          <p:cNvPr id="14" name="图片 13">
-            <a:extLst>
-              <a:ext uri="{FF2B5EF4-FFF2-40B4-BE49-F238E27FC236}">
-                <a16:creationId xmlns:a16="http://schemas.microsoft.com/office/drawing/2014/main" id="{E0E20E31-1726-4434-8892-636D4F1807E2}"/>
-              </a:ext>
-            </a:extLst>
-          </p:cNvPr>
-          <p:cNvPicPr>
-            <a:picLocks noChangeAspect="1"/>
-          </p:cNvPicPr>
-          <p:nvPr/>
-        </p:nvPicPr>
-        <p:blipFill rotWithShape="1">
-          <a:blip r:embed="rId3">
-            <a:extLst>
-              <a:ext uri="{28A0092B-C50C-407E-A947-70E740481C1C}">
-                <a14:useLocalDpi xmlns:a14="http://schemas.microsoft.com/office/drawing/2010/main" val="0"/>
-              </a:ext>
-            </a:extLst>
-          </a:blip>
-          <a:srcRect l="29291" t="17947" r="25630" b="14329"/>
-          <a:stretch/>
-        </p:blipFill>
-        <p:spPr>
-          <a:xfrm>
-            <a:off x="6763656" y="1349829"/>
-            <a:ext cx="5152572" cy="4644572"/>
-          </a:xfrm>
-          <a:prstGeom prst="rect">
-            <a:avLst/>
-          </a:prstGeom>
-        </p:spPr>
-      </p:pic>
+            <a:pPr algn="ctr"/>
+            <a:r>
+              <a:rPr lang="zh-CN" altLang="en-US" sz="3600" dirty="0">
+                <a:solidFill>
+                  <a:srgbClr val="504B48"/>
+                </a:solidFill>
+                <a:latin typeface="黑体" panose="02010609060101010101" pitchFamily="49" charset="-122"/>
+                <a:ea typeface="黑体" panose="02010609060101010101" pitchFamily="49" charset="-122"/>
+              </a:rPr>
+              <a:t>数据处理和分析</a:t>
+            </a:r>
+            <a:endParaRPr lang="zh-CN" altLang="en-US" sz="3600" dirty="0"/>
+          </a:p>
+        </p:txBody>
+      </p:sp>
     </p:spTree>
     <p:extLst>
       <p:ext uri="{BB962C8B-B14F-4D97-AF65-F5344CB8AC3E}">
-        <p14:creationId xmlns:p14="http://schemas.microsoft.com/office/powerpoint/2010/main" val="3437847618"/>
+        <p14:creationId xmlns:p14="http://schemas.microsoft.com/office/powerpoint/2010/main" val="2901186139"/>
       </p:ext>
     </p:extLst>
   </p:cSld>
@@ -5048,10 +8180,10 @@
       </p:grpSpPr>
       <p:sp>
         <p:nvSpPr>
-          <p:cNvPr id="4" name="标题 1">
-            <a:extLst>
-              <a:ext uri="{FF2B5EF4-FFF2-40B4-BE49-F238E27FC236}">
-                <a16:creationId xmlns:a16="http://schemas.microsoft.com/office/drawing/2014/main" id="{DFD9C85D-752E-4C8D-918B-04E795840761}"/>
+          <p:cNvPr id="11" name="内容占位符 10">
+            <a:extLst>
+              <a:ext uri="{FF2B5EF4-FFF2-40B4-BE49-F238E27FC236}">
+                <a16:creationId xmlns:a16="http://schemas.microsoft.com/office/drawing/2014/main" id="{FE14272B-48F1-487B-ACE4-839005C69BC3}"/>
               </a:ext>
             </a:extLst>
           </p:cNvPr>
@@ -5059,40 +8191,15 @@
             <a:spLocks noGrp="1"/>
           </p:cNvSpPr>
           <p:nvPr>
-            <p:ph type="title"/>
-          </p:nvPr>
-        </p:nvSpPr>
-        <p:spPr>
-          <a:xfrm>
-            <a:off x="838200" y="365125"/>
-            <a:ext cx="10515600" cy="1325563"/>
-          </a:xfrm>
-        </p:spPr>
+            <p:ph idx="1"/>
+          </p:nvPr>
+        </p:nvSpPr>
+        <p:spPr/>
         <p:txBody>
           <a:bodyPr/>
           <a:lstStyle/>
           <a:p>
-            <a:r>
-              <a:rPr lang="zh-CN" altLang="en-US" dirty="0">
-                <a:latin typeface="华文中宋" panose="02010600040101010101" pitchFamily="2" charset="-122"/>
-                <a:ea typeface="华文中宋" panose="02010600040101010101" pitchFamily="2" charset="-122"/>
-              </a:rPr>
-              <a:t>学历 </a:t>
-            </a:r>
-            <a:r>
-              <a:rPr lang="en-US" altLang="zh-CN" dirty="0">
-                <a:latin typeface="华文中宋" panose="02010600040101010101" pitchFamily="2" charset="-122"/>
-                <a:ea typeface="华文中宋" panose="02010600040101010101" pitchFamily="2" charset="-122"/>
-              </a:rPr>
-              <a:t>– </a:t>
-            </a:r>
-            <a:r>
-              <a:rPr lang="zh-CN" altLang="en-US" dirty="0">
-                <a:latin typeface="华文中宋" panose="02010600040101010101" pitchFamily="2" charset="-122"/>
-                <a:ea typeface="华文中宋" panose="02010600040101010101" pitchFamily="2" charset="-122"/>
-              </a:rPr>
-              <a:t>月薪</a:t>
-            </a:r>
+            <a:endParaRPr lang="zh-CN" altLang="en-US" dirty="0"/>
           </a:p>
         </p:txBody>
       </p:sp>
@@ -5101,7 +8208,7 @@
           <p:cNvPr id="9" name="图片 8">
             <a:extLst>
               <a:ext uri="{FF2B5EF4-FFF2-40B4-BE49-F238E27FC236}">
-                <a16:creationId xmlns:a16="http://schemas.microsoft.com/office/drawing/2014/main" id="{1B136EEE-AFD7-4630-B8A9-2D486E79B988}"/>
+                <a16:creationId xmlns:a16="http://schemas.microsoft.com/office/drawing/2014/main" id="{4ECF58F3-3E5A-4353-A8F4-D5AEA5CE040D}"/>
               </a:ext>
             </a:extLst>
           </p:cNvPr>
@@ -5118,13 +8225,13 @@
               </a:ext>
             </a:extLst>
           </a:blip>
-          <a:srcRect l="5949" t="5962" r="8512" b="5833"/>
+          <a:srcRect l="6718" t="6987" r="9128" b="1475"/>
           <a:stretch/>
         </p:blipFill>
         <p:spPr>
           <a:xfrm>
-            <a:off x="6443003" y="1723291"/>
-            <a:ext cx="5514536" cy="4839287"/>
+            <a:off x="1969476" y="1463041"/>
+            <a:ext cx="7695029" cy="5022167"/>
           </a:xfrm>
           <a:prstGeom prst="rect">
             <a:avLst/>
@@ -5133,68 +8240,108 @@
       </p:pic>
       <p:sp>
         <p:nvSpPr>
-          <p:cNvPr id="13" name="内容占位符 12">
-            <a:extLst>
-              <a:ext uri="{FF2B5EF4-FFF2-40B4-BE49-F238E27FC236}">
-                <a16:creationId xmlns:a16="http://schemas.microsoft.com/office/drawing/2014/main" id="{A8F3E143-BB03-4126-A43E-2FAFAC5F9A06}"/>
-              </a:ext>
-            </a:extLst>
-          </p:cNvPr>
-          <p:cNvSpPr>
-            <a:spLocks noGrp="1"/>
-          </p:cNvSpPr>
-          <p:nvPr>
-            <p:ph idx="1"/>
-          </p:nvPr>
-        </p:nvSpPr>
-        <p:spPr/>
-        <p:txBody>
-          <a:bodyPr/>
-          <a:lstStyle/>
-          <a:p>
-            <a:endParaRPr lang="zh-CN" altLang="en-US" dirty="0"/>
-          </a:p>
-        </p:txBody>
-      </p:sp>
-      <p:pic>
-        <p:nvPicPr>
-          <p:cNvPr id="11" name="图片 10">
-            <a:extLst>
-              <a:ext uri="{FF2B5EF4-FFF2-40B4-BE49-F238E27FC236}">
-                <a16:creationId xmlns:a16="http://schemas.microsoft.com/office/drawing/2014/main" id="{D3B0370D-58FF-42B3-AABB-20D1CAB38753}"/>
-              </a:ext>
-            </a:extLst>
-          </p:cNvPr>
-          <p:cNvPicPr>
-            <a:picLocks noChangeAspect="1"/>
-          </p:cNvPicPr>
+          <p:cNvPr id="5" name="标题 1">
+            <a:extLst>
+              <a:ext uri="{FF2B5EF4-FFF2-40B4-BE49-F238E27FC236}">
+                <a16:creationId xmlns:a16="http://schemas.microsoft.com/office/drawing/2014/main" id="{A4D0D87A-F918-439B-922A-86C04668558F}"/>
+              </a:ext>
+            </a:extLst>
+          </p:cNvPr>
+          <p:cNvSpPr txBox="1">
+            <a:spLocks/>
+          </p:cNvSpPr>
           <p:nvPr/>
-        </p:nvPicPr>
-        <p:blipFill rotWithShape="1">
-          <a:blip r:embed="rId3">
-            <a:extLst>
-              <a:ext uri="{28A0092B-C50C-407E-A947-70E740481C1C}">
-                <a14:useLocalDpi xmlns:a14="http://schemas.microsoft.com/office/drawing/2010/main" val="0"/>
-              </a:ext>
-            </a:extLst>
-          </a:blip>
-          <a:srcRect l="6769" t="7308" r="8975" b="897"/>
-          <a:stretch/>
-        </p:blipFill>
+        </p:nvSpPr>
         <p:spPr>
           <a:xfrm>
-            <a:off x="0" y="1821766"/>
-            <a:ext cx="6175717" cy="5036234"/>
+            <a:off x="590843" y="0"/>
+            <a:ext cx="10845018" cy="1325563"/>
           </a:xfrm>
           <a:prstGeom prst="rect">
             <a:avLst/>
           </a:prstGeom>
         </p:spPr>
-      </p:pic>
+        <p:txBody>
+          <a:bodyPr vert="horz" lIns="91440" tIns="45720" rIns="91440" bIns="45720" rtlCol="0" anchor="ctr">
+            <a:normAutofit/>
+          </a:bodyPr>
+          <a:lstStyle>
+            <a:lvl1pPr algn="l" defTabSz="914400" rtl="0" eaLnBrk="1" latinLnBrk="0" hangingPunct="1">
+              <a:lnSpc>
+                <a:spcPct val="90000"/>
+              </a:lnSpc>
+              <a:spcBef>
+                <a:spcPct val="0"/>
+              </a:spcBef>
+              <a:buNone/>
+              <a:defRPr sz="4400" kern="1200">
+                <a:solidFill>
+                  <a:schemeClr val="tx1"/>
+                </a:solidFill>
+                <a:latin typeface="+mj-lt"/>
+                <a:ea typeface="+mj-ea"/>
+                <a:cs typeface="+mj-cs"/>
+              </a:defRPr>
+            </a:lvl1pPr>
+          </a:lstStyle>
+          <a:p>
+            <a:pPr algn="ctr"/>
+            <a:r>
+              <a:rPr lang="zh-CN" altLang="en-US" sz="3600" dirty="0">
+                <a:solidFill>
+                  <a:srgbClr val="504B48"/>
+                </a:solidFill>
+                <a:latin typeface="黑体" panose="02010609060101010101" pitchFamily="49" charset="-122"/>
+                <a:ea typeface="黑体" panose="02010609060101010101" pitchFamily="49" charset="-122"/>
+              </a:rPr>
+              <a:t>分析和展示</a:t>
+            </a:r>
+            <a:endParaRPr lang="zh-CN" altLang="en-US" sz="3600" dirty="0"/>
+          </a:p>
+        </p:txBody>
+      </p:sp>
+      <p:sp>
+        <p:nvSpPr>
+          <p:cNvPr id="4" name="标题 1">
+            <a:extLst>
+              <a:ext uri="{FF2B5EF4-FFF2-40B4-BE49-F238E27FC236}">
+                <a16:creationId xmlns:a16="http://schemas.microsoft.com/office/drawing/2014/main" id="{DFD9C85D-752E-4C8D-918B-04E795840761}"/>
+              </a:ext>
+            </a:extLst>
+          </p:cNvPr>
+          <p:cNvSpPr>
+            <a:spLocks noGrp="1"/>
+          </p:cNvSpPr>
+          <p:nvPr>
+            <p:ph type="title"/>
+          </p:nvPr>
+        </p:nvSpPr>
+        <p:spPr>
+          <a:xfrm>
+            <a:off x="7061983" y="1476473"/>
+            <a:ext cx="2630658" cy="1325563"/>
+          </a:xfrm>
+        </p:spPr>
+        <p:txBody>
+          <a:bodyPr>
+            <a:normAutofit/>
+          </a:bodyPr>
+          <a:lstStyle/>
+          <a:p>
+            <a:r>
+              <a:rPr lang="zh-CN" altLang="en-US" sz="3200" dirty="0">
+                <a:latin typeface="华文中宋" panose="02010600040101010101" pitchFamily="2" charset="-122"/>
+                <a:ea typeface="华文中宋" panose="02010600040101010101" pitchFamily="2" charset="-122"/>
+              </a:rPr>
+              <a:t>月薪分布</a:t>
+            </a:r>
+          </a:p>
+        </p:txBody>
+      </p:sp>
     </p:spTree>
     <p:extLst>
       <p:ext uri="{BB962C8B-B14F-4D97-AF65-F5344CB8AC3E}">
-        <p14:creationId xmlns:p14="http://schemas.microsoft.com/office/powerpoint/2010/main" val="2288299307"/>
+        <p14:creationId xmlns:p14="http://schemas.microsoft.com/office/powerpoint/2010/main" val="4238765233"/>
       </p:ext>
     </p:extLst>
   </p:cSld>
@@ -5221,48 +8368,46 @@
           <a:chExt cx="0" cy="0"/>
         </a:xfrm>
       </p:grpSpPr>
-      <p:sp>
-        <p:nvSpPr>
-          <p:cNvPr id="4" name="标题 1">
-            <a:extLst>
-              <a:ext uri="{FF2B5EF4-FFF2-40B4-BE49-F238E27FC236}">
-                <a16:creationId xmlns:a16="http://schemas.microsoft.com/office/drawing/2014/main" id="{DFD9C85D-752E-4C8D-918B-04E795840761}"/>
-              </a:ext>
-            </a:extLst>
-          </p:cNvPr>
-          <p:cNvSpPr>
-            <a:spLocks noGrp="1"/>
-          </p:cNvSpPr>
-          <p:nvPr>
-            <p:ph type="title"/>
-          </p:nvPr>
-        </p:nvSpPr>
+      <p:pic>
+        <p:nvPicPr>
+          <p:cNvPr id="11" name="内容占位符 10">
+            <a:extLst>
+              <a:ext uri="{FF2B5EF4-FFF2-40B4-BE49-F238E27FC236}">
+                <a16:creationId xmlns:a16="http://schemas.microsoft.com/office/drawing/2014/main" id="{3483332A-2CC6-4A09-92B3-599CCF12B6AA}"/>
+              </a:ext>
+            </a:extLst>
+          </p:cNvPr>
+          <p:cNvPicPr>
+            <a:picLocks noGrp="1" noChangeAspect="1"/>
+          </p:cNvPicPr>
+          <p:nvPr>
+            <p:ph idx="1"/>
+          </p:nvPr>
+        </p:nvPicPr>
+        <p:blipFill rotWithShape="1">
+          <a:blip r:embed="rId2">
+            <a:extLst>
+              <a:ext uri="{28A0092B-C50C-407E-A947-70E740481C1C}">
+                <a14:useLocalDpi xmlns:a14="http://schemas.microsoft.com/office/drawing/2010/main" val="0"/>
+              </a:ext>
+            </a:extLst>
+          </a:blip>
+          <a:srcRect l="5514" t="6539" r="7971" b="1645"/>
+          <a:stretch/>
+        </p:blipFill>
         <p:spPr>
           <a:xfrm>
-            <a:off x="838200" y="365125"/>
-            <a:ext cx="10515600" cy="1325563"/>
+            <a:off x="464234" y="1364564"/>
+            <a:ext cx="7962315" cy="5070174"/>
           </a:xfrm>
         </p:spPr>
-        <p:txBody>
-          <a:bodyPr/>
-          <a:lstStyle/>
-          <a:p>
-            <a:r>
-              <a:rPr lang="zh-CN" altLang="en-US" dirty="0">
-                <a:latin typeface="华文中宋" panose="02010600040101010101" pitchFamily="2" charset="-122"/>
-                <a:ea typeface="华文中宋" panose="02010600040101010101" pitchFamily="2" charset="-122"/>
-              </a:rPr>
-              <a:t>工作经验需求</a:t>
-            </a:r>
-          </a:p>
-        </p:txBody>
-      </p:sp>
+      </p:pic>
       <p:pic>
         <p:nvPicPr>
-          <p:cNvPr id="9" name="图片 8">
-            <a:extLst>
-              <a:ext uri="{FF2B5EF4-FFF2-40B4-BE49-F238E27FC236}">
-                <a16:creationId xmlns:a16="http://schemas.microsoft.com/office/drawing/2014/main" id="{42697833-88F5-48F1-B787-8E91DE41EFD3}"/>
+          <p:cNvPr id="13" name="图片 12">
+            <a:extLst>
+              <a:ext uri="{FF2B5EF4-FFF2-40B4-BE49-F238E27FC236}">
+                <a16:creationId xmlns:a16="http://schemas.microsoft.com/office/drawing/2014/main" id="{5C896D2E-FC1B-4CD6-90BF-3986843958A6}"/>
               </a:ext>
             </a:extLst>
           </p:cNvPr>
@@ -5272,20 +8417,20 @@
           <p:nvPr/>
         </p:nvPicPr>
         <p:blipFill rotWithShape="1">
-          <a:blip r:embed="rId2">
+          <a:blip r:embed="rId3">
             <a:extLst>
               <a:ext uri="{28A0092B-C50C-407E-A947-70E740481C1C}">
                 <a14:useLocalDpi xmlns:a14="http://schemas.microsoft.com/office/drawing/2010/main" val="0"/>
               </a:ext>
             </a:extLst>
           </a:blip>
-          <a:srcRect l="5949" t="6987" r="8976" b="705"/>
+          <a:srcRect l="31026" t="17756" r="24821" b="16859"/>
           <a:stretch/>
         </p:blipFill>
         <p:spPr>
           <a:xfrm>
-            <a:off x="1913206" y="1463041"/>
-            <a:ext cx="7779434" cy="5064370"/>
+            <a:off x="6134782" y="914399"/>
+            <a:ext cx="5161574" cy="4586068"/>
           </a:xfrm>
           <a:prstGeom prst="rect">
             <a:avLst/>
@@ -5294,10 +8439,72 @@
       </p:pic>
       <p:sp>
         <p:nvSpPr>
-          <p:cNvPr id="11" name="内容占位符 10">
-            <a:extLst>
-              <a:ext uri="{FF2B5EF4-FFF2-40B4-BE49-F238E27FC236}">
-                <a16:creationId xmlns:a16="http://schemas.microsoft.com/office/drawing/2014/main" id="{B8E3FD15-3E37-4A59-AA95-17D00EEBAF9F}"/>
+          <p:cNvPr id="3" name="标题 1">
+            <a:extLst>
+              <a:ext uri="{FF2B5EF4-FFF2-40B4-BE49-F238E27FC236}">
+                <a16:creationId xmlns:a16="http://schemas.microsoft.com/office/drawing/2014/main" id="{11125139-2325-4D00-AEB3-4B52B1434FF4}"/>
+              </a:ext>
+            </a:extLst>
+          </p:cNvPr>
+          <p:cNvSpPr txBox="1">
+            <a:spLocks/>
+          </p:cNvSpPr>
+          <p:nvPr/>
+        </p:nvSpPr>
+        <p:spPr>
+          <a:xfrm>
+            <a:off x="590843" y="0"/>
+            <a:ext cx="10845018" cy="1325563"/>
+          </a:xfrm>
+          <a:prstGeom prst="rect">
+            <a:avLst/>
+          </a:prstGeom>
+        </p:spPr>
+        <p:txBody>
+          <a:bodyPr vert="horz" lIns="91440" tIns="45720" rIns="91440" bIns="45720" rtlCol="0" anchor="ctr">
+            <a:normAutofit/>
+          </a:bodyPr>
+          <a:lstStyle>
+            <a:lvl1pPr algn="l" defTabSz="914400" rtl="0" eaLnBrk="1" latinLnBrk="0" hangingPunct="1">
+              <a:lnSpc>
+                <a:spcPct val="90000"/>
+              </a:lnSpc>
+              <a:spcBef>
+                <a:spcPct val="0"/>
+              </a:spcBef>
+              <a:buNone/>
+              <a:defRPr sz="4400" kern="1200">
+                <a:solidFill>
+                  <a:schemeClr val="tx1"/>
+                </a:solidFill>
+                <a:latin typeface="+mj-lt"/>
+                <a:ea typeface="+mj-ea"/>
+                <a:cs typeface="+mj-cs"/>
+              </a:defRPr>
+            </a:lvl1pPr>
+          </a:lstStyle>
+          <a:p>
+            <a:pPr algn="ctr"/>
+            <a:r>
+              <a:rPr lang="zh-CN" altLang="en-US" sz="3600" dirty="0">
+                <a:solidFill>
+                  <a:srgbClr val="504B48"/>
+                </a:solidFill>
+                <a:latin typeface="黑体" panose="02010609060101010101" pitchFamily="49" charset="-122"/>
+                <a:ea typeface="黑体" panose="02010609060101010101" pitchFamily="49" charset="-122"/>
+              </a:rPr>
+              <a:t>分析和展示</a:t>
+            </a:r>
+            <a:endParaRPr lang="zh-CN" altLang="en-US" sz="3600" dirty="0"/>
+          </a:p>
+        </p:txBody>
+      </p:sp>
+      <p:sp>
+        <p:nvSpPr>
+          <p:cNvPr id="2" name="标题 1">
+            <a:extLst>
+              <a:ext uri="{FF2B5EF4-FFF2-40B4-BE49-F238E27FC236}">
+                <a16:creationId xmlns:a16="http://schemas.microsoft.com/office/drawing/2014/main" id="{7A739085-97C7-47F9-913D-AD10CCFDBC4A}"/>
               </a:ext>
             </a:extLst>
           </p:cNvPr>
@@ -5305,22 +8512,35 @@
             <a:spLocks noGrp="1"/>
           </p:cNvSpPr>
           <p:nvPr>
-            <p:ph idx="1"/>
-          </p:nvPr>
-        </p:nvSpPr>
-        <p:spPr/>
-        <p:txBody>
-          <a:bodyPr/>
+            <p:ph type="title"/>
+          </p:nvPr>
+        </p:nvSpPr>
+        <p:spPr>
+          <a:xfrm>
+            <a:off x="3708009" y="1532745"/>
+            <a:ext cx="2101947" cy="1325563"/>
+          </a:xfrm>
+        </p:spPr>
+        <p:txBody>
+          <a:bodyPr>
+            <a:normAutofit/>
+          </a:bodyPr>
           <a:lstStyle/>
           <a:p>
-            <a:endParaRPr lang="zh-CN" altLang="en-US"/>
+            <a:r>
+              <a:rPr lang="zh-CN" altLang="en-US" sz="3200" dirty="0">
+                <a:latin typeface="华文中宋" panose="02010600040101010101" pitchFamily="2" charset="-122"/>
+                <a:ea typeface="华文中宋" panose="02010600040101010101" pitchFamily="2" charset="-122"/>
+              </a:rPr>
+              <a:t>城市分布</a:t>
+            </a:r>
           </a:p>
         </p:txBody>
       </p:sp>
     </p:spTree>
     <p:extLst>
       <p:ext uri="{BB962C8B-B14F-4D97-AF65-F5344CB8AC3E}">
-        <p14:creationId xmlns:p14="http://schemas.microsoft.com/office/powerpoint/2010/main" val="2222135305"/>
+        <p14:creationId xmlns:p14="http://schemas.microsoft.com/office/powerpoint/2010/main" val="3637194841"/>
       </p:ext>
     </p:extLst>
   </p:cSld>
@@ -5347,96 +8567,12 @@
           <a:chExt cx="0" cy="0"/>
         </a:xfrm>
       </p:grpSpPr>
-      <p:sp>
-        <p:nvSpPr>
-          <p:cNvPr id="4" name="标题 1">
-            <a:extLst>
-              <a:ext uri="{FF2B5EF4-FFF2-40B4-BE49-F238E27FC236}">
-                <a16:creationId xmlns:a16="http://schemas.microsoft.com/office/drawing/2014/main" id="{DFD9C85D-752E-4C8D-918B-04E795840761}"/>
-              </a:ext>
-            </a:extLst>
-          </p:cNvPr>
-          <p:cNvSpPr>
-            <a:spLocks noGrp="1"/>
-          </p:cNvSpPr>
-          <p:nvPr>
-            <p:ph type="title"/>
-          </p:nvPr>
-        </p:nvSpPr>
-        <p:spPr>
-          <a:xfrm>
-            <a:off x="838200" y="365125"/>
-            <a:ext cx="10515600" cy="1325563"/>
-          </a:xfrm>
-        </p:spPr>
-        <p:txBody>
-          <a:bodyPr/>
-          <a:lstStyle/>
-          <a:p>
-            <a:r>
-              <a:rPr lang="zh-CN" altLang="en-US" dirty="0">
-                <a:latin typeface="华文中宋" panose="02010600040101010101" pitchFamily="2" charset="-122"/>
-                <a:ea typeface="华文中宋" panose="02010600040101010101" pitchFamily="2" charset="-122"/>
-              </a:rPr>
-              <a:t>工作经验 </a:t>
-            </a:r>
-            <a:r>
-              <a:rPr lang="en-US" altLang="zh-CN" dirty="0">
-                <a:latin typeface="华文中宋" panose="02010600040101010101" pitchFamily="2" charset="-122"/>
-                <a:ea typeface="华文中宋" panose="02010600040101010101" pitchFamily="2" charset="-122"/>
-              </a:rPr>
-              <a:t>- </a:t>
-            </a:r>
-            <a:r>
-              <a:rPr lang="zh-CN" altLang="en-US" dirty="0">
-                <a:latin typeface="华文中宋" panose="02010600040101010101" pitchFamily="2" charset="-122"/>
-                <a:ea typeface="华文中宋" panose="02010600040101010101" pitchFamily="2" charset="-122"/>
-              </a:rPr>
-              <a:t>月薪</a:t>
-            </a:r>
-          </a:p>
-        </p:txBody>
-      </p:sp>
       <p:pic>
         <p:nvPicPr>
-          <p:cNvPr id="11" name="内容占位符 10">
-            <a:extLst>
-              <a:ext uri="{FF2B5EF4-FFF2-40B4-BE49-F238E27FC236}">
-                <a16:creationId xmlns:a16="http://schemas.microsoft.com/office/drawing/2014/main" id="{4C6C04DE-B70D-4996-BF12-0B1AC889F426}"/>
-              </a:ext>
-            </a:extLst>
-          </p:cNvPr>
-          <p:cNvPicPr>
-            <a:picLocks noGrp="1" noChangeAspect="1"/>
-          </p:cNvPicPr>
-          <p:nvPr>
-            <p:ph idx="1"/>
-          </p:nvPr>
-        </p:nvPicPr>
-        <p:blipFill rotWithShape="1">
-          <a:blip r:embed="rId2">
-            <a:extLst>
-              <a:ext uri="{28A0092B-C50C-407E-A947-70E740481C1C}">
-                <a14:useLocalDpi xmlns:a14="http://schemas.microsoft.com/office/drawing/2010/main" val="0"/>
-              </a:ext>
-            </a:extLst>
-          </a:blip>
-          <a:srcRect l="6290" t="7186" r="8747" b="1968"/>
-          <a:stretch/>
-        </p:blipFill>
-        <p:spPr>
-          <a:xfrm>
-            <a:off x="295421" y="1772528"/>
-            <a:ext cx="6907186" cy="4431323"/>
-          </a:xfrm>
-        </p:spPr>
-      </p:pic>
-      <p:pic>
-        <p:nvPicPr>
-          <p:cNvPr id="13" name="图片 12">
-            <a:extLst>
-              <a:ext uri="{FF2B5EF4-FFF2-40B4-BE49-F238E27FC236}">
-                <a16:creationId xmlns:a16="http://schemas.microsoft.com/office/drawing/2014/main" id="{93C57B6D-836C-408A-A9EC-D8FAB49AA7CE}"/>
+          <p:cNvPr id="10" name="图片 9">
+            <a:extLst>
+              <a:ext uri="{FF2B5EF4-FFF2-40B4-BE49-F238E27FC236}">
+                <a16:creationId xmlns:a16="http://schemas.microsoft.com/office/drawing/2014/main" id="{71D1F241-7163-446D-9FF0-7C592583EAA5}"/>
               </a:ext>
             </a:extLst>
           </p:cNvPr>
@@ -5446,30 +8582,178 @@
           <p:nvPr/>
         </p:nvPicPr>
         <p:blipFill rotWithShape="1">
-          <a:blip r:embed="rId3">
+          <a:blip r:embed="rId2">
             <a:extLst>
               <a:ext uri="{28A0092B-C50C-407E-A947-70E740481C1C}">
                 <a14:useLocalDpi xmlns:a14="http://schemas.microsoft.com/office/drawing/2010/main" val="0"/>
               </a:ext>
             </a:extLst>
           </a:blip>
-          <a:srcRect l="6256" t="6987" r="8821" b="5577"/>
+          <a:srcRect l="6872" t="6474" r="9282" b="1730"/>
           <a:stretch/>
         </p:blipFill>
         <p:spPr>
           <a:xfrm>
-            <a:off x="7033846" y="1491176"/>
-            <a:ext cx="5158154" cy="4797084"/>
+            <a:off x="347004" y="1308295"/>
+            <a:ext cx="6039728" cy="5036234"/>
           </a:xfrm>
           <a:prstGeom prst="rect">
             <a:avLst/>
           </a:prstGeom>
         </p:spPr>
       </p:pic>
+      <p:pic>
+        <p:nvPicPr>
+          <p:cNvPr id="14" name="内容占位符 13">
+            <a:extLst>
+              <a:ext uri="{FF2B5EF4-FFF2-40B4-BE49-F238E27FC236}">
+                <a16:creationId xmlns:a16="http://schemas.microsoft.com/office/drawing/2014/main" id="{79F1E209-87E3-41A6-A962-E381E39DEF73}"/>
+              </a:ext>
+            </a:extLst>
+          </p:cNvPr>
+          <p:cNvPicPr>
+            <a:picLocks noGrp="1" noChangeAspect="1"/>
+          </p:cNvPicPr>
+          <p:nvPr>
+            <p:ph idx="1"/>
+          </p:nvPr>
+        </p:nvPicPr>
+        <p:blipFill rotWithShape="1">
+          <a:blip r:embed="rId3">
+            <a:extLst>
+              <a:ext uri="{28A0092B-C50C-407E-A947-70E740481C1C}">
+                <a14:useLocalDpi xmlns:a14="http://schemas.microsoft.com/office/drawing/2010/main" val="0"/>
+              </a:ext>
+            </a:extLst>
+          </a:blip>
+          <a:srcRect l="5903" t="5893" r="7390" b="5848"/>
+          <a:stretch/>
+        </p:blipFill>
+        <p:spPr>
+          <a:xfrm>
+            <a:off x="6428936" y="1631853"/>
+            <a:ext cx="5608320" cy="4241409"/>
+          </a:xfrm>
+        </p:spPr>
+      </p:pic>
+      <p:sp>
+        <p:nvSpPr>
+          <p:cNvPr id="2" name="标题 1">
+            <a:extLst>
+              <a:ext uri="{FF2B5EF4-FFF2-40B4-BE49-F238E27FC236}">
+                <a16:creationId xmlns:a16="http://schemas.microsoft.com/office/drawing/2014/main" id="{E142039E-3791-4CC0-A194-CDD498A14E9E}"/>
+              </a:ext>
+            </a:extLst>
+          </p:cNvPr>
+          <p:cNvSpPr txBox="1">
+            <a:spLocks/>
+          </p:cNvSpPr>
+          <p:nvPr/>
+        </p:nvSpPr>
+        <p:spPr>
+          <a:xfrm>
+            <a:off x="590843" y="0"/>
+            <a:ext cx="10845018" cy="1325563"/>
+          </a:xfrm>
+          <a:prstGeom prst="rect">
+            <a:avLst/>
+          </a:prstGeom>
+        </p:spPr>
+        <p:txBody>
+          <a:bodyPr vert="horz" lIns="91440" tIns="45720" rIns="91440" bIns="45720" rtlCol="0" anchor="ctr">
+            <a:normAutofit/>
+          </a:bodyPr>
+          <a:lstStyle>
+            <a:lvl1pPr algn="l" defTabSz="914400" rtl="0" eaLnBrk="1" latinLnBrk="0" hangingPunct="1">
+              <a:lnSpc>
+                <a:spcPct val="90000"/>
+              </a:lnSpc>
+              <a:spcBef>
+                <a:spcPct val="0"/>
+              </a:spcBef>
+              <a:buNone/>
+              <a:defRPr sz="4400" kern="1200">
+                <a:solidFill>
+                  <a:schemeClr val="tx1"/>
+                </a:solidFill>
+                <a:latin typeface="+mj-lt"/>
+                <a:ea typeface="+mj-ea"/>
+                <a:cs typeface="+mj-cs"/>
+              </a:defRPr>
+            </a:lvl1pPr>
+          </a:lstStyle>
+          <a:p>
+            <a:pPr algn="ctr"/>
+            <a:r>
+              <a:rPr lang="zh-CN" altLang="en-US" sz="3600" dirty="0">
+                <a:solidFill>
+                  <a:srgbClr val="504B48"/>
+                </a:solidFill>
+                <a:latin typeface="黑体" panose="02010609060101010101" pitchFamily="49" charset="-122"/>
+                <a:ea typeface="黑体" panose="02010609060101010101" pitchFamily="49" charset="-122"/>
+              </a:rPr>
+              <a:t>分析和展示</a:t>
+            </a:r>
+            <a:endParaRPr lang="zh-CN" altLang="en-US" sz="3600" dirty="0"/>
+          </a:p>
+        </p:txBody>
+      </p:sp>
+      <p:sp>
+        <p:nvSpPr>
+          <p:cNvPr id="4" name="标题 1">
+            <a:extLst>
+              <a:ext uri="{FF2B5EF4-FFF2-40B4-BE49-F238E27FC236}">
+                <a16:creationId xmlns:a16="http://schemas.microsoft.com/office/drawing/2014/main" id="{48D24079-6264-489A-86BA-62616CFB9C15}"/>
+              </a:ext>
+            </a:extLst>
+          </p:cNvPr>
+          <p:cNvSpPr>
+            <a:spLocks noGrp="1"/>
+          </p:cNvSpPr>
+          <p:nvPr>
+            <p:ph type="title"/>
+          </p:nvPr>
+        </p:nvSpPr>
+        <p:spPr>
+          <a:xfrm>
+            <a:off x="4031566" y="2798836"/>
+            <a:ext cx="2341098" cy="1325563"/>
+          </a:xfrm>
+        </p:spPr>
+        <p:txBody>
+          <a:bodyPr>
+            <a:normAutofit/>
+          </a:bodyPr>
+          <a:lstStyle/>
+          <a:p>
+            <a:r>
+              <a:rPr lang="zh-CN" altLang="en-US" sz="3200" dirty="0">
+                <a:latin typeface="华文中宋" panose="02010600040101010101" pitchFamily="2" charset="-122"/>
+                <a:ea typeface="华文中宋" panose="02010600040101010101" pitchFamily="2" charset="-122"/>
+              </a:rPr>
+              <a:t>城市 </a:t>
+            </a:r>
+            <a:r>
+              <a:rPr lang="en-US" altLang="zh-CN" sz="3200" dirty="0">
+                <a:latin typeface="华文中宋" panose="02010600040101010101" pitchFamily="2" charset="-122"/>
+                <a:ea typeface="华文中宋" panose="02010600040101010101" pitchFamily="2" charset="-122"/>
+              </a:rPr>
+              <a:t>- </a:t>
+            </a:r>
+            <a:r>
+              <a:rPr lang="zh-CN" altLang="en-US" sz="3200" dirty="0">
+                <a:latin typeface="华文中宋" panose="02010600040101010101" pitchFamily="2" charset="-122"/>
+                <a:ea typeface="华文中宋" panose="02010600040101010101" pitchFamily="2" charset="-122"/>
+              </a:rPr>
+              <a:t>薪资</a:t>
+            </a:r>
+          </a:p>
+        </p:txBody>
+      </p:sp>
     </p:spTree>
     <p:extLst>
       <p:ext uri="{BB962C8B-B14F-4D97-AF65-F5344CB8AC3E}">
-        <p14:creationId xmlns:p14="http://schemas.microsoft.com/office/powerpoint/2010/main" val="1654422619"/>
+        <p14:creationId xmlns:p14="http://schemas.microsoft.com/office/powerpoint/2010/main" val="2667829492"/>
       </p:ext>
     </p:extLst>
   </p:cSld>
